--- a/Athletic Performance Optimization.pptx
+++ b/Athletic Performance Optimization.pptx
@@ -14,11 +14,13 @@
     <p:sldId id="261" r:id="rId8"/>
     <p:sldId id="268" r:id="rId9"/>
     <p:sldId id="262" r:id="rId10"/>
-    <p:sldId id="263" r:id="rId11"/>
-    <p:sldId id="264" r:id="rId12"/>
-    <p:sldId id="265" r:id="rId13"/>
+    <p:sldId id="264" r:id="rId11"/>
+    <p:sldId id="265" r:id="rId12"/>
+    <p:sldId id="263" r:id="rId13"/>
     <p:sldId id="266" r:id="rId14"/>
     <p:sldId id="269" r:id="rId15"/>
+    <p:sldId id="271" r:id="rId16"/>
+    <p:sldId id="270" r:id="rId17"/>
   </p:sldIdLst>
   <p:sldSz cx="12192000" cy="6858000"/>
   <p:notesSz cx="6858000" cy="9144000"/>
@@ -175,7 +177,7 @@
           <a:noFill/>
           <a:extLst>
             <a:ext uri="{909E8E84-426E-40dd-AFC4-6F175D3DCCD1}">
-              <a14:hiddenFill xmlns="" xmlns:a14="http://schemas.microsoft.com/office/drawing/2010/main">
+              <a14:hiddenFill xmlns:a14="http://schemas.microsoft.com/office/drawing/2010/main" xmlns="">
                 <a:solidFill>
                   <a:srgbClr val="FFFFFF"/>
                 </a:solidFill>
@@ -235,7 +237,7 @@
             </a:ln>
             <a:extLst>
               <a:ext uri="{91240B29-F687-4f45-9708-019B960494DF}">
-                <a14:hiddenLine xmlns="" xmlns:a14="http://schemas.microsoft.com/office/drawing/2010/main" w="9525">
+                <a14:hiddenLine xmlns:a14="http://schemas.microsoft.com/office/drawing/2010/main" xmlns="" w="9525">
                   <a:solidFill>
                     <a:srgbClr val="000000"/>
                   </a:solidFill>
@@ -325,7 +327,7 @@
             </a:ln>
             <a:extLst>
               <a:ext uri="{91240B29-F687-4f45-9708-019B960494DF}">
-                <a14:hiddenLine xmlns="" xmlns:a14="http://schemas.microsoft.com/office/drawing/2010/main" w="9525">
+                <a14:hiddenLine xmlns:a14="http://schemas.microsoft.com/office/drawing/2010/main" xmlns="" w="9525">
                   <a:solidFill>
                     <a:srgbClr val="000000"/>
                   </a:solidFill>
@@ -415,7 +417,7 @@
             </a:ln>
             <a:extLst>
               <a:ext uri="{91240B29-F687-4f45-9708-019B960494DF}">
-                <a14:hiddenLine xmlns="" xmlns:a14="http://schemas.microsoft.com/office/drawing/2010/main" w="9525">
+                <a14:hiddenLine xmlns:a14="http://schemas.microsoft.com/office/drawing/2010/main" xmlns="" w="9525">
                   <a:solidFill>
                     <a:srgbClr val="000000"/>
                   </a:solidFill>
@@ -449,7 +451,7 @@
             </a:ln>
             <a:extLst>
               <a:ext uri="{91240B29-F687-4f45-9708-019B960494DF}">
-                <a14:hiddenLine xmlns="" xmlns:a14="http://schemas.microsoft.com/office/drawing/2010/main" w="9525">
+                <a14:hiddenLine xmlns:a14="http://schemas.microsoft.com/office/drawing/2010/main" xmlns="" w="9525">
                   <a:solidFill>
                     <a:srgbClr val="000000"/>
                   </a:solidFill>
@@ -539,7 +541,7 @@
             </a:ln>
             <a:extLst>
               <a:ext uri="{91240B29-F687-4f45-9708-019B960494DF}">
-                <a14:hiddenLine xmlns="" xmlns:a14="http://schemas.microsoft.com/office/drawing/2010/main" w="9525">
+                <a14:hiddenLine xmlns:a14="http://schemas.microsoft.com/office/drawing/2010/main" xmlns="" w="9525">
                   <a:solidFill>
                     <a:srgbClr val="000000"/>
                   </a:solidFill>
@@ -601,7 +603,7 @@
             </a:ln>
             <a:extLst>
               <a:ext uri="{91240B29-F687-4f45-9708-019B960494DF}">
-                <a14:hiddenLine xmlns="" xmlns:a14="http://schemas.microsoft.com/office/drawing/2010/main" w="9525">
+                <a14:hiddenLine xmlns:a14="http://schemas.microsoft.com/office/drawing/2010/main" xmlns="" w="9525">
                   <a:solidFill>
                     <a:srgbClr val="000000"/>
                   </a:solidFill>
@@ -663,7 +665,7 @@
             </a:ln>
             <a:extLst>
               <a:ext uri="{91240B29-F687-4f45-9708-019B960494DF}">
-                <a14:hiddenLine xmlns="" xmlns:a14="http://schemas.microsoft.com/office/drawing/2010/main" w="9525">
+                <a14:hiddenLine xmlns:a14="http://schemas.microsoft.com/office/drawing/2010/main" xmlns="" w="9525">
                   <a:solidFill>
                     <a:srgbClr val="000000"/>
                   </a:solidFill>
@@ -753,7 +755,7 @@
             </a:ln>
             <a:extLst>
               <a:ext uri="{91240B29-F687-4f45-9708-019B960494DF}">
-                <a14:hiddenLine xmlns="" xmlns:a14="http://schemas.microsoft.com/office/drawing/2010/main" w="9525">
+                <a14:hiddenLine xmlns:a14="http://schemas.microsoft.com/office/drawing/2010/main" xmlns="" w="9525">
                   <a:solidFill>
                     <a:srgbClr val="000000"/>
                   </a:solidFill>
@@ -815,7 +817,7 @@
             </a:ln>
             <a:extLst>
               <a:ext uri="{91240B29-F687-4f45-9708-019B960494DF}">
-                <a14:hiddenLine xmlns="" xmlns:a14="http://schemas.microsoft.com/office/drawing/2010/main" w="9525">
+                <a14:hiddenLine xmlns:a14="http://schemas.microsoft.com/office/drawing/2010/main" xmlns="" w="9525">
                   <a:solidFill>
                     <a:srgbClr val="000000"/>
                   </a:solidFill>
@@ -877,7 +879,7 @@
             </a:ln>
             <a:extLst>
               <a:ext uri="{91240B29-F687-4f45-9708-019B960494DF}">
-                <a14:hiddenLine xmlns="" xmlns:a14="http://schemas.microsoft.com/office/drawing/2010/main" w="9525">
+                <a14:hiddenLine xmlns:a14="http://schemas.microsoft.com/office/drawing/2010/main" xmlns="" w="9525">
                   <a:solidFill>
                     <a:srgbClr val="000000"/>
                   </a:solidFill>
@@ -967,7 +969,7 @@
             </a:ln>
             <a:extLst>
               <a:ext uri="{91240B29-F687-4f45-9708-019B960494DF}">
-                <a14:hiddenLine xmlns="" xmlns:a14="http://schemas.microsoft.com/office/drawing/2010/main" w="9525">
+                <a14:hiddenLine xmlns:a14="http://schemas.microsoft.com/office/drawing/2010/main" xmlns="" w="9525">
                   <a:solidFill>
                     <a:srgbClr val="000000"/>
                   </a:solidFill>
@@ -1057,7 +1059,7 @@
             </a:ln>
             <a:extLst>
               <a:ext uri="{91240B29-F687-4f45-9708-019B960494DF}">
-                <a14:hiddenLine xmlns="" xmlns:a14="http://schemas.microsoft.com/office/drawing/2010/main" w="9525">
+                <a14:hiddenLine xmlns:a14="http://schemas.microsoft.com/office/drawing/2010/main" xmlns="" w="9525">
                   <a:solidFill>
                     <a:srgbClr val="000000"/>
                   </a:solidFill>
@@ -1119,7 +1121,7 @@
             </a:ln>
             <a:extLst>
               <a:ext uri="{91240B29-F687-4f45-9708-019B960494DF}">
-                <a14:hiddenLine xmlns="" xmlns:a14="http://schemas.microsoft.com/office/drawing/2010/main" w="9525">
+                <a14:hiddenLine xmlns:a14="http://schemas.microsoft.com/office/drawing/2010/main" xmlns="" w="9525">
                   <a:solidFill>
                     <a:srgbClr val="000000"/>
                   </a:solidFill>
@@ -1229,7 +1231,7 @@
             </a:ln>
             <a:extLst>
               <a:ext uri="{91240B29-F687-4f45-9708-019B960494DF}">
-                <a14:hiddenLine xmlns="" xmlns:a14="http://schemas.microsoft.com/office/drawing/2010/main" w="9525">
+                <a14:hiddenLine xmlns:a14="http://schemas.microsoft.com/office/drawing/2010/main" xmlns="" w="9525">
                   <a:solidFill>
                     <a:srgbClr val="000000"/>
                   </a:solidFill>
@@ -1291,7 +1293,7 @@
             </a:ln>
             <a:extLst>
               <a:ext uri="{91240B29-F687-4f45-9708-019B960494DF}">
-                <a14:hiddenLine xmlns="" xmlns:a14="http://schemas.microsoft.com/office/drawing/2010/main" w="9525">
+                <a14:hiddenLine xmlns:a14="http://schemas.microsoft.com/office/drawing/2010/main" xmlns="" w="9525">
                   <a:solidFill>
                     <a:srgbClr val="000000"/>
                   </a:solidFill>
@@ -1381,7 +1383,7 @@
             </a:ln>
             <a:extLst>
               <a:ext uri="{91240B29-F687-4f45-9708-019B960494DF}">
-                <a14:hiddenLine xmlns="" xmlns:a14="http://schemas.microsoft.com/office/drawing/2010/main" w="9525">
+                <a14:hiddenLine xmlns:a14="http://schemas.microsoft.com/office/drawing/2010/main" xmlns="" w="9525">
                   <a:solidFill>
                     <a:srgbClr val="000000"/>
                   </a:solidFill>
@@ -1471,7 +1473,7 @@
             </a:ln>
             <a:extLst>
               <a:ext uri="{91240B29-F687-4f45-9708-019B960494DF}">
-                <a14:hiddenLine xmlns="" xmlns:a14="http://schemas.microsoft.com/office/drawing/2010/main" w="9525">
+                <a14:hiddenLine xmlns:a14="http://schemas.microsoft.com/office/drawing/2010/main" xmlns="" w="9525">
                   <a:solidFill>
                     <a:srgbClr val="000000"/>
                   </a:solidFill>
@@ -1533,7 +1535,7 @@
             </a:ln>
             <a:extLst>
               <a:ext uri="{91240B29-F687-4f45-9708-019B960494DF}">
-                <a14:hiddenLine xmlns="" xmlns:a14="http://schemas.microsoft.com/office/drawing/2010/main" w="9525">
+                <a14:hiddenLine xmlns:a14="http://schemas.microsoft.com/office/drawing/2010/main" xmlns="" w="9525">
                   <a:solidFill>
                     <a:srgbClr val="000000"/>
                   </a:solidFill>
@@ -1623,7 +1625,7 @@
             </a:ln>
             <a:extLst>
               <a:ext uri="{91240B29-F687-4f45-9708-019B960494DF}">
-                <a14:hiddenLine xmlns="" xmlns:a14="http://schemas.microsoft.com/office/drawing/2010/main" w="9525">
+                <a14:hiddenLine xmlns:a14="http://schemas.microsoft.com/office/drawing/2010/main" xmlns="" w="9525">
                   <a:solidFill>
                     <a:srgbClr val="000000"/>
                   </a:solidFill>
@@ -1713,7 +1715,7 @@
             </a:ln>
             <a:extLst>
               <a:ext uri="{91240B29-F687-4f45-9708-019B960494DF}">
-                <a14:hiddenLine xmlns="" xmlns:a14="http://schemas.microsoft.com/office/drawing/2010/main" w="9525">
+                <a14:hiddenLine xmlns:a14="http://schemas.microsoft.com/office/drawing/2010/main" xmlns="" w="9525">
                   <a:solidFill>
                     <a:srgbClr val="000000"/>
                   </a:solidFill>
@@ -1769,7 +1771,7 @@
             </a:ln>
             <a:extLst>
               <a:ext uri="{91240B29-F687-4f45-9708-019B960494DF}">
-                <a14:hiddenLine xmlns="" xmlns:a14="http://schemas.microsoft.com/office/drawing/2010/main" w="9525">
+                <a14:hiddenLine xmlns:a14="http://schemas.microsoft.com/office/drawing/2010/main" xmlns="" w="9525">
                   <a:solidFill>
                     <a:srgbClr val="000000"/>
                   </a:solidFill>
@@ -1859,7 +1861,7 @@
             </a:ln>
             <a:extLst>
               <a:ext uri="{91240B29-F687-4f45-9708-019B960494DF}">
-                <a14:hiddenLine xmlns="" xmlns:a14="http://schemas.microsoft.com/office/drawing/2010/main" w="9525">
+                <a14:hiddenLine xmlns:a14="http://schemas.microsoft.com/office/drawing/2010/main" xmlns="" w="9525">
                   <a:solidFill>
                     <a:srgbClr val="000000"/>
                   </a:solidFill>
@@ -1915,7 +1917,7 @@
             </a:ln>
             <a:extLst>
               <a:ext uri="{91240B29-F687-4f45-9708-019B960494DF}">
-                <a14:hiddenLine xmlns="" xmlns:a14="http://schemas.microsoft.com/office/drawing/2010/main" w="9525">
+                <a14:hiddenLine xmlns:a14="http://schemas.microsoft.com/office/drawing/2010/main" xmlns="" w="9525">
                   <a:solidFill>
                     <a:srgbClr val="000000"/>
                   </a:solidFill>
@@ -2005,7 +2007,7 @@
             </a:ln>
             <a:extLst>
               <a:ext uri="{91240B29-F687-4f45-9708-019B960494DF}">
-                <a14:hiddenLine xmlns="" xmlns:a14="http://schemas.microsoft.com/office/drawing/2010/main" w="9525">
+                <a14:hiddenLine xmlns:a14="http://schemas.microsoft.com/office/drawing/2010/main" xmlns="" w="9525">
                   <a:solidFill>
                     <a:srgbClr val="000000"/>
                   </a:solidFill>
@@ -2073,7 +2075,7 @@
             </a:ln>
             <a:extLst>
               <a:ext uri="{91240B29-F687-4f45-9708-019B960494DF}">
-                <a14:hiddenLine xmlns="" xmlns:a14="http://schemas.microsoft.com/office/drawing/2010/main" w="9525">
+                <a14:hiddenLine xmlns:a14="http://schemas.microsoft.com/office/drawing/2010/main" xmlns="" w="9525">
                   <a:solidFill>
                     <a:srgbClr val="000000"/>
                   </a:solidFill>
@@ -2163,7 +2165,7 @@
             </a:ln>
             <a:extLst>
               <a:ext uri="{91240B29-F687-4f45-9708-019B960494DF}">
-                <a14:hiddenLine xmlns="" xmlns:a14="http://schemas.microsoft.com/office/drawing/2010/main" w="9525">
+                <a14:hiddenLine xmlns:a14="http://schemas.microsoft.com/office/drawing/2010/main" xmlns="" w="9525">
                   <a:solidFill>
                     <a:srgbClr val="000000"/>
                   </a:solidFill>
@@ -2231,7 +2233,7 @@
             </a:ln>
             <a:extLst>
               <a:ext uri="{91240B29-F687-4f45-9708-019B960494DF}">
-                <a14:hiddenLine xmlns="" xmlns:a14="http://schemas.microsoft.com/office/drawing/2010/main" w="9525">
+                <a14:hiddenLine xmlns:a14="http://schemas.microsoft.com/office/drawing/2010/main" xmlns="" w="9525">
                   <a:solidFill>
                     <a:srgbClr val="000000"/>
                   </a:solidFill>
@@ -2321,7 +2323,7 @@
             </a:ln>
             <a:extLst>
               <a:ext uri="{91240B29-F687-4f45-9708-019B960494DF}">
-                <a14:hiddenLine xmlns="" xmlns:a14="http://schemas.microsoft.com/office/drawing/2010/main" w="9525">
+                <a14:hiddenLine xmlns:a14="http://schemas.microsoft.com/office/drawing/2010/main" xmlns="" w="9525">
                   <a:solidFill>
                     <a:srgbClr val="000000"/>
                   </a:solidFill>
@@ -2355,7 +2357,7 @@
             </a:ln>
             <a:extLst>
               <a:ext uri="{91240B29-F687-4f45-9708-019B960494DF}">
-                <a14:hiddenLine xmlns="" xmlns:a14="http://schemas.microsoft.com/office/drawing/2010/main" w="9525">
+                <a14:hiddenLine xmlns:a14="http://schemas.microsoft.com/office/drawing/2010/main" xmlns="" w="9525">
                   <a:solidFill>
                     <a:srgbClr val="000000"/>
                   </a:solidFill>
@@ -2445,7 +2447,7 @@
             </a:ln>
             <a:extLst>
               <a:ext uri="{91240B29-F687-4f45-9708-019B960494DF}">
-                <a14:hiddenLine xmlns="" xmlns:a14="http://schemas.microsoft.com/office/drawing/2010/main" w="9525">
+                <a14:hiddenLine xmlns:a14="http://schemas.microsoft.com/office/drawing/2010/main" xmlns="" w="9525">
                   <a:solidFill>
                     <a:srgbClr val="000000"/>
                   </a:solidFill>
@@ -2507,7 +2509,7 @@
             </a:ln>
             <a:extLst>
               <a:ext uri="{91240B29-F687-4f45-9708-019B960494DF}">
-                <a14:hiddenLine xmlns="" xmlns:a14="http://schemas.microsoft.com/office/drawing/2010/main" w="9525">
+                <a14:hiddenLine xmlns:a14="http://schemas.microsoft.com/office/drawing/2010/main" xmlns="" w="9525">
                   <a:solidFill>
                     <a:srgbClr val="000000"/>
                   </a:solidFill>
@@ -2569,7 +2571,7 @@
             </a:ln>
             <a:extLst>
               <a:ext uri="{91240B29-F687-4f45-9708-019B960494DF}">
-                <a14:hiddenLine xmlns="" xmlns:a14="http://schemas.microsoft.com/office/drawing/2010/main" w="9525">
+                <a14:hiddenLine xmlns:a14="http://schemas.microsoft.com/office/drawing/2010/main" xmlns="" w="9525">
                   <a:solidFill>
                     <a:srgbClr val="000000"/>
                   </a:solidFill>
@@ -2659,7 +2661,7 @@
             </a:ln>
             <a:extLst>
               <a:ext uri="{91240B29-F687-4f45-9708-019B960494DF}">
-                <a14:hiddenLine xmlns="" xmlns:a14="http://schemas.microsoft.com/office/drawing/2010/main" w="9525">
+                <a14:hiddenLine xmlns:a14="http://schemas.microsoft.com/office/drawing/2010/main" xmlns="" w="9525">
                   <a:solidFill>
                     <a:srgbClr val="000000"/>
                   </a:solidFill>
@@ -2727,7 +2729,7 @@
             </a:ln>
             <a:extLst>
               <a:ext uri="{91240B29-F687-4f45-9708-019B960494DF}">
-                <a14:hiddenLine xmlns="" xmlns:a14="http://schemas.microsoft.com/office/drawing/2010/main" w="9525">
+                <a14:hiddenLine xmlns:a14="http://schemas.microsoft.com/office/drawing/2010/main" xmlns="" w="9525">
                   <a:solidFill>
                     <a:srgbClr val="000000"/>
                   </a:solidFill>
@@ -2789,7 +2791,7 @@
             </a:ln>
             <a:extLst>
               <a:ext uri="{91240B29-F687-4f45-9708-019B960494DF}">
-                <a14:hiddenLine xmlns="" xmlns:a14="http://schemas.microsoft.com/office/drawing/2010/main" w="9525">
+                <a14:hiddenLine xmlns:a14="http://schemas.microsoft.com/office/drawing/2010/main" xmlns="" w="9525">
                   <a:solidFill>
                     <a:srgbClr val="000000"/>
                   </a:solidFill>
@@ -2879,7 +2881,7 @@
             </a:ln>
             <a:extLst>
               <a:ext uri="{91240B29-F687-4f45-9708-019B960494DF}">
-                <a14:hiddenLine xmlns="" xmlns:a14="http://schemas.microsoft.com/office/drawing/2010/main" w="9525">
+                <a14:hiddenLine xmlns:a14="http://schemas.microsoft.com/office/drawing/2010/main" xmlns="" w="9525">
                   <a:solidFill>
                     <a:srgbClr val="000000"/>
                   </a:solidFill>
@@ -2941,7 +2943,7 @@
             </a:ln>
             <a:extLst>
               <a:ext uri="{91240B29-F687-4f45-9708-019B960494DF}">
-                <a14:hiddenLine xmlns="" xmlns:a14="http://schemas.microsoft.com/office/drawing/2010/main" w="9525">
+                <a14:hiddenLine xmlns:a14="http://schemas.microsoft.com/office/drawing/2010/main" xmlns="" w="9525">
                   <a:solidFill>
                     <a:srgbClr val="000000"/>
                   </a:solidFill>
@@ -3031,7 +3033,7 @@
             </a:ln>
             <a:extLst>
               <a:ext uri="{91240B29-F687-4f45-9708-019B960494DF}">
-                <a14:hiddenLine xmlns="" xmlns:a14="http://schemas.microsoft.com/office/drawing/2010/main" w="9525">
+                <a14:hiddenLine xmlns:a14="http://schemas.microsoft.com/office/drawing/2010/main" xmlns="" w="9525">
                   <a:solidFill>
                     <a:srgbClr val="000000"/>
                   </a:solidFill>
@@ -3093,7 +3095,7 @@
             </a:ln>
             <a:extLst>
               <a:ext uri="{91240B29-F687-4f45-9708-019B960494DF}">
-                <a14:hiddenLine xmlns="" xmlns:a14="http://schemas.microsoft.com/office/drawing/2010/main" w="9525">
+                <a14:hiddenLine xmlns:a14="http://schemas.microsoft.com/office/drawing/2010/main" xmlns="" w="9525">
                   <a:solidFill>
                     <a:srgbClr val="000000"/>
                   </a:solidFill>
@@ -3183,7 +3185,7 @@
             </a:ln>
             <a:extLst>
               <a:ext uri="{91240B29-F687-4f45-9708-019B960494DF}">
-                <a14:hiddenLine xmlns="" xmlns:a14="http://schemas.microsoft.com/office/drawing/2010/main" w="9525">
+                <a14:hiddenLine xmlns:a14="http://schemas.microsoft.com/office/drawing/2010/main" xmlns="" w="9525">
                   <a:solidFill>
                     <a:srgbClr val="000000"/>
                   </a:solidFill>
@@ -3217,7 +3219,7 @@
             </a:ln>
             <a:extLst>
               <a:ext uri="{91240B29-F687-4f45-9708-019B960494DF}">
-                <a14:hiddenLine xmlns="" xmlns:a14="http://schemas.microsoft.com/office/drawing/2010/main" w="9525">
+                <a14:hiddenLine xmlns:a14="http://schemas.microsoft.com/office/drawing/2010/main" xmlns="" w="9525">
                   <a:solidFill>
                     <a:srgbClr val="000000"/>
                   </a:solidFill>
@@ -3282,7 +3284,7 @@
             </a:ln>
             <a:extLst>
               <a:ext uri="{91240B29-F687-4f45-9708-019B960494DF}">
-                <a14:hiddenLine xmlns="" xmlns:a14="http://schemas.microsoft.com/office/drawing/2010/main" w="9525">
+                <a14:hiddenLine xmlns:a14="http://schemas.microsoft.com/office/drawing/2010/main" xmlns="" w="9525">
                   <a:solidFill>
                     <a:srgbClr val="000000"/>
                   </a:solidFill>
@@ -3372,7 +3374,7 @@
             </a:ln>
             <a:extLst>
               <a:ext uri="{91240B29-F687-4f45-9708-019B960494DF}">
-                <a14:hiddenLine xmlns="" xmlns:a14="http://schemas.microsoft.com/office/drawing/2010/main" w="9525">
+                <a14:hiddenLine xmlns:a14="http://schemas.microsoft.com/office/drawing/2010/main" xmlns="" w="9525">
                   <a:solidFill>
                     <a:srgbClr val="000000"/>
                   </a:solidFill>
@@ -3434,7 +3436,7 @@
             </a:ln>
             <a:extLst>
               <a:ext uri="{91240B29-F687-4f45-9708-019B960494DF}">
-                <a14:hiddenLine xmlns="" xmlns:a14="http://schemas.microsoft.com/office/drawing/2010/main" w="9525">
+                <a14:hiddenLine xmlns:a14="http://schemas.microsoft.com/office/drawing/2010/main" xmlns="" w="9525">
                   <a:solidFill>
                     <a:srgbClr val="000000"/>
                   </a:solidFill>
@@ -3524,7 +3526,7 @@
             </a:ln>
             <a:extLst>
               <a:ext uri="{91240B29-F687-4f45-9708-019B960494DF}">
-                <a14:hiddenLine xmlns="" xmlns:a14="http://schemas.microsoft.com/office/drawing/2010/main" w="9525">
+                <a14:hiddenLine xmlns:a14="http://schemas.microsoft.com/office/drawing/2010/main" xmlns="" w="9525">
                   <a:solidFill>
                     <a:srgbClr val="000000"/>
                   </a:solidFill>
@@ -3614,7 +3616,7 @@
             </a:ln>
             <a:extLst>
               <a:ext uri="{91240B29-F687-4f45-9708-019B960494DF}">
-                <a14:hiddenLine xmlns="" xmlns:a14="http://schemas.microsoft.com/office/drawing/2010/main" w="9525">
+                <a14:hiddenLine xmlns:a14="http://schemas.microsoft.com/office/drawing/2010/main" xmlns="" w="9525">
                   <a:solidFill>
                     <a:srgbClr val="000000"/>
                   </a:solidFill>
@@ -3679,7 +3681,7 @@
             </a:ln>
             <a:extLst>
               <a:ext uri="{91240B29-F687-4f45-9708-019B960494DF}">
-                <a14:hiddenLine xmlns="" xmlns:a14="http://schemas.microsoft.com/office/drawing/2010/main" w="9525">
+                <a14:hiddenLine xmlns:a14="http://schemas.microsoft.com/office/drawing/2010/main" xmlns="" w="9525">
                   <a:solidFill>
                     <a:srgbClr val="000000"/>
                   </a:solidFill>
@@ -3741,7 +3743,7 @@
             </a:ln>
             <a:extLst>
               <a:ext uri="{91240B29-F687-4f45-9708-019B960494DF}">
-                <a14:hiddenLine xmlns="" xmlns:a14="http://schemas.microsoft.com/office/drawing/2010/main" w="9525">
+                <a14:hiddenLine xmlns:a14="http://schemas.microsoft.com/office/drawing/2010/main" xmlns="" w="9525">
                   <a:solidFill>
                     <a:srgbClr val="000000"/>
                   </a:solidFill>
@@ -3831,7 +3833,7 @@
             </a:ln>
             <a:extLst>
               <a:ext uri="{91240B29-F687-4f45-9708-019B960494DF}">
-                <a14:hiddenLine xmlns="" xmlns:a14="http://schemas.microsoft.com/office/drawing/2010/main" w="9525">
+                <a14:hiddenLine xmlns:a14="http://schemas.microsoft.com/office/drawing/2010/main" xmlns="" w="9525">
                   <a:solidFill>
                     <a:srgbClr val="000000"/>
                   </a:solidFill>
@@ -3921,7 +3923,7 @@
             </a:ln>
             <a:extLst>
               <a:ext uri="{91240B29-F687-4f45-9708-019B960494DF}">
-                <a14:hiddenLine xmlns="" xmlns:a14="http://schemas.microsoft.com/office/drawing/2010/main" w="9525">
+                <a14:hiddenLine xmlns:a14="http://schemas.microsoft.com/office/drawing/2010/main" xmlns="" w="9525">
                   <a:solidFill>
                     <a:srgbClr val="000000"/>
                   </a:solidFill>
@@ -3983,7 +3985,7 @@
             </a:ln>
             <a:extLst>
               <a:ext uri="{91240B29-F687-4f45-9708-019B960494DF}">
-                <a14:hiddenLine xmlns="" xmlns:a14="http://schemas.microsoft.com/office/drawing/2010/main" w="9525">
+                <a14:hiddenLine xmlns:a14="http://schemas.microsoft.com/office/drawing/2010/main" xmlns="" w="9525">
                   <a:solidFill>
                     <a:srgbClr val="000000"/>
                   </a:solidFill>
@@ -4103,7 +4105,7 @@
             </a:ln>
             <a:extLst>
               <a:ext uri="{91240B29-F687-4f45-9708-019B960494DF}">
-                <a14:hiddenLine xmlns="" xmlns:a14="http://schemas.microsoft.com/office/drawing/2010/main" w="9525">
+                <a14:hiddenLine xmlns:a14="http://schemas.microsoft.com/office/drawing/2010/main" xmlns="" w="9525">
                   <a:solidFill>
                     <a:srgbClr val="000000"/>
                   </a:solidFill>
@@ -4171,7 +4173,7 @@
             </a:ln>
             <a:extLst>
               <a:ext uri="{91240B29-F687-4f45-9708-019B960494DF}">
-                <a14:hiddenLine xmlns="" xmlns:a14="http://schemas.microsoft.com/office/drawing/2010/main" w="9525">
+                <a14:hiddenLine xmlns:a14="http://schemas.microsoft.com/office/drawing/2010/main" xmlns="" w="9525">
                   <a:solidFill>
                     <a:srgbClr val="000000"/>
                   </a:solidFill>
@@ -4261,7 +4263,7 @@
             </a:ln>
             <a:extLst>
               <a:ext uri="{91240B29-F687-4f45-9708-019B960494DF}">
-                <a14:hiddenLine xmlns="" xmlns:a14="http://schemas.microsoft.com/office/drawing/2010/main" w="9525">
+                <a14:hiddenLine xmlns:a14="http://schemas.microsoft.com/office/drawing/2010/main" xmlns="" w="9525">
                   <a:solidFill>
                     <a:srgbClr val="000000"/>
                   </a:solidFill>
@@ -4401,7 +4403,7 @@
           <a:p>
             <a:fld id="{CA79DDF4-BB6F-47DB-ADDE-7A4C0A75614C}" type="datetimeFigureOut">
               <a:rPr lang="en-US" smtClean="0"/>
-              <a:t>3/10/2022</a:t>
+              <a:t>3/11/2022</a:t>
             </a:fld>
             <a:endParaRPr lang="en-US" dirty="0"/>
           </a:p>
@@ -4667,7 +4669,7 @@
           <a:p>
             <a:fld id="{CA79DDF4-BB6F-47DB-ADDE-7A4C0A75614C}" type="datetimeFigureOut">
               <a:rPr lang="en-US" smtClean="0"/>
-              <a:t>3/10/2022</a:t>
+              <a:t>3/11/2022</a:t>
             </a:fld>
             <a:endParaRPr lang="en-US" dirty="0"/>
           </a:p>
@@ -4863,7 +4865,7 @@
           <a:p>
             <a:fld id="{CA79DDF4-BB6F-47DB-ADDE-7A4C0A75614C}" type="datetimeFigureOut">
               <a:rPr lang="en-US" smtClean="0"/>
-              <a:t>3/10/2022</a:t>
+              <a:t>3/11/2022</a:t>
             </a:fld>
             <a:endParaRPr lang="en-US" dirty="0"/>
           </a:p>
@@ -5126,7 +5128,7 @@
           <a:p>
             <a:fld id="{CA79DDF4-BB6F-47DB-ADDE-7A4C0A75614C}" type="datetimeFigureOut">
               <a:rPr lang="en-US" smtClean="0"/>
-              <a:t>3/10/2022</a:t>
+              <a:t>3/11/2022</a:t>
             </a:fld>
             <a:endParaRPr lang="en-US" dirty="0"/>
           </a:p>
@@ -5560,7 +5562,7 @@
           <a:p>
             <a:fld id="{CA79DDF4-BB6F-47DB-ADDE-7A4C0A75614C}" type="datetimeFigureOut">
               <a:rPr lang="en-US" smtClean="0"/>
-              <a:t>3/10/2022</a:t>
+              <a:t>3/11/2022</a:t>
             </a:fld>
             <a:endParaRPr lang="en-US" dirty="0"/>
           </a:p>
@@ -6106,7 +6108,7 @@
           <a:p>
             <a:fld id="{CA79DDF4-BB6F-47DB-ADDE-7A4C0A75614C}" type="datetimeFigureOut">
               <a:rPr lang="en-US" smtClean="0"/>
-              <a:t>3/10/2022</a:t>
+              <a:t>3/11/2022</a:t>
             </a:fld>
             <a:endParaRPr lang="en-US" dirty="0"/>
           </a:p>
@@ -6823,7 +6825,7 @@
           <a:p>
             <a:fld id="{CA79DDF4-BB6F-47DB-ADDE-7A4C0A75614C}" type="datetimeFigureOut">
               <a:rPr lang="en-US" smtClean="0"/>
-              <a:t>3/10/2022</a:t>
+              <a:t>3/11/2022</a:t>
             </a:fld>
             <a:endParaRPr lang="en-US" dirty="0"/>
           </a:p>
@@ -6993,7 +6995,7 @@
           <a:p>
             <a:fld id="{CA79DDF4-BB6F-47DB-ADDE-7A4C0A75614C}" type="datetimeFigureOut">
               <a:rPr lang="en-US" smtClean="0"/>
-              <a:t>3/10/2022</a:t>
+              <a:t>3/11/2022</a:t>
             </a:fld>
             <a:endParaRPr lang="en-US" dirty="0"/>
           </a:p>
@@ -7173,7 +7175,7 @@
           <a:p>
             <a:fld id="{CA79DDF4-BB6F-47DB-ADDE-7A4C0A75614C}" type="datetimeFigureOut">
               <a:rPr lang="en-US" smtClean="0"/>
-              <a:t>3/10/2022</a:t>
+              <a:t>3/11/2022</a:t>
             </a:fld>
             <a:endParaRPr lang="en-US" dirty="0"/>
           </a:p>
@@ -7343,7 +7345,7 @@
           <a:p>
             <a:fld id="{CA79DDF4-BB6F-47DB-ADDE-7A4C0A75614C}" type="datetimeFigureOut">
               <a:rPr lang="en-US" smtClean="0"/>
-              <a:t>3/10/2022</a:t>
+              <a:t>3/11/2022</a:t>
             </a:fld>
             <a:endParaRPr lang="en-US" dirty="0"/>
           </a:p>
@@ -7593,7 +7595,7 @@
           <a:p>
             <a:fld id="{CA79DDF4-BB6F-47DB-ADDE-7A4C0A75614C}" type="datetimeFigureOut">
               <a:rPr lang="en-US" smtClean="0"/>
-              <a:t>3/10/2022</a:t>
+              <a:t>3/11/2022</a:t>
             </a:fld>
             <a:endParaRPr lang="en-US" dirty="0"/>
           </a:p>
@@ -7825,7 +7827,7 @@
           <a:p>
             <a:fld id="{CA79DDF4-BB6F-47DB-ADDE-7A4C0A75614C}" type="datetimeFigureOut">
               <a:rPr lang="en-US" smtClean="0"/>
-              <a:t>3/10/2022</a:t>
+              <a:t>3/11/2022</a:t>
             </a:fld>
             <a:endParaRPr lang="en-US" dirty="0"/>
           </a:p>
@@ -8206,7 +8208,7 @@
           <a:p>
             <a:fld id="{CA79DDF4-BB6F-47DB-ADDE-7A4C0A75614C}" type="datetimeFigureOut">
               <a:rPr lang="en-US" smtClean="0"/>
-              <a:t>3/10/2022</a:t>
+              <a:t>3/11/2022</a:t>
             </a:fld>
             <a:endParaRPr lang="en-US" dirty="0"/>
           </a:p>
@@ -8324,7 +8326,7 @@
           <a:p>
             <a:fld id="{CA79DDF4-BB6F-47DB-ADDE-7A4C0A75614C}" type="datetimeFigureOut">
               <a:rPr lang="en-US" smtClean="0"/>
-              <a:t>3/10/2022</a:t>
+              <a:t>3/11/2022</a:t>
             </a:fld>
             <a:endParaRPr lang="en-US" dirty="0"/>
           </a:p>
@@ -8419,7 +8421,7 @@
           <a:p>
             <a:fld id="{CA79DDF4-BB6F-47DB-ADDE-7A4C0A75614C}" type="datetimeFigureOut">
               <a:rPr lang="en-US" smtClean="0"/>
-              <a:t>3/10/2022</a:t>
+              <a:t>3/11/2022</a:t>
             </a:fld>
             <a:endParaRPr lang="en-US" dirty="0"/>
           </a:p>
@@ -8668,7 +8670,7 @@
           <a:p>
             <a:fld id="{CA79DDF4-BB6F-47DB-ADDE-7A4C0A75614C}" type="datetimeFigureOut">
               <a:rPr lang="en-US" smtClean="0"/>
-              <a:t>3/10/2022</a:t>
+              <a:t>3/11/2022</a:t>
             </a:fld>
             <a:endParaRPr lang="en-US" dirty="0"/>
           </a:p>
@@ -8947,7 +8949,7 @@
           <a:p>
             <a:fld id="{CA79DDF4-BB6F-47DB-ADDE-7A4C0A75614C}" type="datetimeFigureOut">
               <a:rPr lang="en-US" smtClean="0"/>
-              <a:t>3/10/2022</a:t>
+              <a:t>3/11/2022</a:t>
             </a:fld>
             <a:endParaRPr lang="en-US" dirty="0"/>
           </a:p>
@@ -9063,7 +9065,7 @@
           <a:noFill/>
           <a:extLst>
             <a:ext uri="{909E8E84-426E-40dd-AFC4-6F175D3DCCD1}">
-              <a14:hiddenFill xmlns="" xmlns:a14="http://schemas.microsoft.com/office/drawing/2010/main">
+              <a14:hiddenFill xmlns:a14="http://schemas.microsoft.com/office/drawing/2010/main" xmlns="">
                 <a:solidFill>
                   <a:srgbClr val="FFFFFF"/>
                 </a:solidFill>
@@ -9137,7 +9139,7 @@
               </a:ln>
               <a:extLst>
                 <a:ext uri="{91240B29-F687-4f45-9708-019B960494DF}">
-                  <a14:hiddenLine xmlns="" xmlns:a14="http://schemas.microsoft.com/office/drawing/2010/main" w="9525">
+                  <a14:hiddenLine xmlns:a14="http://schemas.microsoft.com/office/drawing/2010/main" xmlns="" w="9525">
                     <a:solidFill>
                       <a:srgbClr val="000000"/>
                     </a:solidFill>
@@ -9227,7 +9229,7 @@
               </a:ln>
               <a:extLst>
                 <a:ext uri="{91240B29-F687-4f45-9708-019B960494DF}">
-                  <a14:hiddenLine xmlns="" xmlns:a14="http://schemas.microsoft.com/office/drawing/2010/main" w="9525">
+                  <a14:hiddenLine xmlns:a14="http://schemas.microsoft.com/office/drawing/2010/main" xmlns="" w="9525">
                     <a:solidFill>
                       <a:srgbClr val="000000"/>
                     </a:solidFill>
@@ -9317,7 +9319,7 @@
               </a:ln>
               <a:extLst>
                 <a:ext uri="{91240B29-F687-4f45-9708-019B960494DF}">
-                  <a14:hiddenLine xmlns="" xmlns:a14="http://schemas.microsoft.com/office/drawing/2010/main" w="9525">
+                  <a14:hiddenLine xmlns:a14="http://schemas.microsoft.com/office/drawing/2010/main" xmlns="" w="9525">
                     <a:solidFill>
                       <a:srgbClr val="000000"/>
                     </a:solidFill>
@@ -9379,7 +9381,7 @@
               </a:ln>
               <a:extLst>
                 <a:ext uri="{91240B29-F687-4f45-9708-019B960494DF}">
-                  <a14:hiddenLine xmlns="" xmlns:a14="http://schemas.microsoft.com/office/drawing/2010/main" w="9525">
+                  <a14:hiddenLine xmlns:a14="http://schemas.microsoft.com/office/drawing/2010/main" xmlns="" w="9525">
                     <a:solidFill>
                       <a:srgbClr val="000000"/>
                     </a:solidFill>
@@ -9469,7 +9471,7 @@
               </a:ln>
               <a:extLst>
                 <a:ext uri="{91240B29-F687-4f45-9708-019B960494DF}">
-                  <a14:hiddenLine xmlns="" xmlns:a14="http://schemas.microsoft.com/office/drawing/2010/main" w="9525">
+                  <a14:hiddenLine xmlns:a14="http://schemas.microsoft.com/office/drawing/2010/main" xmlns="" w="9525">
                     <a:solidFill>
                       <a:srgbClr val="000000"/>
                     </a:solidFill>
@@ -9531,7 +9533,7 @@
               </a:ln>
               <a:extLst>
                 <a:ext uri="{91240B29-F687-4f45-9708-019B960494DF}">
-                  <a14:hiddenLine xmlns="" xmlns:a14="http://schemas.microsoft.com/office/drawing/2010/main" w="9525">
+                  <a14:hiddenLine xmlns:a14="http://schemas.microsoft.com/office/drawing/2010/main" xmlns="" w="9525">
                     <a:solidFill>
                       <a:srgbClr val="000000"/>
                     </a:solidFill>
@@ -9593,7 +9595,7 @@
               </a:ln>
               <a:extLst>
                 <a:ext uri="{91240B29-F687-4f45-9708-019B960494DF}">
-                  <a14:hiddenLine xmlns="" xmlns:a14="http://schemas.microsoft.com/office/drawing/2010/main" w="9525">
+                  <a14:hiddenLine xmlns:a14="http://schemas.microsoft.com/office/drawing/2010/main" xmlns="" w="9525">
                     <a:solidFill>
                       <a:srgbClr val="000000"/>
                     </a:solidFill>
@@ -9683,7 +9685,7 @@
               </a:ln>
               <a:extLst>
                 <a:ext uri="{91240B29-F687-4f45-9708-019B960494DF}">
-                  <a14:hiddenLine xmlns="" xmlns:a14="http://schemas.microsoft.com/office/drawing/2010/main" w="9525">
+                  <a14:hiddenLine xmlns:a14="http://schemas.microsoft.com/office/drawing/2010/main" xmlns="" w="9525">
                     <a:solidFill>
                       <a:srgbClr val="000000"/>
                     </a:solidFill>
@@ -9773,7 +9775,7 @@
               </a:ln>
               <a:extLst>
                 <a:ext uri="{91240B29-F687-4f45-9708-019B960494DF}">
-                  <a14:hiddenLine xmlns="" xmlns:a14="http://schemas.microsoft.com/office/drawing/2010/main" w="9525">
+                  <a14:hiddenLine xmlns:a14="http://schemas.microsoft.com/office/drawing/2010/main" xmlns="" w="9525">
                     <a:solidFill>
                       <a:srgbClr val="000000"/>
                     </a:solidFill>
@@ -9835,7 +9837,7 @@
               </a:ln>
               <a:extLst>
                 <a:ext uri="{91240B29-F687-4f45-9708-019B960494DF}">
-                  <a14:hiddenLine xmlns="" xmlns:a14="http://schemas.microsoft.com/office/drawing/2010/main" w="9525">
+                  <a14:hiddenLine xmlns:a14="http://schemas.microsoft.com/office/drawing/2010/main" xmlns="" w="9525">
                     <a:solidFill>
                       <a:srgbClr val="000000"/>
                     </a:solidFill>
@@ -9945,7 +9947,7 @@
               </a:ln>
               <a:extLst>
                 <a:ext uri="{91240B29-F687-4f45-9708-019B960494DF}">
-                  <a14:hiddenLine xmlns="" xmlns:a14="http://schemas.microsoft.com/office/drawing/2010/main" w="9525">
+                  <a14:hiddenLine xmlns:a14="http://schemas.microsoft.com/office/drawing/2010/main" xmlns="" w="9525">
                     <a:solidFill>
                       <a:srgbClr val="000000"/>
                     </a:solidFill>
@@ -10029,7 +10031,7 @@
               </a:ln>
               <a:extLst>
                 <a:ext uri="{91240B29-F687-4f45-9708-019B960494DF}">
-                  <a14:hiddenLine xmlns="" xmlns:a14="http://schemas.microsoft.com/office/drawing/2010/main" w="9525">
+                  <a14:hiddenLine xmlns:a14="http://schemas.microsoft.com/office/drawing/2010/main" xmlns="" w="9525">
                     <a:solidFill>
                       <a:srgbClr val="000000"/>
                     </a:solidFill>
@@ -10091,7 +10093,7 @@
               </a:ln>
               <a:extLst>
                 <a:ext uri="{91240B29-F687-4f45-9708-019B960494DF}">
-                  <a14:hiddenLine xmlns="" xmlns:a14="http://schemas.microsoft.com/office/drawing/2010/main" w="9525">
+                  <a14:hiddenLine xmlns:a14="http://schemas.microsoft.com/office/drawing/2010/main" xmlns="" w="9525">
                     <a:solidFill>
                       <a:srgbClr val="000000"/>
                     </a:solidFill>
@@ -10153,7 +10155,7 @@
               </a:ln>
               <a:extLst>
                 <a:ext uri="{91240B29-F687-4f45-9708-019B960494DF}">
-                  <a14:hiddenLine xmlns="" xmlns:a14="http://schemas.microsoft.com/office/drawing/2010/main" w="9525">
+                  <a14:hiddenLine xmlns:a14="http://schemas.microsoft.com/office/drawing/2010/main" xmlns="" w="9525">
                     <a:solidFill>
                       <a:srgbClr val="000000"/>
                     </a:solidFill>
@@ -10243,7 +10245,7 @@
               </a:ln>
               <a:extLst>
                 <a:ext uri="{91240B29-F687-4f45-9708-019B960494DF}">
-                  <a14:hiddenLine xmlns="" xmlns:a14="http://schemas.microsoft.com/office/drawing/2010/main" w="9525">
+                  <a14:hiddenLine xmlns:a14="http://schemas.microsoft.com/office/drawing/2010/main" xmlns="" w="9525">
                     <a:solidFill>
                       <a:srgbClr val="000000"/>
                     </a:solidFill>
@@ -10277,7 +10279,7 @@
               </a:ln>
               <a:extLst>
                 <a:ext uri="{91240B29-F687-4f45-9708-019B960494DF}">
-                  <a14:hiddenLine xmlns="" xmlns:a14="http://schemas.microsoft.com/office/drawing/2010/main" w="9525">
+                  <a14:hiddenLine xmlns:a14="http://schemas.microsoft.com/office/drawing/2010/main" xmlns="" w="9525">
                     <a:solidFill>
                       <a:srgbClr val="000000"/>
                     </a:solidFill>
@@ -10342,7 +10344,7 @@
               </a:ln>
               <a:extLst>
                 <a:ext uri="{91240B29-F687-4f45-9708-019B960494DF}">
-                  <a14:hiddenLine xmlns="" xmlns:a14="http://schemas.microsoft.com/office/drawing/2010/main" w="9525">
+                  <a14:hiddenLine xmlns:a14="http://schemas.microsoft.com/office/drawing/2010/main" xmlns="" w="9525">
                     <a:solidFill>
                       <a:srgbClr val="000000"/>
                     </a:solidFill>
@@ -10432,7 +10434,7 @@
               </a:ln>
               <a:extLst>
                 <a:ext uri="{91240B29-F687-4f45-9708-019B960494DF}">
-                  <a14:hiddenLine xmlns="" xmlns:a14="http://schemas.microsoft.com/office/drawing/2010/main" w="9525">
+                  <a14:hiddenLine xmlns:a14="http://schemas.microsoft.com/office/drawing/2010/main" xmlns="" w="9525">
                     <a:solidFill>
                       <a:srgbClr val="000000"/>
                     </a:solidFill>
@@ -10494,7 +10496,7 @@
               </a:ln>
               <a:extLst>
                 <a:ext uri="{91240B29-F687-4f45-9708-019B960494DF}">
-                  <a14:hiddenLine xmlns="" xmlns:a14="http://schemas.microsoft.com/office/drawing/2010/main" w="9525">
+                  <a14:hiddenLine xmlns:a14="http://schemas.microsoft.com/office/drawing/2010/main" xmlns="" w="9525">
                     <a:solidFill>
                       <a:srgbClr val="000000"/>
                     </a:solidFill>
@@ -10584,7 +10586,7 @@
               </a:ln>
               <a:extLst>
                 <a:ext uri="{91240B29-F687-4f45-9708-019B960494DF}">
-                  <a14:hiddenLine xmlns="" xmlns:a14="http://schemas.microsoft.com/office/drawing/2010/main" w="9525">
+                  <a14:hiddenLine xmlns:a14="http://schemas.microsoft.com/office/drawing/2010/main" xmlns="" w="9525">
                     <a:solidFill>
                       <a:srgbClr val="000000"/>
                     </a:solidFill>
@@ -10649,7 +10651,7 @@
               </a:ln>
               <a:extLst>
                 <a:ext uri="{91240B29-F687-4f45-9708-019B960494DF}">
-                  <a14:hiddenLine xmlns="" xmlns:a14="http://schemas.microsoft.com/office/drawing/2010/main" w="9525">
+                  <a14:hiddenLine xmlns:a14="http://schemas.microsoft.com/office/drawing/2010/main" xmlns="" w="9525">
                     <a:solidFill>
                       <a:srgbClr val="000000"/>
                     </a:solidFill>
@@ -10711,7 +10713,7 @@
               </a:ln>
               <a:extLst>
                 <a:ext uri="{91240B29-F687-4f45-9708-019B960494DF}">
-                  <a14:hiddenLine xmlns="" xmlns:a14="http://schemas.microsoft.com/office/drawing/2010/main" w="9525">
+                  <a14:hiddenLine xmlns:a14="http://schemas.microsoft.com/office/drawing/2010/main" xmlns="" w="9525">
                     <a:solidFill>
                       <a:srgbClr val="000000"/>
                     </a:solidFill>
@@ -10801,7 +10803,7 @@
               </a:ln>
               <a:extLst>
                 <a:ext uri="{91240B29-F687-4f45-9708-019B960494DF}">
-                  <a14:hiddenLine xmlns="" xmlns:a14="http://schemas.microsoft.com/office/drawing/2010/main" w="9525">
+                  <a14:hiddenLine xmlns:a14="http://schemas.microsoft.com/office/drawing/2010/main" xmlns="" w="9525">
                     <a:solidFill>
                       <a:srgbClr val="000000"/>
                     </a:solidFill>
@@ -10891,7 +10893,7 @@
               </a:ln>
               <a:extLst>
                 <a:ext uri="{91240B29-F687-4f45-9708-019B960494DF}">
-                  <a14:hiddenLine xmlns="" xmlns:a14="http://schemas.microsoft.com/office/drawing/2010/main" w="9525">
+                  <a14:hiddenLine xmlns:a14="http://schemas.microsoft.com/office/drawing/2010/main" xmlns="" w="9525">
                     <a:solidFill>
                       <a:srgbClr val="000000"/>
                     </a:solidFill>
@@ -10956,7 +10958,7 @@
               </a:ln>
               <a:extLst>
                 <a:ext uri="{91240B29-F687-4f45-9708-019B960494DF}">
-                  <a14:hiddenLine xmlns="" xmlns:a14="http://schemas.microsoft.com/office/drawing/2010/main" w="9525">
+                  <a14:hiddenLine xmlns:a14="http://schemas.microsoft.com/office/drawing/2010/main" xmlns="" w="9525">
                     <a:solidFill>
                       <a:srgbClr val="000000"/>
                     </a:solidFill>
@@ -11076,7 +11078,7 @@
               </a:ln>
               <a:extLst>
                 <a:ext uri="{91240B29-F687-4f45-9708-019B960494DF}">
-                  <a14:hiddenLine xmlns="" xmlns:a14="http://schemas.microsoft.com/office/drawing/2010/main" w="9525">
+                  <a14:hiddenLine xmlns:a14="http://schemas.microsoft.com/office/drawing/2010/main" xmlns="" w="9525">
                     <a:solidFill>
                       <a:srgbClr val="000000"/>
                     </a:solidFill>
@@ -11174,7 +11176,7 @@
               </a:ln>
               <a:extLst>
                 <a:ext uri="{91240B29-F687-4f45-9708-019B960494DF}">
-                  <a14:hiddenLine xmlns="" xmlns:a14="http://schemas.microsoft.com/office/drawing/2010/main" w="9525">
+                  <a14:hiddenLine xmlns:a14="http://schemas.microsoft.com/office/drawing/2010/main" xmlns="" w="9525">
                     <a:solidFill>
                       <a:srgbClr val="000000"/>
                     </a:solidFill>
@@ -11289,7 +11291,7 @@
               </a:ln>
               <a:extLst>
                 <a:ext uri="{91240B29-F687-4f45-9708-019B960494DF}">
-                  <a14:hiddenLine xmlns="" xmlns:a14="http://schemas.microsoft.com/office/drawing/2010/main" w="9525">
+                  <a14:hiddenLine xmlns:a14="http://schemas.microsoft.com/office/drawing/2010/main" xmlns="" w="9525">
                     <a:solidFill>
                       <a:srgbClr val="000000"/>
                     </a:solidFill>
@@ -11379,7 +11381,7 @@
               </a:ln>
               <a:extLst>
                 <a:ext uri="{91240B29-F687-4f45-9708-019B960494DF}">
-                  <a14:hiddenLine xmlns="" xmlns:a14="http://schemas.microsoft.com/office/drawing/2010/main" w="9525">
+                  <a14:hiddenLine xmlns:a14="http://schemas.microsoft.com/office/drawing/2010/main" xmlns="" w="9525">
                     <a:solidFill>
                       <a:srgbClr val="000000"/>
                     </a:solidFill>
@@ -11444,7 +11446,7 @@
               </a:ln>
               <a:extLst>
                 <a:ext uri="{91240B29-F687-4f45-9708-019B960494DF}">
-                  <a14:hiddenLine xmlns="" xmlns:a14="http://schemas.microsoft.com/office/drawing/2010/main" w="9525">
+                  <a14:hiddenLine xmlns:a14="http://schemas.microsoft.com/office/drawing/2010/main" xmlns="" w="9525">
                     <a:solidFill>
                       <a:srgbClr val="000000"/>
                     </a:solidFill>
@@ -11534,7 +11536,7 @@
               </a:ln>
               <a:extLst>
                 <a:ext uri="{91240B29-F687-4f45-9708-019B960494DF}">
-                  <a14:hiddenLine xmlns="" xmlns:a14="http://schemas.microsoft.com/office/drawing/2010/main" w="9525">
+                  <a14:hiddenLine xmlns:a14="http://schemas.microsoft.com/office/drawing/2010/main" xmlns="" w="9525">
                     <a:solidFill>
                       <a:srgbClr val="000000"/>
                     </a:solidFill>
@@ -11602,7 +11604,7 @@
               </a:ln>
               <a:extLst>
                 <a:ext uri="{91240B29-F687-4f45-9708-019B960494DF}">
-                  <a14:hiddenLine xmlns="" xmlns:a14="http://schemas.microsoft.com/office/drawing/2010/main" w="9525">
+                  <a14:hiddenLine xmlns:a14="http://schemas.microsoft.com/office/drawing/2010/main" xmlns="" w="9525">
                     <a:solidFill>
                       <a:srgbClr val="000000"/>
                     </a:solidFill>
@@ -11692,7 +11694,7 @@
               </a:ln>
               <a:extLst>
                 <a:ext uri="{91240B29-F687-4f45-9708-019B960494DF}">
-                  <a14:hiddenLine xmlns="" xmlns:a14="http://schemas.microsoft.com/office/drawing/2010/main" w="9525">
+                  <a14:hiddenLine xmlns:a14="http://schemas.microsoft.com/office/drawing/2010/main" xmlns="" w="9525">
                     <a:solidFill>
                       <a:srgbClr val="000000"/>
                     </a:solidFill>
@@ -11760,7 +11762,7 @@
               </a:ln>
               <a:extLst>
                 <a:ext uri="{91240B29-F687-4f45-9708-019B960494DF}">
-                  <a14:hiddenLine xmlns="" xmlns:a14="http://schemas.microsoft.com/office/drawing/2010/main" w="9525">
+                  <a14:hiddenLine xmlns:a14="http://schemas.microsoft.com/office/drawing/2010/main" xmlns="" w="9525">
                     <a:solidFill>
                       <a:srgbClr val="000000"/>
                     </a:solidFill>
@@ -11850,7 +11852,7 @@
               </a:ln>
               <a:extLst>
                 <a:ext uri="{91240B29-F687-4f45-9708-019B960494DF}">
-                  <a14:hiddenLine xmlns="" xmlns:a14="http://schemas.microsoft.com/office/drawing/2010/main" w="9525">
+                  <a14:hiddenLine xmlns:a14="http://schemas.microsoft.com/office/drawing/2010/main" xmlns="" w="9525">
                     <a:solidFill>
                       <a:srgbClr val="000000"/>
                     </a:solidFill>
@@ -11884,7 +11886,7 @@
               </a:ln>
               <a:extLst>
                 <a:ext uri="{91240B29-F687-4f45-9708-019B960494DF}">
-                  <a14:hiddenLine xmlns="" xmlns:a14="http://schemas.microsoft.com/office/drawing/2010/main" w="9525">
+                  <a14:hiddenLine xmlns:a14="http://schemas.microsoft.com/office/drawing/2010/main" xmlns="" w="9525">
                     <a:solidFill>
                       <a:srgbClr val="000000"/>
                     </a:solidFill>
@@ -12024,7 +12026,7 @@
           <a:p>
             <a:fld id="{CA79DDF4-BB6F-47DB-ADDE-7A4C0A75614C}" type="datetimeFigureOut">
               <a:rPr lang="en-US" smtClean="0"/>
-              <a:t>3/10/2022</a:t>
+              <a:t>3/11/2022</a:t>
             </a:fld>
             <a:endParaRPr lang="en-US" dirty="0"/>
           </a:p>
@@ -12533,336 +12535,6 @@
           <p:cNvPr id="2" name="Title 1">
             <a:extLst>
               <a:ext uri="{FF2B5EF4-FFF2-40B4-BE49-F238E27FC236}">
-                <a16:creationId xmlns:a16="http://schemas.microsoft.com/office/drawing/2014/main" id="{397F92EF-1E0D-46F2-9C6E-C62B3AE36502}"/>
-              </a:ext>
-            </a:extLst>
-          </p:cNvPr>
-          <p:cNvSpPr>
-            <a:spLocks noGrp="1"/>
-          </p:cNvSpPr>
-          <p:nvPr>
-            <p:ph type="title"/>
-          </p:nvPr>
-        </p:nvSpPr>
-        <p:spPr>
-          <a:xfrm>
-            <a:off x="1021554" y="682816"/>
-            <a:ext cx="9905998" cy="831663"/>
-          </a:xfrm>
-        </p:spPr>
-        <p:txBody>
-          <a:bodyPr/>
-          <a:lstStyle/>
-          <a:p>
-            <a:pPr algn="ctr"/>
-            <a:r>
-              <a:rPr lang="en-US" dirty="0"/>
-              <a:t>K-means</a:t>
-            </a:r>
-          </a:p>
-        </p:txBody>
-      </p:sp>
-      <p:pic>
-        <p:nvPicPr>
-          <p:cNvPr id="8" name="Content Placeholder 7">
-            <a:extLst>
-              <a:ext uri="{FF2B5EF4-FFF2-40B4-BE49-F238E27FC236}">
-                <a16:creationId xmlns:a16="http://schemas.microsoft.com/office/drawing/2014/main" id="{5025B8D7-DCEC-40CE-BC4B-90D07D5B3904}"/>
-              </a:ext>
-            </a:extLst>
-          </p:cNvPr>
-          <p:cNvPicPr>
-            <a:picLocks noGrp="1" noChangeAspect="1"/>
-          </p:cNvPicPr>
-          <p:nvPr>
-            <p:ph idx="1"/>
-          </p:nvPr>
-        </p:nvPicPr>
-        <p:blipFill>
-          <a:blip r:embed="rId2">
-            <a:extLst>
-              <a:ext uri="{28A0092B-C50C-407E-A947-70E740481C1C}">
-                <a14:useLocalDpi xmlns:a14="http://schemas.microsoft.com/office/drawing/2010/main" val="0"/>
-              </a:ext>
-            </a:extLst>
-          </a:blip>
-          <a:stretch>
-            <a:fillRect/>
-          </a:stretch>
-        </p:blipFill>
-        <p:spPr>
-          <a:xfrm>
-            <a:off x="685800" y="1889919"/>
-            <a:ext cx="4983691" cy="3725069"/>
-          </a:xfrm>
-        </p:spPr>
-      </p:pic>
-      <p:pic>
-        <p:nvPicPr>
-          <p:cNvPr id="10" name="Picture 9">
-            <a:extLst>
-              <a:ext uri="{FF2B5EF4-FFF2-40B4-BE49-F238E27FC236}">
-                <a16:creationId xmlns:a16="http://schemas.microsoft.com/office/drawing/2014/main" id="{A9DD4B14-AD06-42A0-8AE0-FEB15350516E}"/>
-              </a:ext>
-            </a:extLst>
-          </p:cNvPr>
-          <p:cNvPicPr>
-            <a:picLocks noChangeAspect="1"/>
-          </p:cNvPicPr>
-          <p:nvPr/>
-        </p:nvPicPr>
-        <p:blipFill>
-          <a:blip r:embed="rId3">
-            <a:extLst>
-              <a:ext uri="{28A0092B-C50C-407E-A947-70E740481C1C}">
-                <a14:useLocalDpi xmlns:a14="http://schemas.microsoft.com/office/drawing/2010/main" val="0"/>
-              </a:ext>
-            </a:extLst>
-          </a:blip>
-          <a:stretch>
-            <a:fillRect/>
-          </a:stretch>
-        </p:blipFill>
-        <p:spPr>
-          <a:xfrm>
-            <a:off x="6215332" y="1889919"/>
-            <a:ext cx="5202642" cy="3725069"/>
-          </a:xfrm>
-          <a:prstGeom prst="rect">
-            <a:avLst/>
-          </a:prstGeom>
-        </p:spPr>
-      </p:pic>
-    </p:spTree>
-    <p:extLst>
-      <p:ext uri="{BB962C8B-B14F-4D97-AF65-F5344CB8AC3E}">
-        <p14:creationId xmlns:p14="http://schemas.microsoft.com/office/powerpoint/2010/main" val="2902648986"/>
-      </p:ext>
-    </p:extLst>
-  </p:cSld>
-  <p:clrMapOvr>
-    <a:masterClrMapping/>
-  </p:clrMapOvr>
-  <p:transition spd="slow">
-    <p:push dir="u"/>
-  </p:transition>
-  <p:timing>
-    <p:tnLst>
-      <p:par>
-        <p:cTn id="1" dur="indefinite" restart="never" nodeType="tmRoot">
-          <p:childTnLst>
-            <p:seq concurrent="1" nextAc="seek">
-              <p:cTn id="2" dur="indefinite" nodeType="mainSeq">
-                <p:childTnLst>
-                  <p:par>
-                    <p:cTn id="3" fill="hold">
-                      <p:stCondLst>
-                        <p:cond delay="indefinite"/>
-                      </p:stCondLst>
-                      <p:childTnLst>
-                        <p:par>
-                          <p:cTn id="4" fill="hold">
-                            <p:stCondLst>
-                              <p:cond delay="0"/>
-                            </p:stCondLst>
-                            <p:childTnLst>
-                              <p:par>
-                                <p:cTn id="5" presetID="6" presetClass="entr" presetSubtype="16" fill="hold" grpId="0" nodeType="clickEffect">
-                                  <p:stCondLst>
-                                    <p:cond delay="0"/>
-                                  </p:stCondLst>
-                                  <p:childTnLst>
-                                    <p:set>
-                                      <p:cBhvr>
-                                        <p:cTn id="6" dur="1" fill="hold">
-                                          <p:stCondLst>
-                                            <p:cond delay="0"/>
-                                          </p:stCondLst>
-                                        </p:cTn>
-                                        <p:tgtEl>
-                                          <p:spTgt spid="2"/>
-                                        </p:tgtEl>
-                                        <p:attrNameLst>
-                                          <p:attrName>style.visibility</p:attrName>
-                                        </p:attrNameLst>
-                                      </p:cBhvr>
-                                      <p:to>
-                                        <p:strVal val="visible"/>
-                                      </p:to>
-                                    </p:set>
-                                    <p:animEffect transition="in" filter="circle(in)">
-                                      <p:cBhvr>
-                                        <p:cTn id="7" dur="2000"/>
-                                        <p:tgtEl>
-                                          <p:spTgt spid="2"/>
-                                        </p:tgtEl>
-                                      </p:cBhvr>
-                                    </p:animEffect>
-                                  </p:childTnLst>
-                                </p:cTn>
-                              </p:par>
-                            </p:childTnLst>
-                          </p:cTn>
-                        </p:par>
-                      </p:childTnLst>
-                    </p:cTn>
-                  </p:par>
-                  <p:par>
-                    <p:cTn id="8" fill="hold">
-                      <p:stCondLst>
-                        <p:cond delay="indefinite"/>
-                      </p:stCondLst>
-                      <p:childTnLst>
-                        <p:par>
-                          <p:cTn id="9" fill="hold">
-                            <p:stCondLst>
-                              <p:cond delay="0"/>
-                            </p:stCondLst>
-                            <p:childTnLst>
-                              <p:par>
-                                <p:cTn id="10" presetID="10" presetClass="entr" presetSubtype="0" fill="hold" nodeType="clickEffect">
-                                  <p:stCondLst>
-                                    <p:cond delay="0"/>
-                                  </p:stCondLst>
-                                  <p:childTnLst>
-                                    <p:set>
-                                      <p:cBhvr>
-                                        <p:cTn id="11" dur="1" fill="hold">
-                                          <p:stCondLst>
-                                            <p:cond delay="0"/>
-                                          </p:stCondLst>
-                                        </p:cTn>
-                                        <p:tgtEl>
-                                          <p:spTgt spid="8"/>
-                                        </p:tgtEl>
-                                        <p:attrNameLst>
-                                          <p:attrName>style.visibility</p:attrName>
-                                        </p:attrNameLst>
-                                      </p:cBhvr>
-                                      <p:to>
-                                        <p:strVal val="visible"/>
-                                      </p:to>
-                                    </p:set>
-                                    <p:animEffect transition="in" filter="fade">
-                                      <p:cBhvr>
-                                        <p:cTn id="12" dur="500"/>
-                                        <p:tgtEl>
-                                          <p:spTgt spid="8"/>
-                                        </p:tgtEl>
-                                      </p:cBhvr>
-                                    </p:animEffect>
-                                  </p:childTnLst>
-                                </p:cTn>
-                              </p:par>
-                            </p:childTnLst>
-                          </p:cTn>
-                        </p:par>
-                      </p:childTnLst>
-                    </p:cTn>
-                  </p:par>
-                  <p:par>
-                    <p:cTn id="13" fill="hold">
-                      <p:stCondLst>
-                        <p:cond delay="indefinite"/>
-                      </p:stCondLst>
-                      <p:childTnLst>
-                        <p:par>
-                          <p:cTn id="14" fill="hold">
-                            <p:stCondLst>
-                              <p:cond delay="0"/>
-                            </p:stCondLst>
-                            <p:childTnLst>
-                              <p:par>
-                                <p:cTn id="15" presetID="10" presetClass="entr" presetSubtype="0" fill="hold" nodeType="clickEffect">
-                                  <p:stCondLst>
-                                    <p:cond delay="0"/>
-                                  </p:stCondLst>
-                                  <p:childTnLst>
-                                    <p:set>
-                                      <p:cBhvr>
-                                        <p:cTn id="16" dur="1" fill="hold">
-                                          <p:stCondLst>
-                                            <p:cond delay="0"/>
-                                          </p:stCondLst>
-                                        </p:cTn>
-                                        <p:tgtEl>
-                                          <p:spTgt spid="10"/>
-                                        </p:tgtEl>
-                                        <p:attrNameLst>
-                                          <p:attrName>style.visibility</p:attrName>
-                                        </p:attrNameLst>
-                                      </p:cBhvr>
-                                      <p:to>
-                                        <p:strVal val="visible"/>
-                                      </p:to>
-                                    </p:set>
-                                    <p:animEffect transition="in" filter="fade">
-                                      <p:cBhvr>
-                                        <p:cTn id="17" dur="500"/>
-                                        <p:tgtEl>
-                                          <p:spTgt spid="10"/>
-                                        </p:tgtEl>
-                                      </p:cBhvr>
-                                    </p:animEffect>
-                                  </p:childTnLst>
-                                </p:cTn>
-                              </p:par>
-                            </p:childTnLst>
-                          </p:cTn>
-                        </p:par>
-                      </p:childTnLst>
-                    </p:cTn>
-                  </p:par>
-                </p:childTnLst>
-              </p:cTn>
-              <p:prevCondLst>
-                <p:cond evt="onPrev" delay="0">
-                  <p:tgtEl>
-                    <p:sldTgt/>
-                  </p:tgtEl>
-                </p:cond>
-              </p:prevCondLst>
-              <p:nextCondLst>
-                <p:cond evt="onNext" delay="0">
-                  <p:tgtEl>
-                    <p:sldTgt/>
-                  </p:tgtEl>
-                </p:cond>
-              </p:nextCondLst>
-            </p:seq>
-          </p:childTnLst>
-        </p:cTn>
-      </p:par>
-    </p:tnLst>
-    <p:bldLst>
-      <p:bldP spid="2" grpId="0"/>
-    </p:bldLst>
-  </p:timing>
-</p:sld>
-</file>
-
-<file path=ppt/slides/slide11.xml><?xml version="1.0" encoding="utf-8"?>
-<p:sld xmlns:a="http://schemas.openxmlformats.org/drawingml/2006/main" xmlns:r="http://schemas.openxmlformats.org/officeDocument/2006/relationships" xmlns:p="http://schemas.openxmlformats.org/presentationml/2006/main">
-  <p:cSld>
-    <p:spTree>
-      <p:nvGrpSpPr>
-        <p:cNvPr id="1" name=""/>
-        <p:cNvGrpSpPr/>
-        <p:nvPr/>
-      </p:nvGrpSpPr>
-      <p:grpSpPr>
-        <a:xfrm>
-          <a:off x="0" y="0"/>
-          <a:ext cx="0" cy="0"/>
-          <a:chOff x="0" y="0"/>
-          <a:chExt cx="0" cy="0"/>
-        </a:xfrm>
-      </p:grpSpPr>
-      <p:sp>
-        <p:nvSpPr>
-          <p:cNvPr id="2" name="Title 1">
-            <a:extLst>
-              <a:ext uri="{FF2B5EF4-FFF2-40B4-BE49-F238E27FC236}">
                 <a16:creationId xmlns:a16="http://schemas.microsoft.com/office/drawing/2014/main" id="{0ACADBE5-1D16-412D-9E0D-8F7393570A72}"/>
               </a:ext>
             </a:extLst>
@@ -12888,6 +12560,22 @@
             <a:r>
               <a:rPr lang="en-US" dirty="0"/>
               <a:t>Silhouette score</a:t>
+            </a:r>
+            <a:r>
+              <a:rPr lang="el-GR" dirty="0"/>
+              <a:t> </a:t>
+            </a:r>
+            <a:r>
+              <a:rPr lang="en-US" dirty="0"/>
+              <a:t>(</a:t>
+            </a:r>
+            <a:r>
+              <a:rPr lang="el-GR" dirty="0" err="1"/>
+              <a:t>ωμοσ</a:t>
+            </a:r>
+            <a:r>
+              <a:rPr lang="en-US" dirty="0"/>
+              <a:t>)</a:t>
             </a:r>
           </a:p>
         </p:txBody>
@@ -13263,7 +12951,7 @@
 </p:sld>
 </file>
 
-<file path=ppt/slides/slide12.xml><?xml version="1.0" encoding="utf-8"?>
+<file path=ppt/slides/slide11.xml><?xml version="1.0" encoding="utf-8"?>
 <p:sld xmlns:a="http://schemas.openxmlformats.org/drawingml/2006/main" xmlns:r="http://schemas.openxmlformats.org/officeDocument/2006/relationships" xmlns:p="http://schemas.openxmlformats.org/presentationml/2006/main">
   <p:cSld>
     <p:spTree>
@@ -13310,6 +12998,22 @@
             <a:r>
               <a:rPr lang="en-US" dirty="0"/>
               <a:t>Elbow function</a:t>
+            </a:r>
+            <a:r>
+              <a:rPr lang="el-GR" dirty="0"/>
+              <a:t> </a:t>
+            </a:r>
+            <a:r>
+              <a:rPr lang="en-US" dirty="0"/>
+              <a:t>(</a:t>
+            </a:r>
+            <a:r>
+              <a:rPr lang="el-GR" dirty="0" err="1"/>
+              <a:t>ωμοσ</a:t>
+            </a:r>
+            <a:r>
+              <a:rPr lang="en-US" dirty="0"/>
+              <a:t>)</a:t>
             </a:r>
           </a:p>
         </p:txBody>
@@ -13359,13 +13063,13 @@
   <p:clrMapOvr>
     <a:masterClrMapping/>
   </p:clrMapOvr>
-  <mc:AlternateContent xmlns:mc="http://schemas.openxmlformats.org/markup-compatibility/2006">
-    <mc:Choice xmlns:p14="http://schemas.microsoft.com/office/powerpoint/2010/main" Requires="p14">
+  <mc:AlternateContent xmlns:mc="http://schemas.openxmlformats.org/markup-compatibility/2006" xmlns:p14="http://schemas.microsoft.com/office/powerpoint/2010/main">
+    <mc:Choice Requires="p14">
       <p:transition spd="slow" p14:dur="1300">
         <p14:pan dir="u"/>
       </p:transition>
     </mc:Choice>
-    <mc:Fallback>
+    <mc:Fallback xmlns="">
       <p:transition spd="slow">
         <p:fade/>
       </p:transition>
@@ -13605,6 +13309,344 @@
 </p:sld>
 </file>
 
+<file path=ppt/slides/slide12.xml><?xml version="1.0" encoding="utf-8"?>
+<p:sld xmlns:a="http://schemas.openxmlformats.org/drawingml/2006/main" xmlns:r="http://schemas.openxmlformats.org/officeDocument/2006/relationships" xmlns:p="http://schemas.openxmlformats.org/presentationml/2006/main">
+  <p:cSld>
+    <p:spTree>
+      <p:nvGrpSpPr>
+        <p:cNvPr id="1" name=""/>
+        <p:cNvGrpSpPr/>
+        <p:nvPr/>
+      </p:nvGrpSpPr>
+      <p:grpSpPr>
+        <a:xfrm>
+          <a:off x="0" y="0"/>
+          <a:ext cx="0" cy="0"/>
+          <a:chOff x="0" y="0"/>
+          <a:chExt cx="0" cy="0"/>
+        </a:xfrm>
+      </p:grpSpPr>
+      <p:sp>
+        <p:nvSpPr>
+          <p:cNvPr id="2" name="Title 1">
+            <a:extLst>
+              <a:ext uri="{FF2B5EF4-FFF2-40B4-BE49-F238E27FC236}">
+                <a16:creationId xmlns:a16="http://schemas.microsoft.com/office/drawing/2014/main" id="{397F92EF-1E0D-46F2-9C6E-C62B3AE36502}"/>
+              </a:ext>
+            </a:extLst>
+          </p:cNvPr>
+          <p:cNvSpPr>
+            <a:spLocks noGrp="1"/>
+          </p:cNvSpPr>
+          <p:nvPr>
+            <p:ph type="title"/>
+          </p:nvPr>
+        </p:nvSpPr>
+        <p:spPr>
+          <a:xfrm>
+            <a:off x="1021554" y="682816"/>
+            <a:ext cx="9905998" cy="831663"/>
+          </a:xfrm>
+        </p:spPr>
+        <p:txBody>
+          <a:bodyPr/>
+          <a:lstStyle/>
+          <a:p>
+            <a:pPr algn="ctr"/>
+            <a:r>
+              <a:rPr lang="en-US" dirty="0"/>
+              <a:t>K-means (</a:t>
+            </a:r>
+            <a:r>
+              <a:rPr lang="el-GR" dirty="0" err="1"/>
+              <a:t>ωμοσ</a:t>
+            </a:r>
+            <a:r>
+              <a:rPr lang="en-US" dirty="0"/>
+              <a:t>)</a:t>
+            </a:r>
+          </a:p>
+        </p:txBody>
+      </p:sp>
+      <p:pic>
+        <p:nvPicPr>
+          <p:cNvPr id="8" name="Content Placeholder 7">
+            <a:extLst>
+              <a:ext uri="{FF2B5EF4-FFF2-40B4-BE49-F238E27FC236}">
+                <a16:creationId xmlns:a16="http://schemas.microsoft.com/office/drawing/2014/main" id="{5025B8D7-DCEC-40CE-BC4B-90D07D5B3904}"/>
+              </a:ext>
+            </a:extLst>
+          </p:cNvPr>
+          <p:cNvPicPr>
+            <a:picLocks noGrp="1" noChangeAspect="1"/>
+          </p:cNvPicPr>
+          <p:nvPr>
+            <p:ph idx="1"/>
+          </p:nvPr>
+        </p:nvPicPr>
+        <p:blipFill>
+          <a:blip r:embed="rId2">
+            <a:extLst>
+              <a:ext uri="{28A0092B-C50C-407E-A947-70E740481C1C}">
+                <a14:useLocalDpi xmlns:a14="http://schemas.microsoft.com/office/drawing/2010/main" val="0"/>
+              </a:ext>
+            </a:extLst>
+          </a:blip>
+          <a:stretch>
+            <a:fillRect/>
+          </a:stretch>
+        </p:blipFill>
+        <p:spPr>
+          <a:xfrm>
+            <a:off x="685800" y="1889919"/>
+            <a:ext cx="4983691" cy="3725069"/>
+          </a:xfrm>
+        </p:spPr>
+      </p:pic>
+      <p:pic>
+        <p:nvPicPr>
+          <p:cNvPr id="10" name="Picture 9">
+            <a:extLst>
+              <a:ext uri="{FF2B5EF4-FFF2-40B4-BE49-F238E27FC236}">
+                <a16:creationId xmlns:a16="http://schemas.microsoft.com/office/drawing/2014/main" id="{A9DD4B14-AD06-42A0-8AE0-FEB15350516E}"/>
+              </a:ext>
+            </a:extLst>
+          </p:cNvPr>
+          <p:cNvPicPr>
+            <a:picLocks noChangeAspect="1"/>
+          </p:cNvPicPr>
+          <p:nvPr/>
+        </p:nvPicPr>
+        <p:blipFill>
+          <a:blip r:embed="rId3">
+            <a:extLst>
+              <a:ext uri="{28A0092B-C50C-407E-A947-70E740481C1C}">
+                <a14:useLocalDpi xmlns:a14="http://schemas.microsoft.com/office/drawing/2010/main" val="0"/>
+              </a:ext>
+            </a:extLst>
+          </a:blip>
+          <a:stretch>
+            <a:fillRect/>
+          </a:stretch>
+        </p:blipFill>
+        <p:spPr>
+          <a:xfrm>
+            <a:off x="6215332" y="1889919"/>
+            <a:ext cx="5202642" cy="3725069"/>
+          </a:xfrm>
+          <a:prstGeom prst="rect">
+            <a:avLst/>
+          </a:prstGeom>
+        </p:spPr>
+      </p:pic>
+    </p:spTree>
+    <p:extLst>
+      <p:ext uri="{BB962C8B-B14F-4D97-AF65-F5344CB8AC3E}">
+        <p14:creationId xmlns:p14="http://schemas.microsoft.com/office/powerpoint/2010/main" val="2902648986"/>
+      </p:ext>
+    </p:extLst>
+  </p:cSld>
+  <p:clrMapOvr>
+    <a:masterClrMapping/>
+  </p:clrMapOvr>
+  <p:transition spd="slow">
+    <p:push dir="u"/>
+  </p:transition>
+  <p:timing>
+    <p:tnLst>
+      <p:par>
+        <p:cTn id="1" dur="indefinite" restart="never" nodeType="tmRoot">
+          <p:childTnLst>
+            <p:seq concurrent="1" nextAc="seek">
+              <p:cTn id="2" dur="indefinite" nodeType="mainSeq">
+                <p:childTnLst>
+                  <p:par>
+                    <p:cTn id="3" fill="hold">
+                      <p:stCondLst>
+                        <p:cond delay="indefinite"/>
+                      </p:stCondLst>
+                      <p:childTnLst>
+                        <p:par>
+                          <p:cTn id="4" fill="hold">
+                            <p:stCondLst>
+                              <p:cond delay="0"/>
+                            </p:stCondLst>
+                            <p:childTnLst>
+                              <p:par>
+                                <p:cTn id="5" presetID="6" presetClass="entr" presetSubtype="16" fill="hold" grpId="0" nodeType="clickEffect">
+                                  <p:stCondLst>
+                                    <p:cond delay="0"/>
+                                  </p:stCondLst>
+                                  <p:childTnLst>
+                                    <p:set>
+                                      <p:cBhvr>
+                                        <p:cTn id="6" dur="1" fill="hold">
+                                          <p:stCondLst>
+                                            <p:cond delay="0"/>
+                                          </p:stCondLst>
+                                        </p:cTn>
+                                        <p:tgtEl>
+                                          <p:spTgt spid="2"/>
+                                        </p:tgtEl>
+                                        <p:attrNameLst>
+                                          <p:attrName>style.visibility</p:attrName>
+                                        </p:attrNameLst>
+                                      </p:cBhvr>
+                                      <p:to>
+                                        <p:strVal val="visible"/>
+                                      </p:to>
+                                    </p:set>
+                                    <p:animEffect transition="in" filter="circle(in)">
+                                      <p:cBhvr>
+                                        <p:cTn id="7" dur="2000"/>
+                                        <p:tgtEl>
+                                          <p:spTgt spid="2"/>
+                                        </p:tgtEl>
+                                      </p:cBhvr>
+                                    </p:animEffect>
+                                  </p:childTnLst>
+                                </p:cTn>
+                              </p:par>
+                            </p:childTnLst>
+                          </p:cTn>
+                        </p:par>
+                      </p:childTnLst>
+                    </p:cTn>
+                  </p:par>
+                  <p:par>
+                    <p:cTn id="8" fill="hold">
+                      <p:stCondLst>
+                        <p:cond delay="indefinite"/>
+                      </p:stCondLst>
+                      <p:childTnLst>
+                        <p:par>
+                          <p:cTn id="9" fill="hold">
+                            <p:stCondLst>
+                              <p:cond delay="0"/>
+                            </p:stCondLst>
+                            <p:childTnLst>
+                              <p:par>
+                                <p:cTn id="10" presetID="10" presetClass="entr" presetSubtype="0" fill="hold" nodeType="clickEffect">
+                                  <p:stCondLst>
+                                    <p:cond delay="0"/>
+                                  </p:stCondLst>
+                                  <p:childTnLst>
+                                    <p:set>
+                                      <p:cBhvr>
+                                        <p:cTn id="11" dur="1" fill="hold">
+                                          <p:stCondLst>
+                                            <p:cond delay="0"/>
+                                          </p:stCondLst>
+                                        </p:cTn>
+                                        <p:tgtEl>
+                                          <p:spTgt spid="8"/>
+                                        </p:tgtEl>
+                                        <p:attrNameLst>
+                                          <p:attrName>style.visibility</p:attrName>
+                                        </p:attrNameLst>
+                                      </p:cBhvr>
+                                      <p:to>
+                                        <p:strVal val="visible"/>
+                                      </p:to>
+                                    </p:set>
+                                    <p:animEffect transition="in" filter="fade">
+                                      <p:cBhvr>
+                                        <p:cTn id="12" dur="500"/>
+                                        <p:tgtEl>
+                                          <p:spTgt spid="8"/>
+                                        </p:tgtEl>
+                                      </p:cBhvr>
+                                    </p:animEffect>
+                                  </p:childTnLst>
+                                </p:cTn>
+                              </p:par>
+                            </p:childTnLst>
+                          </p:cTn>
+                        </p:par>
+                      </p:childTnLst>
+                    </p:cTn>
+                  </p:par>
+                  <p:par>
+                    <p:cTn id="13" fill="hold">
+                      <p:stCondLst>
+                        <p:cond delay="indefinite"/>
+                      </p:stCondLst>
+                      <p:childTnLst>
+                        <p:par>
+                          <p:cTn id="14" fill="hold">
+                            <p:stCondLst>
+                              <p:cond delay="0"/>
+                            </p:stCondLst>
+                            <p:childTnLst>
+                              <p:par>
+                                <p:cTn id="15" presetID="10" presetClass="entr" presetSubtype="0" fill="hold" nodeType="clickEffect">
+                                  <p:stCondLst>
+                                    <p:cond delay="0"/>
+                                  </p:stCondLst>
+                                  <p:childTnLst>
+                                    <p:set>
+                                      <p:cBhvr>
+                                        <p:cTn id="16" dur="1" fill="hold">
+                                          <p:stCondLst>
+                                            <p:cond delay="0"/>
+                                          </p:stCondLst>
+                                        </p:cTn>
+                                        <p:tgtEl>
+                                          <p:spTgt spid="10"/>
+                                        </p:tgtEl>
+                                        <p:attrNameLst>
+                                          <p:attrName>style.visibility</p:attrName>
+                                        </p:attrNameLst>
+                                      </p:cBhvr>
+                                      <p:to>
+                                        <p:strVal val="visible"/>
+                                      </p:to>
+                                    </p:set>
+                                    <p:animEffect transition="in" filter="fade">
+                                      <p:cBhvr>
+                                        <p:cTn id="17" dur="500"/>
+                                        <p:tgtEl>
+                                          <p:spTgt spid="10"/>
+                                        </p:tgtEl>
+                                      </p:cBhvr>
+                                    </p:animEffect>
+                                  </p:childTnLst>
+                                </p:cTn>
+                              </p:par>
+                            </p:childTnLst>
+                          </p:cTn>
+                        </p:par>
+                      </p:childTnLst>
+                    </p:cTn>
+                  </p:par>
+                </p:childTnLst>
+              </p:cTn>
+              <p:prevCondLst>
+                <p:cond evt="onPrev" delay="0">
+                  <p:tgtEl>
+                    <p:sldTgt/>
+                  </p:tgtEl>
+                </p:cond>
+              </p:prevCondLst>
+              <p:nextCondLst>
+                <p:cond evt="onNext" delay="0">
+                  <p:tgtEl>
+                    <p:sldTgt/>
+                  </p:tgtEl>
+                </p:cond>
+              </p:nextCondLst>
+            </p:seq>
+          </p:childTnLst>
+        </p:cTn>
+      </p:par>
+    </p:tnLst>
+    <p:bldLst>
+      <p:bldP spid="2" grpId="0"/>
+    </p:bldLst>
+  </p:timing>
+</p:sld>
+</file>
+
 <file path=ppt/slides/slide13.xml><?xml version="1.0" encoding="utf-8"?>
 <p:sld xmlns:a="http://schemas.openxmlformats.org/drawingml/2006/main" xmlns:r="http://schemas.openxmlformats.org/officeDocument/2006/relationships" xmlns:p="http://schemas.openxmlformats.org/presentationml/2006/main">
   <p:cSld>
@@ -13668,94 +13710,70 @@
             <p:ph idx="1"/>
           </p:nvPr>
         </p:nvSpPr>
-        <p:spPr/>
+        <p:spPr>
+          <a:xfrm>
+            <a:off x="1426225" y="1858781"/>
+            <a:ext cx="9905999" cy="4380701"/>
+          </a:xfrm>
+        </p:spPr>
         <p:txBody>
           <a:bodyPr/>
           <a:lstStyle/>
           <a:p>
             <a:r>
-              <a:rPr lang="el-GR" dirty="0" err="1"/>
-              <a:t>Μπουλετς</a:t>
+              <a:rPr lang="el-GR" dirty="0"/>
+              <a:t>Είναι εφικτή η βελτιστοποίηση της αθλητικής απόδοσης με την χρήση Μηχανικής Μάθησης και Όρασης υπολογιστών</a:t>
             </a:r>
+          </a:p>
+          <a:p>
             <a:r>
               <a:rPr lang="el-GR" dirty="0"/>
-              <a:t> με </a:t>
+              <a:t>Η ανάλυση φάσεων της βολής ήταν επιτυχής</a:t>
             </a:r>
+          </a:p>
+          <a:p>
             <a:r>
-              <a:rPr lang="el-GR" dirty="0" err="1"/>
-              <a:t>διαφορα</a:t>
+              <a:rPr lang="en-US" dirty="0"/>
+              <a:t>Proof of concept</a:t>
             </a:r>
+            <a:endParaRPr lang="el-GR" dirty="0"/>
+          </a:p>
+          <a:p>
             <a:r>
               <a:rPr lang="el-GR" dirty="0"/>
-              <a:t> </a:t>
+              <a:t>Συναντήθηκαν αρκετά εμπόδια</a:t>
             </a:r>
-            <a:r>
-              <a:rPr lang="el-GR" dirty="0" err="1"/>
-              <a:t>πραγματα</a:t>
-            </a:r>
-            <a:r>
-              <a:rPr lang="el-GR" dirty="0"/>
-              <a:t> που </a:t>
-            </a:r>
-            <a:r>
-              <a:rPr lang="el-GR" dirty="0" err="1"/>
-              <a:t>παρατηρηθηκαν</a:t>
-            </a:r>
-            <a:endParaRPr lang="el-GR" dirty="0"/>
-          </a:p>
-          <a:p>
-            <a:r>
-              <a:rPr lang="el-GR" dirty="0"/>
-              <a:t>Να </a:t>
-            </a:r>
-            <a:r>
-              <a:rPr lang="el-GR" dirty="0" err="1"/>
-              <a:t>γραψω</a:t>
-            </a:r>
-            <a:r>
-              <a:rPr lang="el-GR" dirty="0"/>
-              <a:t> ότι </a:t>
-            </a:r>
-            <a:r>
-              <a:rPr lang="el-GR" dirty="0" err="1"/>
-              <a:t>εκανα</a:t>
-            </a:r>
-            <a:r>
-              <a:rPr lang="el-GR" dirty="0"/>
-              <a:t> </a:t>
-            </a:r>
+          </a:p>
+          <a:p>
+            <a:pPr lvl="1"/>
             <a:r>
               <a:rPr lang="en-US" dirty="0"/>
-              <a:t>proof of concept </a:t>
+              <a:t>Cosine similarity</a:t>
             </a:r>
+          </a:p>
+          <a:p>
+            <a:pPr lvl="1"/>
+            <a:r>
+              <a:rPr lang="en-US" dirty="0"/>
+              <a:t>Excel rows</a:t>
+            </a:r>
+          </a:p>
+          <a:p>
+            <a:pPr lvl="1"/>
+            <a:r>
+              <a:rPr lang="en-US" dirty="0"/>
+              <a:t>Video cropping</a:t>
+            </a:r>
+          </a:p>
+          <a:p>
+            <a:pPr lvl="1"/>
+            <a:endParaRPr lang="en-US" dirty="0"/>
+          </a:p>
+          <a:p>
+            <a:endParaRPr lang="en-US" dirty="0"/>
+          </a:p>
+          <a:p>
             <a:endParaRPr lang="el-GR" dirty="0"/>
-          </a:p>
-          <a:p>
-            <a:r>
-              <a:rPr lang="el-GR" dirty="0"/>
-              <a:t>Να </a:t>
-            </a:r>
-            <a:r>
-              <a:rPr lang="el-GR" dirty="0" err="1"/>
-              <a:t>αναφερω</a:t>
-            </a:r>
-            <a:r>
-              <a:rPr lang="el-GR" dirty="0"/>
-              <a:t> και τα </a:t>
-            </a:r>
-            <a:r>
-              <a:rPr lang="el-GR" dirty="0" err="1"/>
-              <a:t>προβληματα</a:t>
-            </a:r>
-            <a:r>
-              <a:rPr lang="el-GR" dirty="0"/>
-              <a:t> που </a:t>
-            </a:r>
-            <a:r>
-              <a:rPr lang="el-GR" dirty="0" err="1"/>
-              <a:t>συναντησα</a:t>
-            </a:r>
-            <a:endParaRPr lang="en-US" dirty="0"/>
           </a:p>
         </p:txBody>
       </p:sp>
@@ -13769,6 +13787,532 @@
   <p:clrMapOvr>
     <a:masterClrMapping/>
   </p:clrMapOvr>
+  <p:transition spd="slow">
+    <p:randomBar dir="vert"/>
+  </p:transition>
+  <p:timing>
+    <p:tnLst>
+      <p:par>
+        <p:cTn id="1" dur="indefinite" restart="never" nodeType="tmRoot">
+          <p:childTnLst>
+            <p:seq concurrent="1" nextAc="seek">
+              <p:cTn id="2" dur="indefinite" nodeType="mainSeq">
+                <p:childTnLst>
+                  <p:par>
+                    <p:cTn id="3" fill="hold">
+                      <p:stCondLst>
+                        <p:cond delay="indefinite"/>
+                      </p:stCondLst>
+                      <p:childTnLst>
+                        <p:par>
+                          <p:cTn id="4" fill="hold">
+                            <p:stCondLst>
+                              <p:cond delay="0"/>
+                            </p:stCondLst>
+                            <p:childTnLst>
+                              <p:par>
+                                <p:cTn id="5" presetID="42" presetClass="entr" presetSubtype="0" fill="hold" grpId="0" nodeType="clickEffect">
+                                  <p:stCondLst>
+                                    <p:cond delay="0"/>
+                                  </p:stCondLst>
+                                  <p:childTnLst>
+                                    <p:set>
+                                      <p:cBhvr>
+                                        <p:cTn id="6" dur="1" fill="hold">
+                                          <p:stCondLst>
+                                            <p:cond delay="0"/>
+                                          </p:stCondLst>
+                                        </p:cTn>
+                                        <p:tgtEl>
+                                          <p:spTgt spid="2"/>
+                                        </p:tgtEl>
+                                        <p:attrNameLst>
+                                          <p:attrName>style.visibility</p:attrName>
+                                        </p:attrNameLst>
+                                      </p:cBhvr>
+                                      <p:to>
+                                        <p:strVal val="visible"/>
+                                      </p:to>
+                                    </p:set>
+                                    <p:animEffect transition="in" filter="fade">
+                                      <p:cBhvr>
+                                        <p:cTn id="7" dur="1000"/>
+                                        <p:tgtEl>
+                                          <p:spTgt spid="2"/>
+                                        </p:tgtEl>
+                                      </p:cBhvr>
+                                    </p:animEffect>
+                                    <p:anim calcmode="lin" valueType="num">
+                                      <p:cBhvr>
+                                        <p:cTn id="8" dur="1000" fill="hold"/>
+                                        <p:tgtEl>
+                                          <p:spTgt spid="2"/>
+                                        </p:tgtEl>
+                                        <p:attrNameLst>
+                                          <p:attrName>ppt_x</p:attrName>
+                                        </p:attrNameLst>
+                                      </p:cBhvr>
+                                      <p:tavLst>
+                                        <p:tav tm="0">
+                                          <p:val>
+                                            <p:strVal val="#ppt_x"/>
+                                          </p:val>
+                                        </p:tav>
+                                        <p:tav tm="100000">
+                                          <p:val>
+                                            <p:strVal val="#ppt_x"/>
+                                          </p:val>
+                                        </p:tav>
+                                      </p:tavLst>
+                                    </p:anim>
+                                    <p:anim calcmode="lin" valueType="num">
+                                      <p:cBhvr>
+                                        <p:cTn id="9" dur="1000" fill="hold"/>
+                                        <p:tgtEl>
+                                          <p:spTgt spid="2"/>
+                                        </p:tgtEl>
+                                        <p:attrNameLst>
+                                          <p:attrName>ppt_y</p:attrName>
+                                        </p:attrNameLst>
+                                      </p:cBhvr>
+                                      <p:tavLst>
+                                        <p:tav tm="0">
+                                          <p:val>
+                                            <p:strVal val="#ppt_y+.1"/>
+                                          </p:val>
+                                        </p:tav>
+                                        <p:tav tm="100000">
+                                          <p:val>
+                                            <p:strVal val="#ppt_y"/>
+                                          </p:val>
+                                        </p:tav>
+                                      </p:tavLst>
+                                    </p:anim>
+                                  </p:childTnLst>
+                                </p:cTn>
+                              </p:par>
+                            </p:childTnLst>
+                          </p:cTn>
+                        </p:par>
+                      </p:childTnLst>
+                    </p:cTn>
+                  </p:par>
+                  <p:par>
+                    <p:cTn id="10" fill="hold">
+                      <p:stCondLst>
+                        <p:cond delay="indefinite"/>
+                      </p:stCondLst>
+                      <p:childTnLst>
+                        <p:par>
+                          <p:cTn id="11" fill="hold">
+                            <p:stCondLst>
+                              <p:cond delay="0"/>
+                            </p:stCondLst>
+                            <p:childTnLst>
+                              <p:par>
+                                <p:cTn id="12" presetID="14" presetClass="entr" presetSubtype="10" fill="hold" nodeType="clickEffect">
+                                  <p:stCondLst>
+                                    <p:cond delay="0"/>
+                                  </p:stCondLst>
+                                  <p:childTnLst>
+                                    <p:set>
+                                      <p:cBhvr>
+                                        <p:cTn id="13" dur="1" fill="hold">
+                                          <p:stCondLst>
+                                            <p:cond delay="0"/>
+                                          </p:stCondLst>
+                                        </p:cTn>
+                                        <p:tgtEl>
+                                          <p:spTgt spid="3">
+                                            <p:txEl>
+                                              <p:pRg st="0" end="0"/>
+                                            </p:txEl>
+                                          </p:spTgt>
+                                        </p:tgtEl>
+                                        <p:attrNameLst>
+                                          <p:attrName>style.visibility</p:attrName>
+                                        </p:attrNameLst>
+                                      </p:cBhvr>
+                                      <p:to>
+                                        <p:strVal val="visible"/>
+                                      </p:to>
+                                    </p:set>
+                                    <p:animEffect transition="in" filter="randombar(horizontal)">
+                                      <p:cBhvr>
+                                        <p:cTn id="14" dur="500"/>
+                                        <p:tgtEl>
+                                          <p:spTgt spid="3">
+                                            <p:txEl>
+                                              <p:pRg st="0" end="0"/>
+                                            </p:txEl>
+                                          </p:spTgt>
+                                        </p:tgtEl>
+                                      </p:cBhvr>
+                                    </p:animEffect>
+                                  </p:childTnLst>
+                                </p:cTn>
+                              </p:par>
+                            </p:childTnLst>
+                          </p:cTn>
+                        </p:par>
+                      </p:childTnLst>
+                    </p:cTn>
+                  </p:par>
+                  <p:par>
+                    <p:cTn id="15" fill="hold">
+                      <p:stCondLst>
+                        <p:cond delay="indefinite"/>
+                      </p:stCondLst>
+                      <p:childTnLst>
+                        <p:par>
+                          <p:cTn id="16" fill="hold">
+                            <p:stCondLst>
+                              <p:cond delay="0"/>
+                            </p:stCondLst>
+                            <p:childTnLst>
+                              <p:par>
+                                <p:cTn id="17" presetID="14" presetClass="entr" presetSubtype="10" fill="hold" nodeType="clickEffect">
+                                  <p:stCondLst>
+                                    <p:cond delay="0"/>
+                                  </p:stCondLst>
+                                  <p:childTnLst>
+                                    <p:set>
+                                      <p:cBhvr>
+                                        <p:cTn id="18" dur="1" fill="hold">
+                                          <p:stCondLst>
+                                            <p:cond delay="0"/>
+                                          </p:stCondLst>
+                                        </p:cTn>
+                                        <p:tgtEl>
+                                          <p:spTgt spid="3">
+                                            <p:txEl>
+                                              <p:pRg st="1" end="1"/>
+                                            </p:txEl>
+                                          </p:spTgt>
+                                        </p:tgtEl>
+                                        <p:attrNameLst>
+                                          <p:attrName>style.visibility</p:attrName>
+                                        </p:attrNameLst>
+                                      </p:cBhvr>
+                                      <p:to>
+                                        <p:strVal val="visible"/>
+                                      </p:to>
+                                    </p:set>
+                                    <p:animEffect transition="in" filter="randombar(horizontal)">
+                                      <p:cBhvr>
+                                        <p:cTn id="19" dur="500"/>
+                                        <p:tgtEl>
+                                          <p:spTgt spid="3">
+                                            <p:txEl>
+                                              <p:pRg st="1" end="1"/>
+                                            </p:txEl>
+                                          </p:spTgt>
+                                        </p:tgtEl>
+                                      </p:cBhvr>
+                                    </p:animEffect>
+                                  </p:childTnLst>
+                                </p:cTn>
+                              </p:par>
+                            </p:childTnLst>
+                          </p:cTn>
+                        </p:par>
+                      </p:childTnLst>
+                    </p:cTn>
+                  </p:par>
+                  <p:par>
+                    <p:cTn id="20" fill="hold">
+                      <p:stCondLst>
+                        <p:cond delay="indefinite"/>
+                      </p:stCondLst>
+                      <p:childTnLst>
+                        <p:par>
+                          <p:cTn id="21" fill="hold">
+                            <p:stCondLst>
+                              <p:cond delay="0"/>
+                            </p:stCondLst>
+                            <p:childTnLst>
+                              <p:par>
+                                <p:cTn id="22" presetID="14" presetClass="entr" presetSubtype="10" fill="hold" nodeType="clickEffect">
+                                  <p:stCondLst>
+                                    <p:cond delay="0"/>
+                                  </p:stCondLst>
+                                  <p:childTnLst>
+                                    <p:set>
+                                      <p:cBhvr>
+                                        <p:cTn id="23" dur="1" fill="hold">
+                                          <p:stCondLst>
+                                            <p:cond delay="0"/>
+                                          </p:stCondLst>
+                                        </p:cTn>
+                                        <p:tgtEl>
+                                          <p:spTgt spid="3">
+                                            <p:txEl>
+                                              <p:pRg st="2" end="2"/>
+                                            </p:txEl>
+                                          </p:spTgt>
+                                        </p:tgtEl>
+                                        <p:attrNameLst>
+                                          <p:attrName>style.visibility</p:attrName>
+                                        </p:attrNameLst>
+                                      </p:cBhvr>
+                                      <p:to>
+                                        <p:strVal val="visible"/>
+                                      </p:to>
+                                    </p:set>
+                                    <p:animEffect transition="in" filter="randombar(horizontal)">
+                                      <p:cBhvr>
+                                        <p:cTn id="24" dur="500"/>
+                                        <p:tgtEl>
+                                          <p:spTgt spid="3">
+                                            <p:txEl>
+                                              <p:pRg st="2" end="2"/>
+                                            </p:txEl>
+                                          </p:spTgt>
+                                        </p:tgtEl>
+                                      </p:cBhvr>
+                                    </p:animEffect>
+                                  </p:childTnLst>
+                                </p:cTn>
+                              </p:par>
+                            </p:childTnLst>
+                          </p:cTn>
+                        </p:par>
+                      </p:childTnLst>
+                    </p:cTn>
+                  </p:par>
+                  <p:par>
+                    <p:cTn id="25" fill="hold">
+                      <p:stCondLst>
+                        <p:cond delay="indefinite"/>
+                      </p:stCondLst>
+                      <p:childTnLst>
+                        <p:par>
+                          <p:cTn id="26" fill="hold">
+                            <p:stCondLst>
+                              <p:cond delay="0"/>
+                            </p:stCondLst>
+                            <p:childTnLst>
+                              <p:par>
+                                <p:cTn id="27" presetID="14" presetClass="entr" presetSubtype="10" fill="hold" nodeType="clickEffect">
+                                  <p:stCondLst>
+                                    <p:cond delay="0"/>
+                                  </p:stCondLst>
+                                  <p:childTnLst>
+                                    <p:set>
+                                      <p:cBhvr>
+                                        <p:cTn id="28" dur="1" fill="hold">
+                                          <p:stCondLst>
+                                            <p:cond delay="0"/>
+                                          </p:stCondLst>
+                                        </p:cTn>
+                                        <p:tgtEl>
+                                          <p:spTgt spid="3">
+                                            <p:txEl>
+                                              <p:pRg st="3" end="3"/>
+                                            </p:txEl>
+                                          </p:spTgt>
+                                        </p:tgtEl>
+                                        <p:attrNameLst>
+                                          <p:attrName>style.visibility</p:attrName>
+                                        </p:attrNameLst>
+                                      </p:cBhvr>
+                                      <p:to>
+                                        <p:strVal val="visible"/>
+                                      </p:to>
+                                    </p:set>
+                                    <p:animEffect transition="in" filter="randombar(horizontal)">
+                                      <p:cBhvr>
+                                        <p:cTn id="29" dur="500"/>
+                                        <p:tgtEl>
+                                          <p:spTgt spid="3">
+                                            <p:txEl>
+                                              <p:pRg st="3" end="3"/>
+                                            </p:txEl>
+                                          </p:spTgt>
+                                        </p:tgtEl>
+                                      </p:cBhvr>
+                                    </p:animEffect>
+                                  </p:childTnLst>
+                                </p:cTn>
+                              </p:par>
+                            </p:childTnLst>
+                          </p:cTn>
+                        </p:par>
+                      </p:childTnLst>
+                    </p:cTn>
+                  </p:par>
+                  <p:par>
+                    <p:cTn id="30" fill="hold">
+                      <p:stCondLst>
+                        <p:cond delay="indefinite"/>
+                      </p:stCondLst>
+                      <p:childTnLst>
+                        <p:par>
+                          <p:cTn id="31" fill="hold">
+                            <p:stCondLst>
+                              <p:cond delay="0"/>
+                            </p:stCondLst>
+                            <p:childTnLst>
+                              <p:par>
+                                <p:cTn id="32" presetID="6" presetClass="entr" presetSubtype="16" fill="hold" nodeType="clickEffect">
+                                  <p:stCondLst>
+                                    <p:cond delay="0"/>
+                                  </p:stCondLst>
+                                  <p:childTnLst>
+                                    <p:set>
+                                      <p:cBhvr>
+                                        <p:cTn id="33" dur="1" fill="hold">
+                                          <p:stCondLst>
+                                            <p:cond delay="0"/>
+                                          </p:stCondLst>
+                                        </p:cTn>
+                                        <p:tgtEl>
+                                          <p:spTgt spid="3">
+                                            <p:txEl>
+                                              <p:pRg st="4" end="4"/>
+                                            </p:txEl>
+                                          </p:spTgt>
+                                        </p:tgtEl>
+                                        <p:attrNameLst>
+                                          <p:attrName>style.visibility</p:attrName>
+                                        </p:attrNameLst>
+                                      </p:cBhvr>
+                                      <p:to>
+                                        <p:strVal val="visible"/>
+                                      </p:to>
+                                    </p:set>
+                                    <p:animEffect transition="in" filter="circle(in)">
+                                      <p:cBhvr>
+                                        <p:cTn id="34" dur="2000"/>
+                                        <p:tgtEl>
+                                          <p:spTgt spid="3">
+                                            <p:txEl>
+                                              <p:pRg st="4" end="4"/>
+                                            </p:txEl>
+                                          </p:spTgt>
+                                        </p:tgtEl>
+                                      </p:cBhvr>
+                                    </p:animEffect>
+                                  </p:childTnLst>
+                                </p:cTn>
+                              </p:par>
+                              <p:par>
+                                <p:cTn id="35" presetID="6" presetClass="entr" presetSubtype="16" fill="hold" nodeType="withEffect">
+                                  <p:stCondLst>
+                                    <p:cond delay="0"/>
+                                  </p:stCondLst>
+                                  <p:childTnLst>
+                                    <p:set>
+                                      <p:cBhvr>
+                                        <p:cTn id="36" dur="1" fill="hold">
+                                          <p:stCondLst>
+                                            <p:cond delay="0"/>
+                                          </p:stCondLst>
+                                        </p:cTn>
+                                        <p:tgtEl>
+                                          <p:spTgt spid="3">
+                                            <p:txEl>
+                                              <p:pRg st="5" end="5"/>
+                                            </p:txEl>
+                                          </p:spTgt>
+                                        </p:tgtEl>
+                                        <p:attrNameLst>
+                                          <p:attrName>style.visibility</p:attrName>
+                                        </p:attrNameLst>
+                                      </p:cBhvr>
+                                      <p:to>
+                                        <p:strVal val="visible"/>
+                                      </p:to>
+                                    </p:set>
+                                    <p:animEffect transition="in" filter="circle(in)">
+                                      <p:cBhvr>
+                                        <p:cTn id="37" dur="2000"/>
+                                        <p:tgtEl>
+                                          <p:spTgt spid="3">
+                                            <p:txEl>
+                                              <p:pRg st="5" end="5"/>
+                                            </p:txEl>
+                                          </p:spTgt>
+                                        </p:tgtEl>
+                                      </p:cBhvr>
+                                    </p:animEffect>
+                                  </p:childTnLst>
+                                </p:cTn>
+                              </p:par>
+                              <p:par>
+                                <p:cTn id="38" presetID="6" presetClass="entr" presetSubtype="16" fill="hold" nodeType="withEffect">
+                                  <p:stCondLst>
+                                    <p:cond delay="0"/>
+                                  </p:stCondLst>
+                                  <p:childTnLst>
+                                    <p:set>
+                                      <p:cBhvr>
+                                        <p:cTn id="39" dur="1" fill="hold">
+                                          <p:stCondLst>
+                                            <p:cond delay="0"/>
+                                          </p:stCondLst>
+                                        </p:cTn>
+                                        <p:tgtEl>
+                                          <p:spTgt spid="3">
+                                            <p:txEl>
+                                              <p:pRg st="6" end="6"/>
+                                            </p:txEl>
+                                          </p:spTgt>
+                                        </p:tgtEl>
+                                        <p:attrNameLst>
+                                          <p:attrName>style.visibility</p:attrName>
+                                        </p:attrNameLst>
+                                      </p:cBhvr>
+                                      <p:to>
+                                        <p:strVal val="visible"/>
+                                      </p:to>
+                                    </p:set>
+                                    <p:animEffect transition="in" filter="circle(in)">
+                                      <p:cBhvr>
+                                        <p:cTn id="40" dur="2000"/>
+                                        <p:tgtEl>
+                                          <p:spTgt spid="3">
+                                            <p:txEl>
+                                              <p:pRg st="6" end="6"/>
+                                            </p:txEl>
+                                          </p:spTgt>
+                                        </p:tgtEl>
+                                      </p:cBhvr>
+                                    </p:animEffect>
+                                  </p:childTnLst>
+                                </p:cTn>
+                              </p:par>
+                            </p:childTnLst>
+                          </p:cTn>
+                        </p:par>
+                      </p:childTnLst>
+                    </p:cTn>
+                  </p:par>
+                </p:childTnLst>
+              </p:cTn>
+              <p:prevCondLst>
+                <p:cond evt="onPrev" delay="0">
+                  <p:tgtEl>
+                    <p:sldTgt/>
+                  </p:tgtEl>
+                </p:cond>
+              </p:prevCondLst>
+              <p:nextCondLst>
+                <p:cond evt="onNext" delay="0">
+                  <p:tgtEl>
+                    <p:sldTgt/>
+                  </p:tgtEl>
+                </p:cond>
+              </p:nextCondLst>
+            </p:seq>
+          </p:childTnLst>
+        </p:cTn>
+      </p:par>
+    </p:tnLst>
+    <p:bldLst>
+      <p:bldP spid="2" grpId="0"/>
+    </p:bldLst>
+  </p:timing>
 </p:sld>
 </file>
 
@@ -13840,111 +14384,73 @@
             <p:ph idx="1"/>
           </p:nvPr>
         </p:nvSpPr>
-        <p:spPr/>
+        <p:spPr>
+          <a:xfrm>
+            <a:off x="1141412" y="1545862"/>
+            <a:ext cx="9905999" cy="4753581"/>
+          </a:xfrm>
+        </p:spPr>
         <p:txBody>
           <a:bodyPr/>
           <a:lstStyle/>
           <a:p>
             <a:r>
               <a:rPr lang="el-GR" dirty="0"/>
-              <a:t>Να πω </a:t>
+              <a:t>Κατάλληλη μετρική για την παραγωγή ποσοστού ομοιότητας</a:t>
             </a:r>
-            <a:r>
-              <a:rPr lang="el-GR" dirty="0" err="1"/>
-              <a:t>ιδεες</a:t>
-            </a:r>
+          </a:p>
+          <a:p>
             <a:r>
               <a:rPr lang="el-GR" dirty="0"/>
-              <a:t> για το πως να </a:t>
+              <a:t>Αξιοποίηση περισσότερων μελών του σώματος</a:t>
             </a:r>
-            <a:r>
-              <a:rPr lang="el-GR" dirty="0" err="1"/>
-              <a:t>γινει</a:t>
-            </a:r>
+          </a:p>
+          <a:p>
             <a:r>
               <a:rPr lang="el-GR" dirty="0"/>
-              <a:t> </a:t>
+              <a:t>Περισσότερη φυσική</a:t>
             </a:r>
-            <a:r>
-              <a:rPr lang="el-GR" dirty="0" err="1"/>
-              <a:t>καλυτερη</a:t>
-            </a:r>
+          </a:p>
+          <a:p>
             <a:r>
               <a:rPr lang="el-GR" dirty="0"/>
-              <a:t> η </a:t>
+              <a:t>Εφαρμογές σε άλλους τομείς</a:t>
             </a:r>
+          </a:p>
+          <a:p>
+            <a:pPr lvl="1"/>
             <a:r>
-              <a:rPr lang="el-GR" dirty="0" err="1"/>
-              <a:t>εφαρμογη</a:t>
+              <a:rPr lang="en-US" dirty="0"/>
+              <a:t>Security cameras</a:t>
             </a:r>
+          </a:p>
+          <a:p>
+            <a:pPr lvl="1"/>
             <a:r>
               <a:rPr lang="el-GR" dirty="0"/>
-              <a:t> μου</a:t>
+              <a:t>Ιατρική </a:t>
             </a:r>
           </a:p>
           <a:p>
-            <a:r>
-              <a:rPr lang="el-GR" dirty="0" err="1"/>
-              <a:t>Μελλοντικες</a:t>
-            </a:r>
+            <a:pPr lvl="1"/>
             <a:r>
               <a:rPr lang="el-GR" dirty="0"/>
-              <a:t> </a:t>
+              <a:t>Περίθαλψη</a:t>
             </a:r>
+            <a:endParaRPr lang="en-US" dirty="0"/>
+          </a:p>
+          <a:p>
+            <a:pPr lvl="1"/>
             <a:r>
-              <a:rPr lang="el-GR" dirty="0" err="1"/>
-              <a:t>εφαρμογες</a:t>
+              <a:rPr lang="en-US" dirty="0"/>
+              <a:t>Coaching</a:t>
             </a:r>
+          </a:p>
+          <a:p>
+            <a:pPr lvl="1"/>
             <a:r>
               <a:rPr lang="el-GR" dirty="0"/>
-              <a:t> της </a:t>
-            </a:r>
-            <a:r>
-              <a:rPr lang="el-GR" dirty="0" err="1"/>
-              <a:t>συγκεκριμενεις</a:t>
-            </a:r>
-            <a:r>
-              <a:rPr lang="el-GR" dirty="0"/>
-              <a:t> </a:t>
-            </a:r>
-            <a:r>
-              <a:rPr lang="el-GR" dirty="0" err="1"/>
-              <a:t>τεχνολογιας</a:t>
-            </a:r>
-            <a:endParaRPr lang="el-GR" dirty="0"/>
-          </a:p>
-          <a:p>
-            <a:r>
-              <a:rPr lang="el-GR" dirty="0"/>
-              <a:t>Η </a:t>
-            </a:r>
-            <a:r>
-              <a:rPr lang="el-GR" dirty="0" err="1"/>
-              <a:t>δυνατοτητες</a:t>
-            </a:r>
-            <a:r>
-              <a:rPr lang="el-GR" dirty="0"/>
-              <a:t> που </a:t>
-            </a:r>
-            <a:r>
-              <a:rPr lang="el-GR" dirty="0" err="1"/>
-              <a:t>εχει</a:t>
-            </a:r>
-            <a:r>
-              <a:rPr lang="el-GR" dirty="0"/>
-              <a:t> και σε </a:t>
-            </a:r>
-            <a:r>
-              <a:rPr lang="el-GR" dirty="0" err="1"/>
-              <a:t>αλλους</a:t>
-            </a:r>
-            <a:r>
-              <a:rPr lang="el-GR" dirty="0"/>
-              <a:t> </a:t>
-            </a:r>
-            <a:r>
-              <a:rPr lang="el-GR" dirty="0" err="1"/>
-              <a:t>τομεις</a:t>
+              <a:t>Γυμναστική</a:t>
             </a:r>
             <a:endParaRPr lang="en-US" dirty="0"/>
           </a:p>
@@ -13960,6 +14466,775 @@
   <p:clrMapOvr>
     <a:masterClrMapping/>
   </p:clrMapOvr>
+  <p:transition spd="slow">
+    <p:cover/>
+  </p:transition>
+  <p:timing>
+    <p:tnLst>
+      <p:par>
+        <p:cTn id="1" dur="indefinite" restart="never" nodeType="tmRoot">
+          <p:childTnLst>
+            <p:seq concurrent="1" nextAc="seek">
+              <p:cTn id="2" dur="indefinite" nodeType="mainSeq">
+                <p:childTnLst>
+                  <p:par>
+                    <p:cTn id="3" fill="hold">
+                      <p:stCondLst>
+                        <p:cond delay="indefinite"/>
+                      </p:stCondLst>
+                      <p:childTnLst>
+                        <p:par>
+                          <p:cTn id="4" fill="hold">
+                            <p:stCondLst>
+                              <p:cond delay="0"/>
+                            </p:stCondLst>
+                            <p:childTnLst>
+                              <p:par>
+                                <p:cTn id="5" presetID="16" presetClass="entr" presetSubtype="21" fill="hold" grpId="0" nodeType="clickEffect">
+                                  <p:stCondLst>
+                                    <p:cond delay="0"/>
+                                  </p:stCondLst>
+                                  <p:childTnLst>
+                                    <p:set>
+                                      <p:cBhvr>
+                                        <p:cTn id="6" dur="1" fill="hold">
+                                          <p:stCondLst>
+                                            <p:cond delay="0"/>
+                                          </p:stCondLst>
+                                        </p:cTn>
+                                        <p:tgtEl>
+                                          <p:spTgt spid="2"/>
+                                        </p:tgtEl>
+                                        <p:attrNameLst>
+                                          <p:attrName>style.visibility</p:attrName>
+                                        </p:attrNameLst>
+                                      </p:cBhvr>
+                                      <p:to>
+                                        <p:strVal val="visible"/>
+                                      </p:to>
+                                    </p:set>
+                                    <p:animEffect transition="in" filter="barn(inVertical)">
+                                      <p:cBhvr>
+                                        <p:cTn id="7" dur="500"/>
+                                        <p:tgtEl>
+                                          <p:spTgt spid="2"/>
+                                        </p:tgtEl>
+                                      </p:cBhvr>
+                                    </p:animEffect>
+                                  </p:childTnLst>
+                                </p:cTn>
+                              </p:par>
+                            </p:childTnLst>
+                          </p:cTn>
+                        </p:par>
+                      </p:childTnLst>
+                    </p:cTn>
+                  </p:par>
+                  <p:par>
+                    <p:cTn id="8" fill="hold">
+                      <p:stCondLst>
+                        <p:cond delay="indefinite"/>
+                      </p:stCondLst>
+                      <p:childTnLst>
+                        <p:par>
+                          <p:cTn id="9" fill="hold">
+                            <p:stCondLst>
+                              <p:cond delay="0"/>
+                            </p:stCondLst>
+                            <p:childTnLst>
+                              <p:par>
+                                <p:cTn id="10" presetID="14" presetClass="entr" presetSubtype="10" fill="hold" nodeType="clickEffect">
+                                  <p:stCondLst>
+                                    <p:cond delay="0"/>
+                                  </p:stCondLst>
+                                  <p:childTnLst>
+                                    <p:set>
+                                      <p:cBhvr>
+                                        <p:cTn id="11" dur="1" fill="hold">
+                                          <p:stCondLst>
+                                            <p:cond delay="0"/>
+                                          </p:stCondLst>
+                                        </p:cTn>
+                                        <p:tgtEl>
+                                          <p:spTgt spid="3">
+                                            <p:txEl>
+                                              <p:pRg st="0" end="0"/>
+                                            </p:txEl>
+                                          </p:spTgt>
+                                        </p:tgtEl>
+                                        <p:attrNameLst>
+                                          <p:attrName>style.visibility</p:attrName>
+                                        </p:attrNameLst>
+                                      </p:cBhvr>
+                                      <p:to>
+                                        <p:strVal val="visible"/>
+                                      </p:to>
+                                    </p:set>
+                                    <p:animEffect transition="in" filter="randombar(horizontal)">
+                                      <p:cBhvr>
+                                        <p:cTn id="12" dur="500"/>
+                                        <p:tgtEl>
+                                          <p:spTgt spid="3">
+                                            <p:txEl>
+                                              <p:pRg st="0" end="0"/>
+                                            </p:txEl>
+                                          </p:spTgt>
+                                        </p:tgtEl>
+                                      </p:cBhvr>
+                                    </p:animEffect>
+                                  </p:childTnLst>
+                                </p:cTn>
+                              </p:par>
+                            </p:childTnLst>
+                          </p:cTn>
+                        </p:par>
+                      </p:childTnLst>
+                    </p:cTn>
+                  </p:par>
+                  <p:par>
+                    <p:cTn id="13" fill="hold">
+                      <p:stCondLst>
+                        <p:cond delay="indefinite"/>
+                      </p:stCondLst>
+                      <p:childTnLst>
+                        <p:par>
+                          <p:cTn id="14" fill="hold">
+                            <p:stCondLst>
+                              <p:cond delay="0"/>
+                            </p:stCondLst>
+                            <p:childTnLst>
+                              <p:par>
+                                <p:cTn id="15" presetID="14" presetClass="entr" presetSubtype="10" fill="hold" nodeType="clickEffect">
+                                  <p:stCondLst>
+                                    <p:cond delay="0"/>
+                                  </p:stCondLst>
+                                  <p:childTnLst>
+                                    <p:set>
+                                      <p:cBhvr>
+                                        <p:cTn id="16" dur="1" fill="hold">
+                                          <p:stCondLst>
+                                            <p:cond delay="0"/>
+                                          </p:stCondLst>
+                                        </p:cTn>
+                                        <p:tgtEl>
+                                          <p:spTgt spid="3">
+                                            <p:txEl>
+                                              <p:pRg st="1" end="1"/>
+                                            </p:txEl>
+                                          </p:spTgt>
+                                        </p:tgtEl>
+                                        <p:attrNameLst>
+                                          <p:attrName>style.visibility</p:attrName>
+                                        </p:attrNameLst>
+                                      </p:cBhvr>
+                                      <p:to>
+                                        <p:strVal val="visible"/>
+                                      </p:to>
+                                    </p:set>
+                                    <p:animEffect transition="in" filter="randombar(horizontal)">
+                                      <p:cBhvr>
+                                        <p:cTn id="17" dur="500"/>
+                                        <p:tgtEl>
+                                          <p:spTgt spid="3">
+                                            <p:txEl>
+                                              <p:pRg st="1" end="1"/>
+                                            </p:txEl>
+                                          </p:spTgt>
+                                        </p:tgtEl>
+                                      </p:cBhvr>
+                                    </p:animEffect>
+                                  </p:childTnLst>
+                                </p:cTn>
+                              </p:par>
+                            </p:childTnLst>
+                          </p:cTn>
+                        </p:par>
+                      </p:childTnLst>
+                    </p:cTn>
+                  </p:par>
+                  <p:par>
+                    <p:cTn id="18" fill="hold">
+                      <p:stCondLst>
+                        <p:cond delay="indefinite"/>
+                      </p:stCondLst>
+                      <p:childTnLst>
+                        <p:par>
+                          <p:cTn id="19" fill="hold">
+                            <p:stCondLst>
+                              <p:cond delay="0"/>
+                            </p:stCondLst>
+                            <p:childTnLst>
+                              <p:par>
+                                <p:cTn id="20" presetID="14" presetClass="entr" presetSubtype="10" fill="hold" nodeType="clickEffect">
+                                  <p:stCondLst>
+                                    <p:cond delay="0"/>
+                                  </p:stCondLst>
+                                  <p:childTnLst>
+                                    <p:set>
+                                      <p:cBhvr>
+                                        <p:cTn id="21" dur="1" fill="hold">
+                                          <p:stCondLst>
+                                            <p:cond delay="0"/>
+                                          </p:stCondLst>
+                                        </p:cTn>
+                                        <p:tgtEl>
+                                          <p:spTgt spid="3">
+                                            <p:txEl>
+                                              <p:pRg st="2" end="2"/>
+                                            </p:txEl>
+                                          </p:spTgt>
+                                        </p:tgtEl>
+                                        <p:attrNameLst>
+                                          <p:attrName>style.visibility</p:attrName>
+                                        </p:attrNameLst>
+                                      </p:cBhvr>
+                                      <p:to>
+                                        <p:strVal val="visible"/>
+                                      </p:to>
+                                    </p:set>
+                                    <p:animEffect transition="in" filter="randombar(horizontal)">
+                                      <p:cBhvr>
+                                        <p:cTn id="22" dur="500"/>
+                                        <p:tgtEl>
+                                          <p:spTgt spid="3">
+                                            <p:txEl>
+                                              <p:pRg st="2" end="2"/>
+                                            </p:txEl>
+                                          </p:spTgt>
+                                        </p:tgtEl>
+                                      </p:cBhvr>
+                                    </p:animEffect>
+                                  </p:childTnLst>
+                                </p:cTn>
+                              </p:par>
+                            </p:childTnLst>
+                          </p:cTn>
+                        </p:par>
+                      </p:childTnLst>
+                    </p:cTn>
+                  </p:par>
+                  <p:par>
+                    <p:cTn id="23" fill="hold">
+                      <p:stCondLst>
+                        <p:cond delay="indefinite"/>
+                      </p:stCondLst>
+                      <p:childTnLst>
+                        <p:par>
+                          <p:cTn id="24" fill="hold">
+                            <p:stCondLst>
+                              <p:cond delay="0"/>
+                            </p:stCondLst>
+                            <p:childTnLst>
+                              <p:par>
+                                <p:cTn id="25" presetID="14" presetClass="entr" presetSubtype="10" fill="hold" nodeType="clickEffect">
+                                  <p:stCondLst>
+                                    <p:cond delay="0"/>
+                                  </p:stCondLst>
+                                  <p:childTnLst>
+                                    <p:set>
+                                      <p:cBhvr>
+                                        <p:cTn id="26" dur="1" fill="hold">
+                                          <p:stCondLst>
+                                            <p:cond delay="0"/>
+                                          </p:stCondLst>
+                                        </p:cTn>
+                                        <p:tgtEl>
+                                          <p:spTgt spid="3">
+                                            <p:txEl>
+                                              <p:pRg st="3" end="3"/>
+                                            </p:txEl>
+                                          </p:spTgt>
+                                        </p:tgtEl>
+                                        <p:attrNameLst>
+                                          <p:attrName>style.visibility</p:attrName>
+                                        </p:attrNameLst>
+                                      </p:cBhvr>
+                                      <p:to>
+                                        <p:strVal val="visible"/>
+                                      </p:to>
+                                    </p:set>
+                                    <p:animEffect transition="in" filter="randombar(horizontal)">
+                                      <p:cBhvr>
+                                        <p:cTn id="27" dur="500"/>
+                                        <p:tgtEl>
+                                          <p:spTgt spid="3">
+                                            <p:txEl>
+                                              <p:pRg st="3" end="3"/>
+                                            </p:txEl>
+                                          </p:spTgt>
+                                        </p:tgtEl>
+                                      </p:cBhvr>
+                                    </p:animEffect>
+                                  </p:childTnLst>
+                                </p:cTn>
+                              </p:par>
+                            </p:childTnLst>
+                          </p:cTn>
+                        </p:par>
+                      </p:childTnLst>
+                    </p:cTn>
+                  </p:par>
+                  <p:par>
+                    <p:cTn id="28" fill="hold">
+                      <p:stCondLst>
+                        <p:cond delay="indefinite"/>
+                      </p:stCondLst>
+                      <p:childTnLst>
+                        <p:par>
+                          <p:cTn id="29" fill="hold">
+                            <p:stCondLst>
+                              <p:cond delay="0"/>
+                            </p:stCondLst>
+                            <p:childTnLst>
+                              <p:par>
+                                <p:cTn id="30" presetID="6" presetClass="entr" presetSubtype="16" fill="hold" nodeType="clickEffect">
+                                  <p:stCondLst>
+                                    <p:cond delay="0"/>
+                                  </p:stCondLst>
+                                  <p:childTnLst>
+                                    <p:set>
+                                      <p:cBhvr>
+                                        <p:cTn id="31" dur="1" fill="hold">
+                                          <p:stCondLst>
+                                            <p:cond delay="0"/>
+                                          </p:stCondLst>
+                                        </p:cTn>
+                                        <p:tgtEl>
+                                          <p:spTgt spid="3">
+                                            <p:txEl>
+                                              <p:pRg st="4" end="4"/>
+                                            </p:txEl>
+                                          </p:spTgt>
+                                        </p:tgtEl>
+                                        <p:attrNameLst>
+                                          <p:attrName>style.visibility</p:attrName>
+                                        </p:attrNameLst>
+                                      </p:cBhvr>
+                                      <p:to>
+                                        <p:strVal val="visible"/>
+                                      </p:to>
+                                    </p:set>
+                                    <p:animEffect transition="in" filter="circle(in)">
+                                      <p:cBhvr>
+                                        <p:cTn id="32" dur="2000"/>
+                                        <p:tgtEl>
+                                          <p:spTgt spid="3">
+                                            <p:txEl>
+                                              <p:pRg st="4" end="4"/>
+                                            </p:txEl>
+                                          </p:spTgt>
+                                        </p:tgtEl>
+                                      </p:cBhvr>
+                                    </p:animEffect>
+                                  </p:childTnLst>
+                                </p:cTn>
+                              </p:par>
+                              <p:par>
+                                <p:cTn id="33" presetID="6" presetClass="entr" presetSubtype="16" fill="hold" nodeType="withEffect">
+                                  <p:stCondLst>
+                                    <p:cond delay="0"/>
+                                  </p:stCondLst>
+                                  <p:childTnLst>
+                                    <p:set>
+                                      <p:cBhvr>
+                                        <p:cTn id="34" dur="1" fill="hold">
+                                          <p:stCondLst>
+                                            <p:cond delay="0"/>
+                                          </p:stCondLst>
+                                        </p:cTn>
+                                        <p:tgtEl>
+                                          <p:spTgt spid="3">
+                                            <p:txEl>
+                                              <p:pRg st="5" end="5"/>
+                                            </p:txEl>
+                                          </p:spTgt>
+                                        </p:tgtEl>
+                                        <p:attrNameLst>
+                                          <p:attrName>style.visibility</p:attrName>
+                                        </p:attrNameLst>
+                                      </p:cBhvr>
+                                      <p:to>
+                                        <p:strVal val="visible"/>
+                                      </p:to>
+                                    </p:set>
+                                    <p:animEffect transition="in" filter="circle(in)">
+                                      <p:cBhvr>
+                                        <p:cTn id="35" dur="2000"/>
+                                        <p:tgtEl>
+                                          <p:spTgt spid="3">
+                                            <p:txEl>
+                                              <p:pRg st="5" end="5"/>
+                                            </p:txEl>
+                                          </p:spTgt>
+                                        </p:tgtEl>
+                                      </p:cBhvr>
+                                    </p:animEffect>
+                                  </p:childTnLst>
+                                </p:cTn>
+                              </p:par>
+                              <p:par>
+                                <p:cTn id="36" presetID="6" presetClass="entr" presetSubtype="16" fill="hold" nodeType="withEffect">
+                                  <p:stCondLst>
+                                    <p:cond delay="0"/>
+                                  </p:stCondLst>
+                                  <p:childTnLst>
+                                    <p:set>
+                                      <p:cBhvr>
+                                        <p:cTn id="37" dur="1" fill="hold">
+                                          <p:stCondLst>
+                                            <p:cond delay="0"/>
+                                          </p:stCondLst>
+                                        </p:cTn>
+                                        <p:tgtEl>
+                                          <p:spTgt spid="3">
+                                            <p:txEl>
+                                              <p:pRg st="6" end="6"/>
+                                            </p:txEl>
+                                          </p:spTgt>
+                                        </p:tgtEl>
+                                        <p:attrNameLst>
+                                          <p:attrName>style.visibility</p:attrName>
+                                        </p:attrNameLst>
+                                      </p:cBhvr>
+                                      <p:to>
+                                        <p:strVal val="visible"/>
+                                      </p:to>
+                                    </p:set>
+                                    <p:animEffect transition="in" filter="circle(in)">
+                                      <p:cBhvr>
+                                        <p:cTn id="38" dur="2000"/>
+                                        <p:tgtEl>
+                                          <p:spTgt spid="3">
+                                            <p:txEl>
+                                              <p:pRg st="6" end="6"/>
+                                            </p:txEl>
+                                          </p:spTgt>
+                                        </p:tgtEl>
+                                      </p:cBhvr>
+                                    </p:animEffect>
+                                  </p:childTnLst>
+                                </p:cTn>
+                              </p:par>
+                              <p:par>
+                                <p:cTn id="39" presetID="6" presetClass="entr" presetSubtype="16" fill="hold" nodeType="withEffect">
+                                  <p:stCondLst>
+                                    <p:cond delay="0"/>
+                                  </p:stCondLst>
+                                  <p:childTnLst>
+                                    <p:set>
+                                      <p:cBhvr>
+                                        <p:cTn id="40" dur="1" fill="hold">
+                                          <p:stCondLst>
+                                            <p:cond delay="0"/>
+                                          </p:stCondLst>
+                                        </p:cTn>
+                                        <p:tgtEl>
+                                          <p:spTgt spid="3">
+                                            <p:txEl>
+                                              <p:pRg st="7" end="7"/>
+                                            </p:txEl>
+                                          </p:spTgt>
+                                        </p:tgtEl>
+                                        <p:attrNameLst>
+                                          <p:attrName>style.visibility</p:attrName>
+                                        </p:attrNameLst>
+                                      </p:cBhvr>
+                                      <p:to>
+                                        <p:strVal val="visible"/>
+                                      </p:to>
+                                    </p:set>
+                                    <p:animEffect transition="in" filter="circle(in)">
+                                      <p:cBhvr>
+                                        <p:cTn id="41" dur="2000"/>
+                                        <p:tgtEl>
+                                          <p:spTgt spid="3">
+                                            <p:txEl>
+                                              <p:pRg st="7" end="7"/>
+                                            </p:txEl>
+                                          </p:spTgt>
+                                        </p:tgtEl>
+                                      </p:cBhvr>
+                                    </p:animEffect>
+                                  </p:childTnLst>
+                                </p:cTn>
+                              </p:par>
+                              <p:par>
+                                <p:cTn id="42" presetID="6" presetClass="entr" presetSubtype="16" fill="hold" nodeType="withEffect">
+                                  <p:stCondLst>
+                                    <p:cond delay="0"/>
+                                  </p:stCondLst>
+                                  <p:childTnLst>
+                                    <p:set>
+                                      <p:cBhvr>
+                                        <p:cTn id="43" dur="1" fill="hold">
+                                          <p:stCondLst>
+                                            <p:cond delay="0"/>
+                                          </p:stCondLst>
+                                        </p:cTn>
+                                        <p:tgtEl>
+                                          <p:spTgt spid="3">
+                                            <p:txEl>
+                                              <p:pRg st="8" end="8"/>
+                                            </p:txEl>
+                                          </p:spTgt>
+                                        </p:tgtEl>
+                                        <p:attrNameLst>
+                                          <p:attrName>style.visibility</p:attrName>
+                                        </p:attrNameLst>
+                                      </p:cBhvr>
+                                      <p:to>
+                                        <p:strVal val="visible"/>
+                                      </p:to>
+                                    </p:set>
+                                    <p:animEffect transition="in" filter="circle(in)">
+                                      <p:cBhvr>
+                                        <p:cTn id="44" dur="2000"/>
+                                        <p:tgtEl>
+                                          <p:spTgt spid="3">
+                                            <p:txEl>
+                                              <p:pRg st="8" end="8"/>
+                                            </p:txEl>
+                                          </p:spTgt>
+                                        </p:tgtEl>
+                                      </p:cBhvr>
+                                    </p:animEffect>
+                                  </p:childTnLst>
+                                </p:cTn>
+                              </p:par>
+                            </p:childTnLst>
+                          </p:cTn>
+                        </p:par>
+                      </p:childTnLst>
+                    </p:cTn>
+                  </p:par>
+                </p:childTnLst>
+              </p:cTn>
+              <p:prevCondLst>
+                <p:cond evt="onPrev" delay="0">
+                  <p:tgtEl>
+                    <p:sldTgt/>
+                  </p:tgtEl>
+                </p:cond>
+              </p:prevCondLst>
+              <p:nextCondLst>
+                <p:cond evt="onNext" delay="0">
+                  <p:tgtEl>
+                    <p:sldTgt/>
+                  </p:tgtEl>
+                </p:cond>
+              </p:nextCondLst>
+            </p:seq>
+          </p:childTnLst>
+        </p:cTn>
+      </p:par>
+    </p:tnLst>
+    <p:bldLst>
+      <p:bldP spid="2" grpId="0"/>
+    </p:bldLst>
+  </p:timing>
+</p:sld>
+</file>
+
+<file path=ppt/slides/slide15.xml><?xml version="1.0" encoding="utf-8"?>
+<p:sld xmlns:a="http://schemas.openxmlformats.org/drawingml/2006/main" xmlns:r="http://schemas.openxmlformats.org/officeDocument/2006/relationships" xmlns:p="http://schemas.openxmlformats.org/presentationml/2006/main">
+  <p:cSld>
+    <p:spTree>
+      <p:nvGrpSpPr>
+        <p:cNvPr id="1" name=""/>
+        <p:cNvGrpSpPr/>
+        <p:nvPr/>
+      </p:nvGrpSpPr>
+      <p:grpSpPr>
+        <a:xfrm>
+          <a:off x="0" y="0"/>
+          <a:ext cx="0" cy="0"/>
+          <a:chOff x="0" y="0"/>
+          <a:chExt cx="0" cy="0"/>
+        </a:xfrm>
+      </p:grpSpPr>
+      <p:sp>
+        <p:nvSpPr>
+          <p:cNvPr id="2" name="Title 1">
+            <a:extLst>
+              <a:ext uri="{FF2B5EF4-FFF2-40B4-BE49-F238E27FC236}">
+                <a16:creationId xmlns:a16="http://schemas.microsoft.com/office/drawing/2014/main" id="{35DB389A-99D0-455D-B8A0-0B3207A908E0}"/>
+              </a:ext>
+            </a:extLst>
+          </p:cNvPr>
+          <p:cNvSpPr>
+            <a:spLocks noGrp="1"/>
+          </p:cNvSpPr>
+          <p:nvPr>
+            <p:ph type="title"/>
+          </p:nvPr>
+        </p:nvSpPr>
+        <p:spPr>
+          <a:xfrm>
+            <a:off x="1141413" y="1098202"/>
+            <a:ext cx="9905998" cy="685626"/>
+          </a:xfrm>
+        </p:spPr>
+        <p:txBody>
+          <a:bodyPr/>
+          <a:lstStyle/>
+          <a:p>
+            <a:pPr algn="ctr"/>
+            <a:r>
+              <a:rPr lang="en-US" dirty="0" err="1"/>
+              <a:t>Github</a:t>
+            </a:r>
+            <a:endParaRPr lang="en-US" dirty="0"/>
+          </a:p>
+        </p:txBody>
+      </p:sp>
+      <p:sp>
+        <p:nvSpPr>
+          <p:cNvPr id="3" name="Content Placeholder 2">
+            <a:extLst>
+              <a:ext uri="{FF2B5EF4-FFF2-40B4-BE49-F238E27FC236}">
+                <a16:creationId xmlns:a16="http://schemas.microsoft.com/office/drawing/2014/main" id="{37C07D26-30D4-47A0-B3EE-22C249B91A1D}"/>
+              </a:ext>
+            </a:extLst>
+          </p:cNvPr>
+          <p:cNvSpPr>
+            <a:spLocks noGrp="1"/>
+          </p:cNvSpPr>
+          <p:nvPr>
+            <p:ph idx="1"/>
+          </p:nvPr>
+        </p:nvSpPr>
+        <p:spPr/>
+        <p:txBody>
+          <a:bodyPr/>
+          <a:lstStyle/>
+          <a:p>
+            <a:r>
+              <a:rPr lang="el-GR" dirty="0"/>
+              <a:t>Ο κώδικας είναι αναρτημένος στο </a:t>
+            </a:r>
+            <a:r>
+              <a:rPr lang="en-US" dirty="0"/>
+              <a:t>GitHub </a:t>
+            </a:r>
+            <a:r>
+              <a:rPr lang="el-GR" dirty="0"/>
+              <a:t>μου</a:t>
+            </a:r>
+          </a:p>
+          <a:p>
+            <a:pPr lvl="1"/>
+            <a:r>
+              <a:rPr lang="en-US" dirty="0">
+                <a:hlinkClick r:id="rId2"/>
+              </a:rPr>
+              <a:t>https://github.com/johny-kampe/Athletic-Performance-Optimization-Diploma-Thesis</a:t>
+            </a:r>
+            <a:r>
+              <a:rPr lang="en-US" dirty="0"/>
+              <a:t> </a:t>
+            </a:r>
+            <a:endParaRPr lang="el-GR" dirty="0"/>
+          </a:p>
+        </p:txBody>
+      </p:sp>
+    </p:spTree>
+    <p:extLst>
+      <p:ext uri="{BB962C8B-B14F-4D97-AF65-F5344CB8AC3E}">
+        <p14:creationId xmlns:p14="http://schemas.microsoft.com/office/powerpoint/2010/main" val="1170438779"/>
+      </p:ext>
+    </p:extLst>
+  </p:cSld>
+  <p:clrMapOvr>
+    <a:masterClrMapping/>
+  </p:clrMapOvr>
+  <mc:AlternateContent xmlns:mc="http://schemas.openxmlformats.org/markup-compatibility/2006">
+    <mc:Choice xmlns:p14="http://schemas.microsoft.com/office/powerpoint/2010/main" Requires="p14">
+      <p:transition spd="slow" p14:dur="3400">
+        <p14:reveal/>
+      </p:transition>
+    </mc:Choice>
+    <mc:Fallback>
+      <p:transition spd="slow">
+        <p:fade/>
+      </p:transition>
+    </mc:Fallback>
+  </mc:AlternateContent>
+</p:sld>
+</file>
+
+<file path=ppt/slides/slide16.xml><?xml version="1.0" encoding="utf-8"?>
+<p:sld xmlns:a="http://schemas.openxmlformats.org/drawingml/2006/main" xmlns:r="http://schemas.openxmlformats.org/officeDocument/2006/relationships" xmlns:p="http://schemas.openxmlformats.org/presentationml/2006/main">
+  <p:cSld>
+    <p:spTree>
+      <p:nvGrpSpPr>
+        <p:cNvPr id="1" name=""/>
+        <p:cNvGrpSpPr/>
+        <p:nvPr/>
+      </p:nvGrpSpPr>
+      <p:grpSpPr>
+        <a:xfrm>
+          <a:off x="0" y="0"/>
+          <a:ext cx="0" cy="0"/>
+          <a:chOff x="0" y="0"/>
+          <a:chExt cx="0" cy="0"/>
+        </a:xfrm>
+      </p:grpSpPr>
+      <p:sp>
+        <p:nvSpPr>
+          <p:cNvPr id="3" name="Content Placeholder 2">
+            <a:extLst>
+              <a:ext uri="{FF2B5EF4-FFF2-40B4-BE49-F238E27FC236}">
+                <a16:creationId xmlns:a16="http://schemas.microsoft.com/office/drawing/2014/main" id="{C6314D5B-A2DD-4EB5-A213-2EF1438E4E3D}"/>
+              </a:ext>
+            </a:extLst>
+          </p:cNvPr>
+          <p:cNvSpPr>
+            <a:spLocks noGrp="1"/>
+          </p:cNvSpPr>
+          <p:nvPr>
+            <p:ph idx="1"/>
+          </p:nvPr>
+        </p:nvSpPr>
+        <p:spPr/>
+        <p:txBody>
+          <a:bodyPr>
+            <a:normAutofit/>
+          </a:bodyPr>
+          <a:lstStyle/>
+          <a:p>
+            <a:pPr marL="0" indent="0" algn="ctr">
+              <a:buNone/>
+            </a:pPr>
+            <a:r>
+              <a:rPr lang="el-GR" sz="3200" b="1" dirty="0"/>
+              <a:t>Θα χαρώ να ακούσω τις ερωτήσεις σας!</a:t>
+            </a:r>
+            <a:endParaRPr lang="en-US" sz="3200" b="1" dirty="0"/>
+          </a:p>
+        </p:txBody>
+      </p:sp>
+    </p:spTree>
+    <p:extLst>
+      <p:ext uri="{BB962C8B-B14F-4D97-AF65-F5344CB8AC3E}">
+        <p14:creationId xmlns:p14="http://schemas.microsoft.com/office/powerpoint/2010/main" val="83238264"/>
+      </p:ext>
+    </p:extLst>
+  </p:cSld>
+  <p:clrMapOvr>
+    <a:masterClrMapping/>
+  </p:clrMapOvr>
+  <mc:AlternateContent xmlns:mc="http://schemas.openxmlformats.org/markup-compatibility/2006">
+    <mc:Choice xmlns:p14="http://schemas.microsoft.com/office/powerpoint/2010/main" Requires="p14">
+      <p:transition spd="slow" p14:dur="1500">
+        <p:split orient="vert"/>
+      </p:transition>
+    </mc:Choice>
+    <mc:Fallback>
+      <p:transition spd="slow">
+        <p:split orient="vert"/>
+      </p:transition>
+    </mc:Fallback>
+  </mc:AlternateContent>
 </p:sld>
 </file>
 
@@ -14325,65 +15600,89 @@
         </p:nvSpPr>
         <p:spPr>
           <a:xfrm>
-            <a:off x="1127124" y="2228055"/>
-            <a:ext cx="9905999" cy="3541714"/>
+            <a:off x="1712447" y="1843095"/>
+            <a:ext cx="9905999" cy="4436261"/>
           </a:xfrm>
         </p:spPr>
         <p:txBody>
           <a:bodyPr>
-            <a:normAutofit/>
+            <a:noAutofit/>
           </a:bodyPr>
           <a:lstStyle/>
           <a:p>
             <a:r>
-              <a:rPr lang="el-GR" sz="2000" dirty="0"/>
-              <a:t>Θα </a:t>
+              <a:rPr lang="el-GR" dirty="0"/>
+              <a:t>Αναγνώριση προτύπων με την χρήση της ταξινόμησης</a:t>
             </a:r>
             <a:r>
-              <a:rPr lang="el-GR" sz="2000" dirty="0" err="1"/>
-              <a:t>βαλω</a:t>
+              <a:rPr lang="en-US" dirty="0"/>
+              <a:t> (classification)</a:t>
             </a:r>
             <a:r>
-              <a:rPr lang="el-GR" sz="2000" dirty="0"/>
-              <a:t> </a:t>
+              <a:rPr lang="el-GR" dirty="0"/>
+              <a:t> και της συσταδοποίησης (</a:t>
             </a:r>
             <a:r>
-              <a:rPr lang="el-GR" sz="2000" dirty="0" err="1"/>
-              <a:t>λιγα</a:t>
+              <a:rPr lang="en-US" dirty="0"/>
+              <a:t>clustering</a:t>
             </a:r>
             <a:r>
-              <a:rPr lang="el-GR" sz="2000" dirty="0"/>
-              <a:t> </a:t>
+              <a:rPr lang="el-GR" dirty="0"/>
+              <a:t>)</a:t>
+            </a:r>
+            <a:endParaRPr lang="en-US" dirty="0"/>
+          </a:p>
+          <a:p>
+            <a:r>
+              <a:rPr lang="el-GR" dirty="0"/>
+              <a:t>Παρέχει διάφορες μεθόδους μάθησης</a:t>
+            </a:r>
+          </a:p>
+          <a:p>
+            <a:pPr lvl="1"/>
+            <a:r>
+              <a:rPr lang="en-US" dirty="0"/>
+              <a:t>Supervised learning</a:t>
+            </a:r>
+          </a:p>
+          <a:p>
+            <a:pPr lvl="1"/>
+            <a:r>
+              <a:rPr lang="en-US" dirty="0"/>
+              <a:t>Unsupervised learning</a:t>
+            </a:r>
+          </a:p>
+          <a:p>
+            <a:pPr lvl="1"/>
+            <a:r>
+              <a:rPr lang="en-US" dirty="0"/>
+              <a:t>Semi-supervised learning</a:t>
+            </a:r>
+          </a:p>
+          <a:p>
+            <a:pPr lvl="1"/>
+            <a:r>
+              <a:rPr lang="en-US" dirty="0"/>
+              <a:t>Reinforcement learning</a:t>
+            </a:r>
+            <a:endParaRPr lang="el-GR" dirty="0"/>
+          </a:p>
+          <a:p>
+            <a:r>
+              <a:rPr lang="el-GR" dirty="0"/>
+              <a:t>Αναγνώριση προτύπων σε </a:t>
             </a:r>
             <a:r>
-              <a:rPr lang="el-GR" sz="2000" dirty="0" err="1"/>
-              <a:t>λογια</a:t>
+              <a:rPr lang="en-US" dirty="0"/>
+              <a:t>unlabeled data</a:t>
             </a:r>
+            <a:endParaRPr lang="el-GR" dirty="0"/>
+          </a:p>
+          <a:p>
             <a:r>
-              <a:rPr lang="el-GR" sz="2000" dirty="0"/>
-              <a:t> εδώ που </a:t>
+              <a:rPr lang="el-GR" dirty="0"/>
+              <a:t>Διαχείριση της μεγάλης μάζας δεδομένων</a:t>
             </a:r>
-            <a:r>
-              <a:rPr lang="el-GR" sz="2000" dirty="0" err="1"/>
-              <a:t>ναπεριγραφουν</a:t>
-            </a:r>
-            <a:r>
-              <a:rPr lang="el-GR" sz="2000" dirty="0"/>
-              <a:t> την </a:t>
-            </a:r>
-            <a:r>
-              <a:rPr lang="el-GR" sz="2000" dirty="0" err="1"/>
-              <a:t>μηχανικη</a:t>
-            </a:r>
-            <a:r>
-              <a:rPr lang="el-GR" sz="2000" dirty="0"/>
-              <a:t> </a:t>
-            </a:r>
-            <a:r>
-              <a:rPr lang="el-GR" sz="2000" dirty="0" err="1"/>
-              <a:t>μαθηση</a:t>
-            </a:r>
-            <a:endParaRPr lang="en-US" sz="2000" dirty="0"/>
           </a:p>
         </p:txBody>
       </p:sp>
@@ -14470,6 +15769,494 @@
                       </p:childTnLst>
                     </p:cTn>
                   </p:par>
+                  <p:par>
+                    <p:cTn id="8" fill="hold">
+                      <p:stCondLst>
+                        <p:cond delay="indefinite"/>
+                      </p:stCondLst>
+                      <p:childTnLst>
+                        <p:par>
+                          <p:cTn id="9" fill="hold">
+                            <p:stCondLst>
+                              <p:cond delay="0"/>
+                            </p:stCondLst>
+                            <p:childTnLst>
+                              <p:par>
+                                <p:cTn id="10" presetID="14" presetClass="entr" presetSubtype="10" fill="hold" nodeType="clickEffect">
+                                  <p:stCondLst>
+                                    <p:cond delay="0"/>
+                                  </p:stCondLst>
+                                  <p:childTnLst>
+                                    <p:set>
+                                      <p:cBhvr>
+                                        <p:cTn id="11" dur="1" fill="hold">
+                                          <p:stCondLst>
+                                            <p:cond delay="0"/>
+                                          </p:stCondLst>
+                                        </p:cTn>
+                                        <p:tgtEl>
+                                          <p:spTgt spid="3">
+                                            <p:txEl>
+                                              <p:pRg st="0" end="0"/>
+                                            </p:txEl>
+                                          </p:spTgt>
+                                        </p:tgtEl>
+                                        <p:attrNameLst>
+                                          <p:attrName>style.visibility</p:attrName>
+                                        </p:attrNameLst>
+                                      </p:cBhvr>
+                                      <p:to>
+                                        <p:strVal val="visible"/>
+                                      </p:to>
+                                    </p:set>
+                                    <p:animEffect transition="in" filter="randombar(horizontal)">
+                                      <p:cBhvr>
+                                        <p:cTn id="12" dur="500"/>
+                                        <p:tgtEl>
+                                          <p:spTgt spid="3">
+                                            <p:txEl>
+                                              <p:pRg st="0" end="0"/>
+                                            </p:txEl>
+                                          </p:spTgt>
+                                        </p:tgtEl>
+                                      </p:cBhvr>
+                                    </p:animEffect>
+                                  </p:childTnLst>
+                                </p:cTn>
+                              </p:par>
+                            </p:childTnLst>
+                          </p:cTn>
+                        </p:par>
+                      </p:childTnLst>
+                    </p:cTn>
+                  </p:par>
+                  <p:par>
+                    <p:cTn id="13" fill="hold">
+                      <p:stCondLst>
+                        <p:cond delay="indefinite"/>
+                      </p:stCondLst>
+                      <p:childTnLst>
+                        <p:par>
+                          <p:cTn id="14" fill="hold">
+                            <p:stCondLst>
+                              <p:cond delay="0"/>
+                            </p:stCondLst>
+                            <p:childTnLst>
+                              <p:par>
+                                <p:cTn id="15" presetID="14" presetClass="entr" presetSubtype="10" fill="hold" nodeType="clickEffect">
+                                  <p:stCondLst>
+                                    <p:cond delay="0"/>
+                                  </p:stCondLst>
+                                  <p:childTnLst>
+                                    <p:set>
+                                      <p:cBhvr>
+                                        <p:cTn id="16" dur="1" fill="hold">
+                                          <p:stCondLst>
+                                            <p:cond delay="0"/>
+                                          </p:stCondLst>
+                                        </p:cTn>
+                                        <p:tgtEl>
+                                          <p:spTgt spid="3">
+                                            <p:txEl>
+                                              <p:pRg st="1" end="1"/>
+                                            </p:txEl>
+                                          </p:spTgt>
+                                        </p:tgtEl>
+                                        <p:attrNameLst>
+                                          <p:attrName>style.visibility</p:attrName>
+                                        </p:attrNameLst>
+                                      </p:cBhvr>
+                                      <p:to>
+                                        <p:strVal val="visible"/>
+                                      </p:to>
+                                    </p:set>
+                                    <p:animEffect transition="in" filter="randombar(horizontal)">
+                                      <p:cBhvr>
+                                        <p:cTn id="17" dur="500"/>
+                                        <p:tgtEl>
+                                          <p:spTgt spid="3">
+                                            <p:txEl>
+                                              <p:pRg st="1" end="1"/>
+                                            </p:txEl>
+                                          </p:spTgt>
+                                        </p:tgtEl>
+                                      </p:cBhvr>
+                                    </p:animEffect>
+                                  </p:childTnLst>
+                                </p:cTn>
+                              </p:par>
+                            </p:childTnLst>
+                          </p:cTn>
+                        </p:par>
+                      </p:childTnLst>
+                    </p:cTn>
+                  </p:par>
+                  <p:par>
+                    <p:cTn id="18" fill="hold">
+                      <p:stCondLst>
+                        <p:cond delay="indefinite"/>
+                      </p:stCondLst>
+                      <p:childTnLst>
+                        <p:par>
+                          <p:cTn id="19" fill="hold">
+                            <p:stCondLst>
+                              <p:cond delay="0"/>
+                            </p:stCondLst>
+                            <p:childTnLst>
+                              <p:par>
+                                <p:cTn id="20" presetID="6" presetClass="entr" presetSubtype="16" fill="hold" nodeType="clickEffect">
+                                  <p:stCondLst>
+                                    <p:cond delay="0"/>
+                                  </p:stCondLst>
+                                  <p:childTnLst>
+                                    <p:set>
+                                      <p:cBhvr>
+                                        <p:cTn id="21" dur="1" fill="hold">
+                                          <p:stCondLst>
+                                            <p:cond delay="0"/>
+                                          </p:stCondLst>
+                                        </p:cTn>
+                                        <p:tgtEl>
+                                          <p:spTgt spid="3">
+                                            <p:txEl>
+                                              <p:pRg st="2" end="2"/>
+                                            </p:txEl>
+                                          </p:spTgt>
+                                        </p:tgtEl>
+                                        <p:attrNameLst>
+                                          <p:attrName>style.visibility</p:attrName>
+                                        </p:attrNameLst>
+                                      </p:cBhvr>
+                                      <p:to>
+                                        <p:strVal val="visible"/>
+                                      </p:to>
+                                    </p:set>
+                                    <p:animEffect transition="in" filter="circle(in)">
+                                      <p:cBhvr>
+                                        <p:cTn id="22" dur="2000"/>
+                                        <p:tgtEl>
+                                          <p:spTgt spid="3">
+                                            <p:txEl>
+                                              <p:pRg st="2" end="2"/>
+                                            </p:txEl>
+                                          </p:spTgt>
+                                        </p:tgtEl>
+                                      </p:cBhvr>
+                                    </p:animEffect>
+                                  </p:childTnLst>
+                                </p:cTn>
+                              </p:par>
+                            </p:childTnLst>
+                          </p:cTn>
+                        </p:par>
+                      </p:childTnLst>
+                    </p:cTn>
+                  </p:par>
+                  <p:par>
+                    <p:cTn id="23" fill="hold">
+                      <p:stCondLst>
+                        <p:cond delay="indefinite"/>
+                      </p:stCondLst>
+                      <p:childTnLst>
+                        <p:par>
+                          <p:cTn id="24" fill="hold">
+                            <p:stCondLst>
+                              <p:cond delay="0"/>
+                            </p:stCondLst>
+                            <p:childTnLst>
+                              <p:par>
+                                <p:cTn id="25" presetID="6" presetClass="entr" presetSubtype="16" fill="hold" nodeType="clickEffect">
+                                  <p:stCondLst>
+                                    <p:cond delay="0"/>
+                                  </p:stCondLst>
+                                  <p:childTnLst>
+                                    <p:set>
+                                      <p:cBhvr>
+                                        <p:cTn id="26" dur="1" fill="hold">
+                                          <p:stCondLst>
+                                            <p:cond delay="0"/>
+                                          </p:stCondLst>
+                                        </p:cTn>
+                                        <p:tgtEl>
+                                          <p:spTgt spid="3">
+                                            <p:txEl>
+                                              <p:pRg st="3" end="3"/>
+                                            </p:txEl>
+                                          </p:spTgt>
+                                        </p:tgtEl>
+                                        <p:attrNameLst>
+                                          <p:attrName>style.visibility</p:attrName>
+                                        </p:attrNameLst>
+                                      </p:cBhvr>
+                                      <p:to>
+                                        <p:strVal val="visible"/>
+                                      </p:to>
+                                    </p:set>
+                                    <p:animEffect transition="in" filter="circle(in)">
+                                      <p:cBhvr>
+                                        <p:cTn id="27" dur="2000"/>
+                                        <p:tgtEl>
+                                          <p:spTgt spid="3">
+                                            <p:txEl>
+                                              <p:pRg st="3" end="3"/>
+                                            </p:txEl>
+                                          </p:spTgt>
+                                        </p:tgtEl>
+                                      </p:cBhvr>
+                                    </p:animEffect>
+                                  </p:childTnLst>
+                                </p:cTn>
+                              </p:par>
+                            </p:childTnLst>
+                          </p:cTn>
+                        </p:par>
+                      </p:childTnLst>
+                    </p:cTn>
+                  </p:par>
+                  <p:par>
+                    <p:cTn id="28" fill="hold">
+                      <p:stCondLst>
+                        <p:cond delay="indefinite"/>
+                      </p:stCondLst>
+                      <p:childTnLst>
+                        <p:par>
+                          <p:cTn id="29" fill="hold">
+                            <p:stCondLst>
+                              <p:cond delay="0"/>
+                            </p:stCondLst>
+                            <p:childTnLst>
+                              <p:par>
+                                <p:cTn id="30" presetID="6" presetClass="entr" presetSubtype="16" fill="hold" nodeType="clickEffect">
+                                  <p:stCondLst>
+                                    <p:cond delay="0"/>
+                                  </p:stCondLst>
+                                  <p:childTnLst>
+                                    <p:set>
+                                      <p:cBhvr>
+                                        <p:cTn id="31" dur="1" fill="hold">
+                                          <p:stCondLst>
+                                            <p:cond delay="0"/>
+                                          </p:stCondLst>
+                                        </p:cTn>
+                                        <p:tgtEl>
+                                          <p:spTgt spid="3">
+                                            <p:txEl>
+                                              <p:pRg st="4" end="4"/>
+                                            </p:txEl>
+                                          </p:spTgt>
+                                        </p:tgtEl>
+                                        <p:attrNameLst>
+                                          <p:attrName>style.visibility</p:attrName>
+                                        </p:attrNameLst>
+                                      </p:cBhvr>
+                                      <p:to>
+                                        <p:strVal val="visible"/>
+                                      </p:to>
+                                    </p:set>
+                                    <p:animEffect transition="in" filter="circle(in)">
+                                      <p:cBhvr>
+                                        <p:cTn id="32" dur="2000"/>
+                                        <p:tgtEl>
+                                          <p:spTgt spid="3">
+                                            <p:txEl>
+                                              <p:pRg st="4" end="4"/>
+                                            </p:txEl>
+                                          </p:spTgt>
+                                        </p:tgtEl>
+                                      </p:cBhvr>
+                                    </p:animEffect>
+                                  </p:childTnLst>
+                                </p:cTn>
+                              </p:par>
+                            </p:childTnLst>
+                          </p:cTn>
+                        </p:par>
+                      </p:childTnLst>
+                    </p:cTn>
+                  </p:par>
+                  <p:par>
+                    <p:cTn id="33" fill="hold">
+                      <p:stCondLst>
+                        <p:cond delay="indefinite"/>
+                      </p:stCondLst>
+                      <p:childTnLst>
+                        <p:par>
+                          <p:cTn id="34" fill="hold">
+                            <p:stCondLst>
+                              <p:cond delay="0"/>
+                            </p:stCondLst>
+                            <p:childTnLst>
+                              <p:par>
+                                <p:cTn id="35" presetID="6" presetClass="entr" presetSubtype="16" fill="hold" nodeType="clickEffect">
+                                  <p:stCondLst>
+                                    <p:cond delay="0"/>
+                                  </p:stCondLst>
+                                  <p:childTnLst>
+                                    <p:set>
+                                      <p:cBhvr>
+                                        <p:cTn id="36" dur="1" fill="hold">
+                                          <p:stCondLst>
+                                            <p:cond delay="0"/>
+                                          </p:stCondLst>
+                                        </p:cTn>
+                                        <p:tgtEl>
+                                          <p:spTgt spid="3">
+                                            <p:txEl>
+                                              <p:pRg st="5" end="5"/>
+                                            </p:txEl>
+                                          </p:spTgt>
+                                        </p:tgtEl>
+                                        <p:attrNameLst>
+                                          <p:attrName>style.visibility</p:attrName>
+                                        </p:attrNameLst>
+                                      </p:cBhvr>
+                                      <p:to>
+                                        <p:strVal val="visible"/>
+                                      </p:to>
+                                    </p:set>
+                                    <p:animEffect transition="in" filter="circle(in)">
+                                      <p:cBhvr>
+                                        <p:cTn id="37" dur="2000"/>
+                                        <p:tgtEl>
+                                          <p:spTgt spid="3">
+                                            <p:txEl>
+                                              <p:pRg st="5" end="5"/>
+                                            </p:txEl>
+                                          </p:spTgt>
+                                        </p:tgtEl>
+                                      </p:cBhvr>
+                                    </p:animEffect>
+                                  </p:childTnLst>
+                                </p:cTn>
+                              </p:par>
+                            </p:childTnLst>
+                          </p:cTn>
+                        </p:par>
+                      </p:childTnLst>
+                    </p:cTn>
+                  </p:par>
+                  <p:par>
+                    <p:cTn id="38" fill="hold">
+                      <p:stCondLst>
+                        <p:cond delay="indefinite"/>
+                      </p:stCondLst>
+                      <p:childTnLst>
+                        <p:par>
+                          <p:cTn id="39" fill="hold">
+                            <p:stCondLst>
+                              <p:cond delay="0"/>
+                            </p:stCondLst>
+                            <p:childTnLst>
+                              <p:par>
+                                <p:cTn id="40" presetID="14" presetClass="entr" presetSubtype="10" fill="hold" nodeType="clickEffect">
+                                  <p:stCondLst>
+                                    <p:cond delay="0"/>
+                                  </p:stCondLst>
+                                  <p:childTnLst>
+                                    <p:set>
+                                      <p:cBhvr>
+                                        <p:cTn id="41" dur="1" fill="hold">
+                                          <p:stCondLst>
+                                            <p:cond delay="0"/>
+                                          </p:stCondLst>
+                                        </p:cTn>
+                                        <p:tgtEl>
+                                          <p:spTgt spid="3">
+                                            <p:txEl>
+                                              <p:pRg st="6" end="6"/>
+                                            </p:txEl>
+                                          </p:spTgt>
+                                        </p:tgtEl>
+                                        <p:attrNameLst>
+                                          <p:attrName>style.visibility</p:attrName>
+                                        </p:attrNameLst>
+                                      </p:cBhvr>
+                                      <p:to>
+                                        <p:strVal val="visible"/>
+                                      </p:to>
+                                    </p:set>
+                                    <p:animEffect transition="in" filter="randombar(horizontal)">
+                                      <p:cBhvr>
+                                        <p:cTn id="42" dur="500"/>
+                                        <p:tgtEl>
+                                          <p:spTgt spid="3">
+                                            <p:txEl>
+                                              <p:pRg st="6" end="6"/>
+                                            </p:txEl>
+                                          </p:spTgt>
+                                        </p:tgtEl>
+                                      </p:cBhvr>
+                                    </p:animEffect>
+                                  </p:childTnLst>
+                                </p:cTn>
+                              </p:par>
+                            </p:childTnLst>
+                          </p:cTn>
+                        </p:par>
+                      </p:childTnLst>
+                    </p:cTn>
+                  </p:par>
+                  <p:par>
+                    <p:cTn id="43" fill="hold">
+                      <p:stCondLst>
+                        <p:cond delay="indefinite"/>
+                      </p:stCondLst>
+                      <p:childTnLst>
+                        <p:par>
+                          <p:cTn id="44" fill="hold">
+                            <p:stCondLst>
+                              <p:cond delay="0"/>
+                            </p:stCondLst>
+                            <p:childTnLst>
+                              <p:par>
+                                <p:cTn id="45" presetID="14" presetClass="entr" presetSubtype="10" fill="hold" nodeType="clickEffect">
+                                  <p:stCondLst>
+                                    <p:cond delay="0"/>
+                                  </p:stCondLst>
+                                  <p:childTnLst>
+                                    <p:set>
+                                      <p:cBhvr>
+                                        <p:cTn id="46" dur="1" fill="hold">
+                                          <p:stCondLst>
+                                            <p:cond delay="0"/>
+                                          </p:stCondLst>
+                                        </p:cTn>
+                                        <p:tgtEl>
+                                          <p:spTgt spid="3">
+                                            <p:txEl>
+                                              <p:pRg st="7" end="7"/>
+                                            </p:txEl>
+                                          </p:spTgt>
+                                        </p:tgtEl>
+                                        <p:attrNameLst>
+                                          <p:attrName>style.visibility</p:attrName>
+                                        </p:attrNameLst>
+                                      </p:cBhvr>
+                                      <p:to>
+                                        <p:strVal val="visible"/>
+                                      </p:to>
+                                    </p:set>
+                                    <p:animEffect transition="in" filter="randombar(horizontal)">
+                                      <p:cBhvr>
+                                        <p:cTn id="47" dur="500"/>
+                                        <p:tgtEl>
+                                          <p:spTgt spid="3">
+                                            <p:txEl>
+                                              <p:pRg st="7" end="7"/>
+                                            </p:txEl>
+                                          </p:spTgt>
+                                        </p:tgtEl>
+                                      </p:cBhvr>
+                                    </p:animEffect>
+                                  </p:childTnLst>
+                                </p:cTn>
+                              </p:par>
+                            </p:childTnLst>
+                          </p:cTn>
+                        </p:par>
+                      </p:childTnLst>
+                    </p:cTn>
+                  </p:par>
                 </p:childTnLst>
               </p:cTn>
               <p:prevCondLst>
@@ -14566,56 +16353,162 @@
             <p:ph idx="1"/>
           </p:nvPr>
         </p:nvSpPr>
-        <p:spPr/>
+        <p:spPr>
+          <a:xfrm>
+            <a:off x="1982452" y="2004213"/>
+            <a:ext cx="9905999" cy="4016402"/>
+          </a:xfrm>
+        </p:spPr>
         <p:txBody>
-          <a:bodyPr/>
+          <a:bodyPr>
+            <a:normAutofit/>
+          </a:bodyPr>
           <a:lstStyle/>
           <a:p>
             <a:r>
               <a:rPr lang="el-GR" dirty="0"/>
-              <a:t>Θα </a:t>
+              <a:t>Ένας υπολογιστής πλέον μπορεί να δει</a:t>
+            </a:r>
+          </a:p>
+          <a:p>
+            <a:r>
+              <a:rPr lang="el-GR" dirty="0"/>
+              <a:t>Εξαγωγή πληροφορίας από τις εικόνες</a:t>
+            </a:r>
+          </a:p>
+          <a:p>
+            <a:r>
+              <a:rPr lang="el-GR" dirty="0"/>
+              <a:t>Είναι εφικτή η κατηγοριοποίηση αντικειμένων με βάση εικόνων</a:t>
+            </a:r>
+          </a:p>
+          <a:p>
+            <a:r>
+              <a:rPr lang="el-GR" dirty="0"/>
+              <a:t>Διάφορες τεχνικές:</a:t>
+            </a:r>
+          </a:p>
+          <a:p>
+            <a:pPr lvl="1"/>
+            <a:r>
+              <a:rPr lang="el-GR" dirty="0">
+                <a:effectLst/>
+                <a:latin typeface="+mj-lt"/>
+                <a:ea typeface="Calibri" panose="020F0502020204030204" pitchFamily="34" charset="0"/>
+                <a:cs typeface="Times New Roman" panose="02020603050405020304" pitchFamily="18" charset="0"/>
+              </a:rPr>
+              <a:t>Ανίχνευση αντικειμένων (</a:t>
             </a:r>
             <a:r>
-              <a:rPr lang="el-GR" dirty="0" err="1"/>
-              <a:t>βαλω</a:t>
+              <a:rPr lang="en-US" dirty="0">
+                <a:effectLst/>
+                <a:latin typeface="+mj-lt"/>
+                <a:ea typeface="Calibri" panose="020F0502020204030204" pitchFamily="34" charset="0"/>
+                <a:cs typeface="Times New Roman" panose="02020603050405020304" pitchFamily="18" charset="0"/>
+              </a:rPr>
+              <a:t>object detection</a:t>
             </a:r>
             <a:r>
-              <a:rPr lang="el-GR" dirty="0"/>
-              <a:t> </a:t>
+              <a:rPr lang="el-GR" dirty="0">
+                <a:effectLst/>
+                <a:latin typeface="+mj-lt"/>
+                <a:ea typeface="Calibri" panose="020F0502020204030204" pitchFamily="34" charset="0"/>
+                <a:cs typeface="Times New Roman" panose="02020603050405020304" pitchFamily="18" charset="0"/>
+              </a:rPr>
+              <a:t>)</a:t>
+            </a:r>
+            <a:endParaRPr lang="en-US" dirty="0">
+              <a:effectLst/>
+              <a:latin typeface="+mj-lt"/>
+              <a:ea typeface="Calibri" panose="020F0502020204030204" pitchFamily="34" charset="0"/>
+              <a:cs typeface="Times New Roman" panose="02020603050405020304" pitchFamily="18" charset="0"/>
+            </a:endParaRPr>
+          </a:p>
+          <a:p>
+            <a:pPr lvl="1"/>
+            <a:r>
+              <a:rPr lang="el-GR" dirty="0">
+                <a:latin typeface="+mj-lt"/>
+              </a:rPr>
+              <a:t>Ανίχνευση προσώπου</a:t>
             </a:r>
             <a:r>
-              <a:rPr lang="el-GR" dirty="0" err="1"/>
-              <a:t>λιγα</a:t>
+              <a:rPr lang="en-US" dirty="0">
+                <a:latin typeface="+mj-lt"/>
+              </a:rPr>
+              <a:t> (face detection)</a:t>
+            </a:r>
+            <a:endParaRPr lang="el-GR" dirty="0">
+              <a:latin typeface="+mj-lt"/>
+            </a:endParaRPr>
+          </a:p>
+          <a:p>
+            <a:pPr lvl="1"/>
+            <a:r>
+              <a:rPr lang="el-GR" dirty="0">
+                <a:effectLst/>
+                <a:latin typeface="+mj-lt"/>
+                <a:ea typeface="Calibri" panose="020F0502020204030204" pitchFamily="34" charset="0"/>
+                <a:cs typeface="Times New Roman" panose="02020603050405020304" pitchFamily="18" charset="0"/>
+              </a:rPr>
+              <a:t>Εντοπισμός αντικειμένων (</a:t>
             </a:r>
             <a:r>
-              <a:rPr lang="el-GR" dirty="0"/>
-              <a:t> </a:t>
+              <a:rPr lang="en-US" dirty="0">
+                <a:effectLst/>
+                <a:latin typeface="+mj-lt"/>
+                <a:ea typeface="Calibri" panose="020F0502020204030204" pitchFamily="34" charset="0"/>
+                <a:cs typeface="Times New Roman" panose="02020603050405020304" pitchFamily="18" charset="0"/>
+              </a:rPr>
+              <a:t>object tracking</a:t>
             </a:r>
             <a:r>
-              <a:rPr lang="el-GR" dirty="0" err="1"/>
-              <a:t>λογια</a:t>
+              <a:rPr lang="en-US" dirty="0">
+                <a:latin typeface="+mj-lt"/>
+                <a:ea typeface="Calibri" panose="020F0502020204030204" pitchFamily="34" charset="0"/>
+                <a:cs typeface="Times New Roman" panose="02020603050405020304" pitchFamily="18" charset="0"/>
+              </a:rPr>
+              <a:t>)</a:t>
+            </a:r>
+          </a:p>
+          <a:p>
+            <a:pPr lvl="1"/>
+            <a:r>
+              <a:rPr lang="el-GR" dirty="0">
+                <a:effectLst/>
+                <a:latin typeface="+mj-lt"/>
+                <a:ea typeface="Calibri" panose="020F0502020204030204" pitchFamily="34" charset="0"/>
+                <a:cs typeface="Times New Roman" panose="02020603050405020304" pitchFamily="18" charset="0"/>
+              </a:rPr>
+              <a:t>Εντοπισμός της στάσης σώματος (</a:t>
             </a:r>
             <a:r>
-              <a:rPr lang="el-GR" dirty="0"/>
-              <a:t> που να </a:t>
+              <a:rPr lang="en-US" dirty="0">
+                <a:effectLst/>
+                <a:latin typeface="+mj-lt"/>
+                <a:ea typeface="Calibri" panose="020F0502020204030204" pitchFamily="34" charset="0"/>
+                <a:cs typeface="Times New Roman" panose="02020603050405020304" pitchFamily="18" charset="0"/>
+              </a:rPr>
+              <a:t>pose detection</a:t>
             </a:r>
             <a:r>
-              <a:rPr lang="el-GR" dirty="0" err="1"/>
-              <a:t>περιγραφουν</a:t>
+              <a:rPr lang="el-GR" dirty="0">
+                <a:effectLst/>
+                <a:latin typeface="+mj-lt"/>
+                <a:ea typeface="Calibri" panose="020F0502020204030204" pitchFamily="34" charset="0"/>
+                <a:cs typeface="Times New Roman" panose="02020603050405020304" pitchFamily="18" charset="0"/>
+              </a:rPr>
+              <a:t>)</a:t>
             </a:r>
-            <a:r>
-              <a:rPr lang="el-GR" dirty="0"/>
-              <a:t> την </a:t>
-            </a:r>
-            <a:r>
-              <a:rPr lang="el-GR" dirty="0" err="1"/>
-              <a:t>οραση</a:t>
-            </a:r>
-            <a:r>
-              <a:rPr lang="el-GR" dirty="0"/>
-              <a:t> υπολογιστων</a:t>
-            </a:r>
-            <a:endParaRPr lang="en-US" dirty="0"/>
+            <a:endParaRPr lang="en-US" dirty="0">
+              <a:effectLst/>
+              <a:latin typeface="Calibri" panose="020F0502020204030204" pitchFamily="34" charset="0"/>
+              <a:ea typeface="Calibri" panose="020F0502020204030204" pitchFamily="34" charset="0"/>
+              <a:cs typeface="Times New Roman" panose="02020603050405020304" pitchFamily="18" charset="0"/>
+            </a:endParaRPr>
+          </a:p>
+          <a:p>
+            <a:endParaRPr lang="el-GR" sz="2400" dirty="0"/>
           </a:p>
         </p:txBody>
       </p:sp>
@@ -14924,6 +16817,494 @@
                                       </p:cBhvr>
                                       <p:to x="100000" y="100000"/>
                                     </p:animScale>
+                                  </p:childTnLst>
+                                </p:cTn>
+                              </p:par>
+                            </p:childTnLst>
+                          </p:cTn>
+                        </p:par>
+                      </p:childTnLst>
+                    </p:cTn>
+                  </p:par>
+                  <p:par>
+                    <p:cTn id="21" fill="hold">
+                      <p:stCondLst>
+                        <p:cond delay="indefinite"/>
+                      </p:stCondLst>
+                      <p:childTnLst>
+                        <p:par>
+                          <p:cTn id="22" fill="hold">
+                            <p:stCondLst>
+                              <p:cond delay="0"/>
+                            </p:stCondLst>
+                            <p:childTnLst>
+                              <p:par>
+                                <p:cTn id="23" presetID="14" presetClass="entr" presetSubtype="10" fill="hold" nodeType="clickEffect">
+                                  <p:stCondLst>
+                                    <p:cond delay="0"/>
+                                  </p:stCondLst>
+                                  <p:childTnLst>
+                                    <p:set>
+                                      <p:cBhvr>
+                                        <p:cTn id="24" dur="1" fill="hold">
+                                          <p:stCondLst>
+                                            <p:cond delay="0"/>
+                                          </p:stCondLst>
+                                        </p:cTn>
+                                        <p:tgtEl>
+                                          <p:spTgt spid="3">
+                                            <p:txEl>
+                                              <p:pRg st="0" end="0"/>
+                                            </p:txEl>
+                                          </p:spTgt>
+                                        </p:tgtEl>
+                                        <p:attrNameLst>
+                                          <p:attrName>style.visibility</p:attrName>
+                                        </p:attrNameLst>
+                                      </p:cBhvr>
+                                      <p:to>
+                                        <p:strVal val="visible"/>
+                                      </p:to>
+                                    </p:set>
+                                    <p:animEffect transition="in" filter="randombar(horizontal)">
+                                      <p:cBhvr>
+                                        <p:cTn id="25" dur="500"/>
+                                        <p:tgtEl>
+                                          <p:spTgt spid="3">
+                                            <p:txEl>
+                                              <p:pRg st="0" end="0"/>
+                                            </p:txEl>
+                                          </p:spTgt>
+                                        </p:tgtEl>
+                                      </p:cBhvr>
+                                    </p:animEffect>
+                                  </p:childTnLst>
+                                </p:cTn>
+                              </p:par>
+                            </p:childTnLst>
+                          </p:cTn>
+                        </p:par>
+                      </p:childTnLst>
+                    </p:cTn>
+                  </p:par>
+                  <p:par>
+                    <p:cTn id="26" fill="hold">
+                      <p:stCondLst>
+                        <p:cond delay="indefinite"/>
+                      </p:stCondLst>
+                      <p:childTnLst>
+                        <p:par>
+                          <p:cTn id="27" fill="hold">
+                            <p:stCondLst>
+                              <p:cond delay="0"/>
+                            </p:stCondLst>
+                            <p:childTnLst>
+                              <p:par>
+                                <p:cTn id="28" presetID="14" presetClass="entr" presetSubtype="10" fill="hold" nodeType="clickEffect">
+                                  <p:stCondLst>
+                                    <p:cond delay="0"/>
+                                  </p:stCondLst>
+                                  <p:childTnLst>
+                                    <p:set>
+                                      <p:cBhvr>
+                                        <p:cTn id="29" dur="1" fill="hold">
+                                          <p:stCondLst>
+                                            <p:cond delay="0"/>
+                                          </p:stCondLst>
+                                        </p:cTn>
+                                        <p:tgtEl>
+                                          <p:spTgt spid="3">
+                                            <p:txEl>
+                                              <p:pRg st="1" end="1"/>
+                                            </p:txEl>
+                                          </p:spTgt>
+                                        </p:tgtEl>
+                                        <p:attrNameLst>
+                                          <p:attrName>style.visibility</p:attrName>
+                                        </p:attrNameLst>
+                                      </p:cBhvr>
+                                      <p:to>
+                                        <p:strVal val="visible"/>
+                                      </p:to>
+                                    </p:set>
+                                    <p:animEffect transition="in" filter="randombar(horizontal)">
+                                      <p:cBhvr>
+                                        <p:cTn id="30" dur="500"/>
+                                        <p:tgtEl>
+                                          <p:spTgt spid="3">
+                                            <p:txEl>
+                                              <p:pRg st="1" end="1"/>
+                                            </p:txEl>
+                                          </p:spTgt>
+                                        </p:tgtEl>
+                                      </p:cBhvr>
+                                    </p:animEffect>
+                                  </p:childTnLst>
+                                </p:cTn>
+                              </p:par>
+                            </p:childTnLst>
+                          </p:cTn>
+                        </p:par>
+                      </p:childTnLst>
+                    </p:cTn>
+                  </p:par>
+                  <p:par>
+                    <p:cTn id="31" fill="hold">
+                      <p:stCondLst>
+                        <p:cond delay="indefinite"/>
+                      </p:stCondLst>
+                      <p:childTnLst>
+                        <p:par>
+                          <p:cTn id="32" fill="hold">
+                            <p:stCondLst>
+                              <p:cond delay="0"/>
+                            </p:stCondLst>
+                            <p:childTnLst>
+                              <p:par>
+                                <p:cTn id="33" presetID="14" presetClass="entr" presetSubtype="10" fill="hold" nodeType="clickEffect">
+                                  <p:stCondLst>
+                                    <p:cond delay="0"/>
+                                  </p:stCondLst>
+                                  <p:childTnLst>
+                                    <p:set>
+                                      <p:cBhvr>
+                                        <p:cTn id="34" dur="1" fill="hold">
+                                          <p:stCondLst>
+                                            <p:cond delay="0"/>
+                                          </p:stCondLst>
+                                        </p:cTn>
+                                        <p:tgtEl>
+                                          <p:spTgt spid="3">
+                                            <p:txEl>
+                                              <p:pRg st="2" end="2"/>
+                                            </p:txEl>
+                                          </p:spTgt>
+                                        </p:tgtEl>
+                                        <p:attrNameLst>
+                                          <p:attrName>style.visibility</p:attrName>
+                                        </p:attrNameLst>
+                                      </p:cBhvr>
+                                      <p:to>
+                                        <p:strVal val="visible"/>
+                                      </p:to>
+                                    </p:set>
+                                    <p:animEffect transition="in" filter="randombar(horizontal)">
+                                      <p:cBhvr>
+                                        <p:cTn id="35" dur="500"/>
+                                        <p:tgtEl>
+                                          <p:spTgt spid="3">
+                                            <p:txEl>
+                                              <p:pRg st="2" end="2"/>
+                                            </p:txEl>
+                                          </p:spTgt>
+                                        </p:tgtEl>
+                                      </p:cBhvr>
+                                    </p:animEffect>
+                                  </p:childTnLst>
+                                </p:cTn>
+                              </p:par>
+                            </p:childTnLst>
+                          </p:cTn>
+                        </p:par>
+                      </p:childTnLst>
+                    </p:cTn>
+                  </p:par>
+                  <p:par>
+                    <p:cTn id="36" fill="hold">
+                      <p:stCondLst>
+                        <p:cond delay="indefinite"/>
+                      </p:stCondLst>
+                      <p:childTnLst>
+                        <p:par>
+                          <p:cTn id="37" fill="hold">
+                            <p:stCondLst>
+                              <p:cond delay="0"/>
+                            </p:stCondLst>
+                            <p:childTnLst>
+                              <p:par>
+                                <p:cTn id="38" presetID="14" presetClass="entr" presetSubtype="10" fill="hold" nodeType="clickEffect">
+                                  <p:stCondLst>
+                                    <p:cond delay="0"/>
+                                  </p:stCondLst>
+                                  <p:childTnLst>
+                                    <p:set>
+                                      <p:cBhvr>
+                                        <p:cTn id="39" dur="1" fill="hold">
+                                          <p:stCondLst>
+                                            <p:cond delay="0"/>
+                                          </p:stCondLst>
+                                        </p:cTn>
+                                        <p:tgtEl>
+                                          <p:spTgt spid="3">
+                                            <p:txEl>
+                                              <p:pRg st="3" end="3"/>
+                                            </p:txEl>
+                                          </p:spTgt>
+                                        </p:tgtEl>
+                                        <p:attrNameLst>
+                                          <p:attrName>style.visibility</p:attrName>
+                                        </p:attrNameLst>
+                                      </p:cBhvr>
+                                      <p:to>
+                                        <p:strVal val="visible"/>
+                                      </p:to>
+                                    </p:set>
+                                    <p:animEffect transition="in" filter="randombar(horizontal)">
+                                      <p:cBhvr>
+                                        <p:cTn id="40" dur="500"/>
+                                        <p:tgtEl>
+                                          <p:spTgt spid="3">
+                                            <p:txEl>
+                                              <p:pRg st="3" end="3"/>
+                                            </p:txEl>
+                                          </p:spTgt>
+                                        </p:tgtEl>
+                                      </p:cBhvr>
+                                    </p:animEffect>
+                                  </p:childTnLst>
+                                </p:cTn>
+                              </p:par>
+                            </p:childTnLst>
+                          </p:cTn>
+                        </p:par>
+                      </p:childTnLst>
+                    </p:cTn>
+                  </p:par>
+                  <p:par>
+                    <p:cTn id="41" fill="hold">
+                      <p:stCondLst>
+                        <p:cond delay="indefinite"/>
+                      </p:stCondLst>
+                      <p:childTnLst>
+                        <p:par>
+                          <p:cTn id="42" fill="hold">
+                            <p:stCondLst>
+                              <p:cond delay="0"/>
+                            </p:stCondLst>
+                            <p:childTnLst>
+                              <p:par>
+                                <p:cTn id="43" presetID="6" presetClass="entr" presetSubtype="16" fill="hold" nodeType="clickEffect">
+                                  <p:stCondLst>
+                                    <p:cond delay="0"/>
+                                  </p:stCondLst>
+                                  <p:childTnLst>
+                                    <p:set>
+                                      <p:cBhvr>
+                                        <p:cTn id="44" dur="1" fill="hold">
+                                          <p:stCondLst>
+                                            <p:cond delay="0"/>
+                                          </p:stCondLst>
+                                        </p:cTn>
+                                        <p:tgtEl>
+                                          <p:spTgt spid="3">
+                                            <p:txEl>
+                                              <p:pRg st="4" end="4"/>
+                                            </p:txEl>
+                                          </p:spTgt>
+                                        </p:tgtEl>
+                                        <p:attrNameLst>
+                                          <p:attrName>style.visibility</p:attrName>
+                                        </p:attrNameLst>
+                                      </p:cBhvr>
+                                      <p:to>
+                                        <p:strVal val="visible"/>
+                                      </p:to>
+                                    </p:set>
+                                    <p:animEffect transition="in" filter="circle(in)">
+                                      <p:cBhvr>
+                                        <p:cTn id="45" dur="2000"/>
+                                        <p:tgtEl>
+                                          <p:spTgt spid="3">
+                                            <p:txEl>
+                                              <p:pRg st="4" end="4"/>
+                                            </p:txEl>
+                                          </p:spTgt>
+                                        </p:tgtEl>
+                                      </p:cBhvr>
+                                    </p:animEffect>
+                                  </p:childTnLst>
+                                </p:cTn>
+                              </p:par>
+                            </p:childTnLst>
+                          </p:cTn>
+                        </p:par>
+                      </p:childTnLst>
+                    </p:cTn>
+                  </p:par>
+                  <p:par>
+                    <p:cTn id="46" fill="hold">
+                      <p:stCondLst>
+                        <p:cond delay="indefinite"/>
+                      </p:stCondLst>
+                      <p:childTnLst>
+                        <p:par>
+                          <p:cTn id="47" fill="hold">
+                            <p:stCondLst>
+                              <p:cond delay="0"/>
+                            </p:stCondLst>
+                            <p:childTnLst>
+                              <p:par>
+                                <p:cTn id="48" presetID="6" presetClass="entr" presetSubtype="16" fill="hold" nodeType="clickEffect">
+                                  <p:stCondLst>
+                                    <p:cond delay="0"/>
+                                  </p:stCondLst>
+                                  <p:childTnLst>
+                                    <p:set>
+                                      <p:cBhvr>
+                                        <p:cTn id="49" dur="1" fill="hold">
+                                          <p:stCondLst>
+                                            <p:cond delay="0"/>
+                                          </p:stCondLst>
+                                        </p:cTn>
+                                        <p:tgtEl>
+                                          <p:spTgt spid="3">
+                                            <p:txEl>
+                                              <p:pRg st="5" end="5"/>
+                                            </p:txEl>
+                                          </p:spTgt>
+                                        </p:tgtEl>
+                                        <p:attrNameLst>
+                                          <p:attrName>style.visibility</p:attrName>
+                                        </p:attrNameLst>
+                                      </p:cBhvr>
+                                      <p:to>
+                                        <p:strVal val="visible"/>
+                                      </p:to>
+                                    </p:set>
+                                    <p:animEffect transition="in" filter="circle(in)">
+                                      <p:cBhvr>
+                                        <p:cTn id="50" dur="2000"/>
+                                        <p:tgtEl>
+                                          <p:spTgt spid="3">
+                                            <p:txEl>
+                                              <p:pRg st="5" end="5"/>
+                                            </p:txEl>
+                                          </p:spTgt>
+                                        </p:tgtEl>
+                                      </p:cBhvr>
+                                    </p:animEffect>
+                                  </p:childTnLst>
+                                </p:cTn>
+                              </p:par>
+                            </p:childTnLst>
+                          </p:cTn>
+                        </p:par>
+                      </p:childTnLst>
+                    </p:cTn>
+                  </p:par>
+                  <p:par>
+                    <p:cTn id="51" fill="hold">
+                      <p:stCondLst>
+                        <p:cond delay="indefinite"/>
+                      </p:stCondLst>
+                      <p:childTnLst>
+                        <p:par>
+                          <p:cTn id="52" fill="hold">
+                            <p:stCondLst>
+                              <p:cond delay="0"/>
+                            </p:stCondLst>
+                            <p:childTnLst>
+                              <p:par>
+                                <p:cTn id="53" presetID="6" presetClass="entr" presetSubtype="16" fill="hold" nodeType="clickEffect">
+                                  <p:stCondLst>
+                                    <p:cond delay="0"/>
+                                  </p:stCondLst>
+                                  <p:childTnLst>
+                                    <p:set>
+                                      <p:cBhvr>
+                                        <p:cTn id="54" dur="1" fill="hold">
+                                          <p:stCondLst>
+                                            <p:cond delay="0"/>
+                                          </p:stCondLst>
+                                        </p:cTn>
+                                        <p:tgtEl>
+                                          <p:spTgt spid="3">
+                                            <p:txEl>
+                                              <p:pRg st="6" end="6"/>
+                                            </p:txEl>
+                                          </p:spTgt>
+                                        </p:tgtEl>
+                                        <p:attrNameLst>
+                                          <p:attrName>style.visibility</p:attrName>
+                                        </p:attrNameLst>
+                                      </p:cBhvr>
+                                      <p:to>
+                                        <p:strVal val="visible"/>
+                                      </p:to>
+                                    </p:set>
+                                    <p:animEffect transition="in" filter="circle(in)">
+                                      <p:cBhvr>
+                                        <p:cTn id="55" dur="2000"/>
+                                        <p:tgtEl>
+                                          <p:spTgt spid="3">
+                                            <p:txEl>
+                                              <p:pRg st="6" end="6"/>
+                                            </p:txEl>
+                                          </p:spTgt>
+                                        </p:tgtEl>
+                                      </p:cBhvr>
+                                    </p:animEffect>
+                                  </p:childTnLst>
+                                </p:cTn>
+                              </p:par>
+                            </p:childTnLst>
+                          </p:cTn>
+                        </p:par>
+                      </p:childTnLst>
+                    </p:cTn>
+                  </p:par>
+                  <p:par>
+                    <p:cTn id="56" fill="hold">
+                      <p:stCondLst>
+                        <p:cond delay="indefinite"/>
+                      </p:stCondLst>
+                      <p:childTnLst>
+                        <p:par>
+                          <p:cTn id="57" fill="hold">
+                            <p:stCondLst>
+                              <p:cond delay="0"/>
+                            </p:stCondLst>
+                            <p:childTnLst>
+                              <p:par>
+                                <p:cTn id="58" presetID="6" presetClass="entr" presetSubtype="16" fill="hold" nodeType="clickEffect">
+                                  <p:stCondLst>
+                                    <p:cond delay="0"/>
+                                  </p:stCondLst>
+                                  <p:childTnLst>
+                                    <p:set>
+                                      <p:cBhvr>
+                                        <p:cTn id="59" dur="1" fill="hold">
+                                          <p:stCondLst>
+                                            <p:cond delay="0"/>
+                                          </p:stCondLst>
+                                        </p:cTn>
+                                        <p:tgtEl>
+                                          <p:spTgt spid="3">
+                                            <p:txEl>
+                                              <p:pRg st="7" end="7"/>
+                                            </p:txEl>
+                                          </p:spTgt>
+                                        </p:tgtEl>
+                                        <p:attrNameLst>
+                                          <p:attrName>style.visibility</p:attrName>
+                                        </p:attrNameLst>
+                                      </p:cBhvr>
+                                      <p:to>
+                                        <p:strVal val="visible"/>
+                                      </p:to>
+                                    </p:set>
+                                    <p:animEffect transition="in" filter="circle(in)">
+                                      <p:cBhvr>
+                                        <p:cTn id="60" dur="2000"/>
+                                        <p:tgtEl>
+                                          <p:spTgt spid="3">
+                                            <p:txEl>
+                                              <p:pRg st="7" end="7"/>
+                                            </p:txEl>
+                                          </p:spTgt>
+                                        </p:tgtEl>
+                                      </p:cBhvr>
+                                    </p:animEffect>
                                   </p:childTnLst>
                                 </p:cTn>
                               </p:par>
@@ -15714,13 +18095,13 @@
   <p:clrMapOvr>
     <a:masterClrMapping/>
   </p:clrMapOvr>
-  <mc:AlternateContent xmlns:mc="http://schemas.openxmlformats.org/markup-compatibility/2006">
-    <mc:Choice xmlns:p14="http://schemas.microsoft.com/office/powerpoint/2010/main" Requires="p14">
+  <mc:AlternateContent xmlns:mc="http://schemas.openxmlformats.org/markup-compatibility/2006" xmlns:p14="http://schemas.microsoft.com/office/powerpoint/2010/main">
+    <mc:Choice Requires="p14">
       <p:transition spd="slow" p14:dur="900">
         <p14:warp dir="in"/>
       </p:transition>
     </mc:Choice>
-    <mc:Fallback>
+    <mc:Fallback xmlns="">
       <p:transition spd="slow">
         <p:fade/>
       </p:transition>
@@ -16359,13 +18740,13 @@
   <p:clrMapOvr>
     <a:masterClrMapping/>
   </p:clrMapOvr>
-  <mc:AlternateContent xmlns:mc="http://schemas.openxmlformats.org/markup-compatibility/2006">
-    <mc:Choice xmlns:p14="http://schemas.microsoft.com/office/powerpoint/2010/main" Requires="p14">
+  <mc:AlternateContent xmlns:mc="http://schemas.openxmlformats.org/markup-compatibility/2006" xmlns:p14="http://schemas.microsoft.com/office/powerpoint/2010/main">
+    <mc:Choice Requires="p14">
       <p:transition spd="slow" p14:dur="3400">
         <p14:reveal/>
       </p:transition>
     </mc:Choice>
-    <mc:Fallback>
+    <mc:Fallback xmlns="">
       <p:transition spd="slow">
         <p:fade/>
       </p:transition>

--- a/Athletic Performance Optimization.pptx
+++ b/Athletic Performance Optimization.pptx
@@ -5,22 +5,23 @@
     <p:sldMasterId id="2147483840" r:id="rId1"/>
   </p:sldMasterIdLst>
   <p:sldIdLst>
-    <p:sldId id="256" r:id="rId2"/>
-    <p:sldId id="257" r:id="rId3"/>
-    <p:sldId id="258" r:id="rId4"/>
-    <p:sldId id="259" r:id="rId5"/>
-    <p:sldId id="260" r:id="rId6"/>
-    <p:sldId id="267" r:id="rId7"/>
-    <p:sldId id="261" r:id="rId8"/>
-    <p:sldId id="268" r:id="rId9"/>
-    <p:sldId id="262" r:id="rId10"/>
-    <p:sldId id="264" r:id="rId11"/>
-    <p:sldId id="265" r:id="rId12"/>
-    <p:sldId id="263" r:id="rId13"/>
-    <p:sldId id="266" r:id="rId14"/>
-    <p:sldId id="269" r:id="rId15"/>
-    <p:sldId id="271" r:id="rId16"/>
-    <p:sldId id="270" r:id="rId17"/>
+    <p:sldId id="272" r:id="rId2"/>
+    <p:sldId id="256" r:id="rId3"/>
+    <p:sldId id="257" r:id="rId4"/>
+    <p:sldId id="258" r:id="rId5"/>
+    <p:sldId id="259" r:id="rId6"/>
+    <p:sldId id="260" r:id="rId7"/>
+    <p:sldId id="267" r:id="rId8"/>
+    <p:sldId id="261" r:id="rId9"/>
+    <p:sldId id="268" r:id="rId10"/>
+    <p:sldId id="262" r:id="rId11"/>
+    <p:sldId id="264" r:id="rId12"/>
+    <p:sldId id="265" r:id="rId13"/>
+    <p:sldId id="263" r:id="rId14"/>
+    <p:sldId id="266" r:id="rId15"/>
+    <p:sldId id="269" r:id="rId16"/>
+    <p:sldId id="271" r:id="rId17"/>
+    <p:sldId id="270" r:id="rId18"/>
   </p:sldIdLst>
   <p:sldSz cx="12192000" cy="6858000"/>
   <p:notesSz cx="6858000" cy="9144000"/>
@@ -177,7 +178,7 @@
           <a:noFill/>
           <a:extLst>
             <a:ext uri="{909E8E84-426E-40dd-AFC4-6F175D3DCCD1}">
-              <a14:hiddenFill xmlns:a14="http://schemas.microsoft.com/office/drawing/2010/main" xmlns="">
+              <a14:hiddenFill xmlns="" xmlns:a14="http://schemas.microsoft.com/office/drawing/2010/main">
                 <a:solidFill>
                   <a:srgbClr val="FFFFFF"/>
                 </a:solidFill>
@@ -237,7 +238,7 @@
             </a:ln>
             <a:extLst>
               <a:ext uri="{91240B29-F687-4f45-9708-019B960494DF}">
-                <a14:hiddenLine xmlns:a14="http://schemas.microsoft.com/office/drawing/2010/main" xmlns="" w="9525">
+                <a14:hiddenLine xmlns="" xmlns:a14="http://schemas.microsoft.com/office/drawing/2010/main" w="9525">
                   <a:solidFill>
                     <a:srgbClr val="000000"/>
                   </a:solidFill>
@@ -327,7 +328,7 @@
             </a:ln>
             <a:extLst>
               <a:ext uri="{91240B29-F687-4f45-9708-019B960494DF}">
-                <a14:hiddenLine xmlns:a14="http://schemas.microsoft.com/office/drawing/2010/main" xmlns="" w="9525">
+                <a14:hiddenLine xmlns="" xmlns:a14="http://schemas.microsoft.com/office/drawing/2010/main" w="9525">
                   <a:solidFill>
                     <a:srgbClr val="000000"/>
                   </a:solidFill>
@@ -417,7 +418,7 @@
             </a:ln>
             <a:extLst>
               <a:ext uri="{91240B29-F687-4f45-9708-019B960494DF}">
-                <a14:hiddenLine xmlns:a14="http://schemas.microsoft.com/office/drawing/2010/main" xmlns="" w="9525">
+                <a14:hiddenLine xmlns="" xmlns:a14="http://schemas.microsoft.com/office/drawing/2010/main" w="9525">
                   <a:solidFill>
                     <a:srgbClr val="000000"/>
                   </a:solidFill>
@@ -451,7 +452,7 @@
             </a:ln>
             <a:extLst>
               <a:ext uri="{91240B29-F687-4f45-9708-019B960494DF}">
-                <a14:hiddenLine xmlns:a14="http://schemas.microsoft.com/office/drawing/2010/main" xmlns="" w="9525">
+                <a14:hiddenLine xmlns="" xmlns:a14="http://schemas.microsoft.com/office/drawing/2010/main" w="9525">
                   <a:solidFill>
                     <a:srgbClr val="000000"/>
                   </a:solidFill>
@@ -541,7 +542,7 @@
             </a:ln>
             <a:extLst>
               <a:ext uri="{91240B29-F687-4f45-9708-019B960494DF}">
-                <a14:hiddenLine xmlns:a14="http://schemas.microsoft.com/office/drawing/2010/main" xmlns="" w="9525">
+                <a14:hiddenLine xmlns="" xmlns:a14="http://schemas.microsoft.com/office/drawing/2010/main" w="9525">
                   <a:solidFill>
                     <a:srgbClr val="000000"/>
                   </a:solidFill>
@@ -603,7 +604,7 @@
             </a:ln>
             <a:extLst>
               <a:ext uri="{91240B29-F687-4f45-9708-019B960494DF}">
-                <a14:hiddenLine xmlns:a14="http://schemas.microsoft.com/office/drawing/2010/main" xmlns="" w="9525">
+                <a14:hiddenLine xmlns="" xmlns:a14="http://schemas.microsoft.com/office/drawing/2010/main" w="9525">
                   <a:solidFill>
                     <a:srgbClr val="000000"/>
                   </a:solidFill>
@@ -665,7 +666,7 @@
             </a:ln>
             <a:extLst>
               <a:ext uri="{91240B29-F687-4f45-9708-019B960494DF}">
-                <a14:hiddenLine xmlns:a14="http://schemas.microsoft.com/office/drawing/2010/main" xmlns="" w="9525">
+                <a14:hiddenLine xmlns="" xmlns:a14="http://schemas.microsoft.com/office/drawing/2010/main" w="9525">
                   <a:solidFill>
                     <a:srgbClr val="000000"/>
                   </a:solidFill>
@@ -755,7 +756,7 @@
             </a:ln>
             <a:extLst>
               <a:ext uri="{91240B29-F687-4f45-9708-019B960494DF}">
-                <a14:hiddenLine xmlns:a14="http://schemas.microsoft.com/office/drawing/2010/main" xmlns="" w="9525">
+                <a14:hiddenLine xmlns="" xmlns:a14="http://schemas.microsoft.com/office/drawing/2010/main" w="9525">
                   <a:solidFill>
                     <a:srgbClr val="000000"/>
                   </a:solidFill>
@@ -817,7 +818,7 @@
             </a:ln>
             <a:extLst>
               <a:ext uri="{91240B29-F687-4f45-9708-019B960494DF}">
-                <a14:hiddenLine xmlns:a14="http://schemas.microsoft.com/office/drawing/2010/main" xmlns="" w="9525">
+                <a14:hiddenLine xmlns="" xmlns:a14="http://schemas.microsoft.com/office/drawing/2010/main" w="9525">
                   <a:solidFill>
                     <a:srgbClr val="000000"/>
                   </a:solidFill>
@@ -879,7 +880,7 @@
             </a:ln>
             <a:extLst>
               <a:ext uri="{91240B29-F687-4f45-9708-019B960494DF}">
-                <a14:hiddenLine xmlns:a14="http://schemas.microsoft.com/office/drawing/2010/main" xmlns="" w="9525">
+                <a14:hiddenLine xmlns="" xmlns:a14="http://schemas.microsoft.com/office/drawing/2010/main" w="9525">
                   <a:solidFill>
                     <a:srgbClr val="000000"/>
                   </a:solidFill>
@@ -969,7 +970,7 @@
             </a:ln>
             <a:extLst>
               <a:ext uri="{91240B29-F687-4f45-9708-019B960494DF}">
-                <a14:hiddenLine xmlns:a14="http://schemas.microsoft.com/office/drawing/2010/main" xmlns="" w="9525">
+                <a14:hiddenLine xmlns="" xmlns:a14="http://schemas.microsoft.com/office/drawing/2010/main" w="9525">
                   <a:solidFill>
                     <a:srgbClr val="000000"/>
                   </a:solidFill>
@@ -1059,7 +1060,7 @@
             </a:ln>
             <a:extLst>
               <a:ext uri="{91240B29-F687-4f45-9708-019B960494DF}">
-                <a14:hiddenLine xmlns:a14="http://schemas.microsoft.com/office/drawing/2010/main" xmlns="" w="9525">
+                <a14:hiddenLine xmlns="" xmlns:a14="http://schemas.microsoft.com/office/drawing/2010/main" w="9525">
                   <a:solidFill>
                     <a:srgbClr val="000000"/>
                   </a:solidFill>
@@ -1121,7 +1122,7 @@
             </a:ln>
             <a:extLst>
               <a:ext uri="{91240B29-F687-4f45-9708-019B960494DF}">
-                <a14:hiddenLine xmlns:a14="http://schemas.microsoft.com/office/drawing/2010/main" xmlns="" w="9525">
+                <a14:hiddenLine xmlns="" xmlns:a14="http://schemas.microsoft.com/office/drawing/2010/main" w="9525">
                   <a:solidFill>
                     <a:srgbClr val="000000"/>
                   </a:solidFill>
@@ -1231,7 +1232,7 @@
             </a:ln>
             <a:extLst>
               <a:ext uri="{91240B29-F687-4f45-9708-019B960494DF}">
-                <a14:hiddenLine xmlns:a14="http://schemas.microsoft.com/office/drawing/2010/main" xmlns="" w="9525">
+                <a14:hiddenLine xmlns="" xmlns:a14="http://schemas.microsoft.com/office/drawing/2010/main" w="9525">
                   <a:solidFill>
                     <a:srgbClr val="000000"/>
                   </a:solidFill>
@@ -1293,7 +1294,7 @@
             </a:ln>
             <a:extLst>
               <a:ext uri="{91240B29-F687-4f45-9708-019B960494DF}">
-                <a14:hiddenLine xmlns:a14="http://schemas.microsoft.com/office/drawing/2010/main" xmlns="" w="9525">
+                <a14:hiddenLine xmlns="" xmlns:a14="http://schemas.microsoft.com/office/drawing/2010/main" w="9525">
                   <a:solidFill>
                     <a:srgbClr val="000000"/>
                   </a:solidFill>
@@ -1383,7 +1384,7 @@
             </a:ln>
             <a:extLst>
               <a:ext uri="{91240B29-F687-4f45-9708-019B960494DF}">
-                <a14:hiddenLine xmlns:a14="http://schemas.microsoft.com/office/drawing/2010/main" xmlns="" w="9525">
+                <a14:hiddenLine xmlns="" xmlns:a14="http://schemas.microsoft.com/office/drawing/2010/main" w="9525">
                   <a:solidFill>
                     <a:srgbClr val="000000"/>
                   </a:solidFill>
@@ -1473,7 +1474,7 @@
             </a:ln>
             <a:extLst>
               <a:ext uri="{91240B29-F687-4f45-9708-019B960494DF}">
-                <a14:hiddenLine xmlns:a14="http://schemas.microsoft.com/office/drawing/2010/main" xmlns="" w="9525">
+                <a14:hiddenLine xmlns="" xmlns:a14="http://schemas.microsoft.com/office/drawing/2010/main" w="9525">
                   <a:solidFill>
                     <a:srgbClr val="000000"/>
                   </a:solidFill>
@@ -1535,7 +1536,7 @@
             </a:ln>
             <a:extLst>
               <a:ext uri="{91240B29-F687-4f45-9708-019B960494DF}">
-                <a14:hiddenLine xmlns:a14="http://schemas.microsoft.com/office/drawing/2010/main" xmlns="" w="9525">
+                <a14:hiddenLine xmlns="" xmlns:a14="http://schemas.microsoft.com/office/drawing/2010/main" w="9525">
                   <a:solidFill>
                     <a:srgbClr val="000000"/>
                   </a:solidFill>
@@ -1625,7 +1626,7 @@
             </a:ln>
             <a:extLst>
               <a:ext uri="{91240B29-F687-4f45-9708-019B960494DF}">
-                <a14:hiddenLine xmlns:a14="http://schemas.microsoft.com/office/drawing/2010/main" xmlns="" w="9525">
+                <a14:hiddenLine xmlns="" xmlns:a14="http://schemas.microsoft.com/office/drawing/2010/main" w="9525">
                   <a:solidFill>
                     <a:srgbClr val="000000"/>
                   </a:solidFill>
@@ -1715,7 +1716,7 @@
             </a:ln>
             <a:extLst>
               <a:ext uri="{91240B29-F687-4f45-9708-019B960494DF}">
-                <a14:hiddenLine xmlns:a14="http://schemas.microsoft.com/office/drawing/2010/main" xmlns="" w="9525">
+                <a14:hiddenLine xmlns="" xmlns:a14="http://schemas.microsoft.com/office/drawing/2010/main" w="9525">
                   <a:solidFill>
                     <a:srgbClr val="000000"/>
                   </a:solidFill>
@@ -1771,7 +1772,7 @@
             </a:ln>
             <a:extLst>
               <a:ext uri="{91240B29-F687-4f45-9708-019B960494DF}">
-                <a14:hiddenLine xmlns:a14="http://schemas.microsoft.com/office/drawing/2010/main" xmlns="" w="9525">
+                <a14:hiddenLine xmlns="" xmlns:a14="http://schemas.microsoft.com/office/drawing/2010/main" w="9525">
                   <a:solidFill>
                     <a:srgbClr val="000000"/>
                   </a:solidFill>
@@ -1861,7 +1862,7 @@
             </a:ln>
             <a:extLst>
               <a:ext uri="{91240B29-F687-4f45-9708-019B960494DF}">
-                <a14:hiddenLine xmlns:a14="http://schemas.microsoft.com/office/drawing/2010/main" xmlns="" w="9525">
+                <a14:hiddenLine xmlns="" xmlns:a14="http://schemas.microsoft.com/office/drawing/2010/main" w="9525">
                   <a:solidFill>
                     <a:srgbClr val="000000"/>
                   </a:solidFill>
@@ -1917,7 +1918,7 @@
             </a:ln>
             <a:extLst>
               <a:ext uri="{91240B29-F687-4f45-9708-019B960494DF}">
-                <a14:hiddenLine xmlns:a14="http://schemas.microsoft.com/office/drawing/2010/main" xmlns="" w="9525">
+                <a14:hiddenLine xmlns="" xmlns:a14="http://schemas.microsoft.com/office/drawing/2010/main" w="9525">
                   <a:solidFill>
                     <a:srgbClr val="000000"/>
                   </a:solidFill>
@@ -2007,7 +2008,7 @@
             </a:ln>
             <a:extLst>
               <a:ext uri="{91240B29-F687-4f45-9708-019B960494DF}">
-                <a14:hiddenLine xmlns:a14="http://schemas.microsoft.com/office/drawing/2010/main" xmlns="" w="9525">
+                <a14:hiddenLine xmlns="" xmlns:a14="http://schemas.microsoft.com/office/drawing/2010/main" w="9525">
                   <a:solidFill>
                     <a:srgbClr val="000000"/>
                   </a:solidFill>
@@ -2075,7 +2076,7 @@
             </a:ln>
             <a:extLst>
               <a:ext uri="{91240B29-F687-4f45-9708-019B960494DF}">
-                <a14:hiddenLine xmlns:a14="http://schemas.microsoft.com/office/drawing/2010/main" xmlns="" w="9525">
+                <a14:hiddenLine xmlns="" xmlns:a14="http://schemas.microsoft.com/office/drawing/2010/main" w="9525">
                   <a:solidFill>
                     <a:srgbClr val="000000"/>
                   </a:solidFill>
@@ -2165,7 +2166,7 @@
             </a:ln>
             <a:extLst>
               <a:ext uri="{91240B29-F687-4f45-9708-019B960494DF}">
-                <a14:hiddenLine xmlns:a14="http://schemas.microsoft.com/office/drawing/2010/main" xmlns="" w="9525">
+                <a14:hiddenLine xmlns="" xmlns:a14="http://schemas.microsoft.com/office/drawing/2010/main" w="9525">
                   <a:solidFill>
                     <a:srgbClr val="000000"/>
                   </a:solidFill>
@@ -2233,7 +2234,7 @@
             </a:ln>
             <a:extLst>
               <a:ext uri="{91240B29-F687-4f45-9708-019B960494DF}">
-                <a14:hiddenLine xmlns:a14="http://schemas.microsoft.com/office/drawing/2010/main" xmlns="" w="9525">
+                <a14:hiddenLine xmlns="" xmlns:a14="http://schemas.microsoft.com/office/drawing/2010/main" w="9525">
                   <a:solidFill>
                     <a:srgbClr val="000000"/>
                   </a:solidFill>
@@ -2323,7 +2324,7 @@
             </a:ln>
             <a:extLst>
               <a:ext uri="{91240B29-F687-4f45-9708-019B960494DF}">
-                <a14:hiddenLine xmlns:a14="http://schemas.microsoft.com/office/drawing/2010/main" xmlns="" w="9525">
+                <a14:hiddenLine xmlns="" xmlns:a14="http://schemas.microsoft.com/office/drawing/2010/main" w="9525">
                   <a:solidFill>
                     <a:srgbClr val="000000"/>
                   </a:solidFill>
@@ -2357,7 +2358,7 @@
             </a:ln>
             <a:extLst>
               <a:ext uri="{91240B29-F687-4f45-9708-019B960494DF}">
-                <a14:hiddenLine xmlns:a14="http://schemas.microsoft.com/office/drawing/2010/main" xmlns="" w="9525">
+                <a14:hiddenLine xmlns="" xmlns:a14="http://schemas.microsoft.com/office/drawing/2010/main" w="9525">
                   <a:solidFill>
                     <a:srgbClr val="000000"/>
                   </a:solidFill>
@@ -2447,7 +2448,7 @@
             </a:ln>
             <a:extLst>
               <a:ext uri="{91240B29-F687-4f45-9708-019B960494DF}">
-                <a14:hiddenLine xmlns:a14="http://schemas.microsoft.com/office/drawing/2010/main" xmlns="" w="9525">
+                <a14:hiddenLine xmlns="" xmlns:a14="http://schemas.microsoft.com/office/drawing/2010/main" w="9525">
                   <a:solidFill>
                     <a:srgbClr val="000000"/>
                   </a:solidFill>
@@ -2509,7 +2510,7 @@
             </a:ln>
             <a:extLst>
               <a:ext uri="{91240B29-F687-4f45-9708-019B960494DF}">
-                <a14:hiddenLine xmlns:a14="http://schemas.microsoft.com/office/drawing/2010/main" xmlns="" w="9525">
+                <a14:hiddenLine xmlns="" xmlns:a14="http://schemas.microsoft.com/office/drawing/2010/main" w="9525">
                   <a:solidFill>
                     <a:srgbClr val="000000"/>
                   </a:solidFill>
@@ -2571,7 +2572,7 @@
             </a:ln>
             <a:extLst>
               <a:ext uri="{91240B29-F687-4f45-9708-019B960494DF}">
-                <a14:hiddenLine xmlns:a14="http://schemas.microsoft.com/office/drawing/2010/main" xmlns="" w="9525">
+                <a14:hiddenLine xmlns="" xmlns:a14="http://schemas.microsoft.com/office/drawing/2010/main" w="9525">
                   <a:solidFill>
                     <a:srgbClr val="000000"/>
                   </a:solidFill>
@@ -2661,7 +2662,7 @@
             </a:ln>
             <a:extLst>
               <a:ext uri="{91240B29-F687-4f45-9708-019B960494DF}">
-                <a14:hiddenLine xmlns:a14="http://schemas.microsoft.com/office/drawing/2010/main" xmlns="" w="9525">
+                <a14:hiddenLine xmlns="" xmlns:a14="http://schemas.microsoft.com/office/drawing/2010/main" w="9525">
                   <a:solidFill>
                     <a:srgbClr val="000000"/>
                   </a:solidFill>
@@ -2729,7 +2730,7 @@
             </a:ln>
             <a:extLst>
               <a:ext uri="{91240B29-F687-4f45-9708-019B960494DF}">
-                <a14:hiddenLine xmlns:a14="http://schemas.microsoft.com/office/drawing/2010/main" xmlns="" w="9525">
+                <a14:hiddenLine xmlns="" xmlns:a14="http://schemas.microsoft.com/office/drawing/2010/main" w="9525">
                   <a:solidFill>
                     <a:srgbClr val="000000"/>
                   </a:solidFill>
@@ -2791,7 +2792,7 @@
             </a:ln>
             <a:extLst>
               <a:ext uri="{91240B29-F687-4f45-9708-019B960494DF}">
-                <a14:hiddenLine xmlns:a14="http://schemas.microsoft.com/office/drawing/2010/main" xmlns="" w="9525">
+                <a14:hiddenLine xmlns="" xmlns:a14="http://schemas.microsoft.com/office/drawing/2010/main" w="9525">
                   <a:solidFill>
                     <a:srgbClr val="000000"/>
                   </a:solidFill>
@@ -2881,7 +2882,7 @@
             </a:ln>
             <a:extLst>
               <a:ext uri="{91240B29-F687-4f45-9708-019B960494DF}">
-                <a14:hiddenLine xmlns:a14="http://schemas.microsoft.com/office/drawing/2010/main" xmlns="" w="9525">
+                <a14:hiddenLine xmlns="" xmlns:a14="http://schemas.microsoft.com/office/drawing/2010/main" w="9525">
                   <a:solidFill>
                     <a:srgbClr val="000000"/>
                   </a:solidFill>
@@ -2943,7 +2944,7 @@
             </a:ln>
             <a:extLst>
               <a:ext uri="{91240B29-F687-4f45-9708-019B960494DF}">
-                <a14:hiddenLine xmlns:a14="http://schemas.microsoft.com/office/drawing/2010/main" xmlns="" w="9525">
+                <a14:hiddenLine xmlns="" xmlns:a14="http://schemas.microsoft.com/office/drawing/2010/main" w="9525">
                   <a:solidFill>
                     <a:srgbClr val="000000"/>
                   </a:solidFill>
@@ -3033,7 +3034,7 @@
             </a:ln>
             <a:extLst>
               <a:ext uri="{91240B29-F687-4f45-9708-019B960494DF}">
-                <a14:hiddenLine xmlns:a14="http://schemas.microsoft.com/office/drawing/2010/main" xmlns="" w="9525">
+                <a14:hiddenLine xmlns="" xmlns:a14="http://schemas.microsoft.com/office/drawing/2010/main" w="9525">
                   <a:solidFill>
                     <a:srgbClr val="000000"/>
                   </a:solidFill>
@@ -3095,7 +3096,7 @@
             </a:ln>
             <a:extLst>
               <a:ext uri="{91240B29-F687-4f45-9708-019B960494DF}">
-                <a14:hiddenLine xmlns:a14="http://schemas.microsoft.com/office/drawing/2010/main" xmlns="" w="9525">
+                <a14:hiddenLine xmlns="" xmlns:a14="http://schemas.microsoft.com/office/drawing/2010/main" w="9525">
                   <a:solidFill>
                     <a:srgbClr val="000000"/>
                   </a:solidFill>
@@ -3185,7 +3186,7 @@
             </a:ln>
             <a:extLst>
               <a:ext uri="{91240B29-F687-4f45-9708-019B960494DF}">
-                <a14:hiddenLine xmlns:a14="http://schemas.microsoft.com/office/drawing/2010/main" xmlns="" w="9525">
+                <a14:hiddenLine xmlns="" xmlns:a14="http://schemas.microsoft.com/office/drawing/2010/main" w="9525">
                   <a:solidFill>
                     <a:srgbClr val="000000"/>
                   </a:solidFill>
@@ -3219,7 +3220,7 @@
             </a:ln>
             <a:extLst>
               <a:ext uri="{91240B29-F687-4f45-9708-019B960494DF}">
-                <a14:hiddenLine xmlns:a14="http://schemas.microsoft.com/office/drawing/2010/main" xmlns="" w="9525">
+                <a14:hiddenLine xmlns="" xmlns:a14="http://schemas.microsoft.com/office/drawing/2010/main" w="9525">
                   <a:solidFill>
                     <a:srgbClr val="000000"/>
                   </a:solidFill>
@@ -3284,7 +3285,7 @@
             </a:ln>
             <a:extLst>
               <a:ext uri="{91240B29-F687-4f45-9708-019B960494DF}">
-                <a14:hiddenLine xmlns:a14="http://schemas.microsoft.com/office/drawing/2010/main" xmlns="" w="9525">
+                <a14:hiddenLine xmlns="" xmlns:a14="http://schemas.microsoft.com/office/drawing/2010/main" w="9525">
                   <a:solidFill>
                     <a:srgbClr val="000000"/>
                   </a:solidFill>
@@ -3374,7 +3375,7 @@
             </a:ln>
             <a:extLst>
               <a:ext uri="{91240B29-F687-4f45-9708-019B960494DF}">
-                <a14:hiddenLine xmlns:a14="http://schemas.microsoft.com/office/drawing/2010/main" xmlns="" w="9525">
+                <a14:hiddenLine xmlns="" xmlns:a14="http://schemas.microsoft.com/office/drawing/2010/main" w="9525">
                   <a:solidFill>
                     <a:srgbClr val="000000"/>
                   </a:solidFill>
@@ -3436,7 +3437,7 @@
             </a:ln>
             <a:extLst>
               <a:ext uri="{91240B29-F687-4f45-9708-019B960494DF}">
-                <a14:hiddenLine xmlns:a14="http://schemas.microsoft.com/office/drawing/2010/main" xmlns="" w="9525">
+                <a14:hiddenLine xmlns="" xmlns:a14="http://schemas.microsoft.com/office/drawing/2010/main" w="9525">
                   <a:solidFill>
                     <a:srgbClr val="000000"/>
                   </a:solidFill>
@@ -3526,7 +3527,7 @@
             </a:ln>
             <a:extLst>
               <a:ext uri="{91240B29-F687-4f45-9708-019B960494DF}">
-                <a14:hiddenLine xmlns:a14="http://schemas.microsoft.com/office/drawing/2010/main" xmlns="" w="9525">
+                <a14:hiddenLine xmlns="" xmlns:a14="http://schemas.microsoft.com/office/drawing/2010/main" w="9525">
                   <a:solidFill>
                     <a:srgbClr val="000000"/>
                   </a:solidFill>
@@ -3616,7 +3617,7 @@
             </a:ln>
             <a:extLst>
               <a:ext uri="{91240B29-F687-4f45-9708-019B960494DF}">
-                <a14:hiddenLine xmlns:a14="http://schemas.microsoft.com/office/drawing/2010/main" xmlns="" w="9525">
+                <a14:hiddenLine xmlns="" xmlns:a14="http://schemas.microsoft.com/office/drawing/2010/main" w="9525">
                   <a:solidFill>
                     <a:srgbClr val="000000"/>
                   </a:solidFill>
@@ -3681,7 +3682,7 @@
             </a:ln>
             <a:extLst>
               <a:ext uri="{91240B29-F687-4f45-9708-019B960494DF}">
-                <a14:hiddenLine xmlns:a14="http://schemas.microsoft.com/office/drawing/2010/main" xmlns="" w="9525">
+                <a14:hiddenLine xmlns="" xmlns:a14="http://schemas.microsoft.com/office/drawing/2010/main" w="9525">
                   <a:solidFill>
                     <a:srgbClr val="000000"/>
                   </a:solidFill>
@@ -3743,7 +3744,7 @@
             </a:ln>
             <a:extLst>
               <a:ext uri="{91240B29-F687-4f45-9708-019B960494DF}">
-                <a14:hiddenLine xmlns:a14="http://schemas.microsoft.com/office/drawing/2010/main" xmlns="" w="9525">
+                <a14:hiddenLine xmlns="" xmlns:a14="http://schemas.microsoft.com/office/drawing/2010/main" w="9525">
                   <a:solidFill>
                     <a:srgbClr val="000000"/>
                   </a:solidFill>
@@ -3833,7 +3834,7 @@
             </a:ln>
             <a:extLst>
               <a:ext uri="{91240B29-F687-4f45-9708-019B960494DF}">
-                <a14:hiddenLine xmlns:a14="http://schemas.microsoft.com/office/drawing/2010/main" xmlns="" w="9525">
+                <a14:hiddenLine xmlns="" xmlns:a14="http://schemas.microsoft.com/office/drawing/2010/main" w="9525">
                   <a:solidFill>
                     <a:srgbClr val="000000"/>
                   </a:solidFill>
@@ -3923,7 +3924,7 @@
             </a:ln>
             <a:extLst>
               <a:ext uri="{91240B29-F687-4f45-9708-019B960494DF}">
-                <a14:hiddenLine xmlns:a14="http://schemas.microsoft.com/office/drawing/2010/main" xmlns="" w="9525">
+                <a14:hiddenLine xmlns="" xmlns:a14="http://schemas.microsoft.com/office/drawing/2010/main" w="9525">
                   <a:solidFill>
                     <a:srgbClr val="000000"/>
                   </a:solidFill>
@@ -3985,7 +3986,7 @@
             </a:ln>
             <a:extLst>
               <a:ext uri="{91240B29-F687-4f45-9708-019B960494DF}">
-                <a14:hiddenLine xmlns:a14="http://schemas.microsoft.com/office/drawing/2010/main" xmlns="" w="9525">
+                <a14:hiddenLine xmlns="" xmlns:a14="http://schemas.microsoft.com/office/drawing/2010/main" w="9525">
                   <a:solidFill>
                     <a:srgbClr val="000000"/>
                   </a:solidFill>
@@ -4105,7 +4106,7 @@
             </a:ln>
             <a:extLst>
               <a:ext uri="{91240B29-F687-4f45-9708-019B960494DF}">
-                <a14:hiddenLine xmlns:a14="http://schemas.microsoft.com/office/drawing/2010/main" xmlns="" w="9525">
+                <a14:hiddenLine xmlns="" xmlns:a14="http://schemas.microsoft.com/office/drawing/2010/main" w="9525">
                   <a:solidFill>
                     <a:srgbClr val="000000"/>
                   </a:solidFill>
@@ -4173,7 +4174,7 @@
             </a:ln>
             <a:extLst>
               <a:ext uri="{91240B29-F687-4f45-9708-019B960494DF}">
-                <a14:hiddenLine xmlns:a14="http://schemas.microsoft.com/office/drawing/2010/main" xmlns="" w="9525">
+                <a14:hiddenLine xmlns="" xmlns:a14="http://schemas.microsoft.com/office/drawing/2010/main" w="9525">
                   <a:solidFill>
                     <a:srgbClr val="000000"/>
                   </a:solidFill>
@@ -4263,7 +4264,7 @@
             </a:ln>
             <a:extLst>
               <a:ext uri="{91240B29-F687-4f45-9708-019B960494DF}">
-                <a14:hiddenLine xmlns:a14="http://schemas.microsoft.com/office/drawing/2010/main" xmlns="" w="9525">
+                <a14:hiddenLine xmlns="" xmlns:a14="http://schemas.microsoft.com/office/drawing/2010/main" w="9525">
                   <a:solidFill>
                     <a:srgbClr val="000000"/>
                   </a:solidFill>
@@ -9065,7 +9066,7 @@
           <a:noFill/>
           <a:extLst>
             <a:ext uri="{909E8E84-426E-40dd-AFC4-6F175D3DCCD1}">
-              <a14:hiddenFill xmlns:a14="http://schemas.microsoft.com/office/drawing/2010/main" xmlns="">
+              <a14:hiddenFill xmlns="" xmlns:a14="http://schemas.microsoft.com/office/drawing/2010/main">
                 <a:solidFill>
                   <a:srgbClr val="FFFFFF"/>
                 </a:solidFill>
@@ -9139,7 +9140,7 @@
               </a:ln>
               <a:extLst>
                 <a:ext uri="{91240B29-F687-4f45-9708-019B960494DF}">
-                  <a14:hiddenLine xmlns:a14="http://schemas.microsoft.com/office/drawing/2010/main" xmlns="" w="9525">
+                  <a14:hiddenLine xmlns="" xmlns:a14="http://schemas.microsoft.com/office/drawing/2010/main" w="9525">
                     <a:solidFill>
                       <a:srgbClr val="000000"/>
                     </a:solidFill>
@@ -9229,7 +9230,7 @@
               </a:ln>
               <a:extLst>
                 <a:ext uri="{91240B29-F687-4f45-9708-019B960494DF}">
-                  <a14:hiddenLine xmlns:a14="http://schemas.microsoft.com/office/drawing/2010/main" xmlns="" w="9525">
+                  <a14:hiddenLine xmlns="" xmlns:a14="http://schemas.microsoft.com/office/drawing/2010/main" w="9525">
                     <a:solidFill>
                       <a:srgbClr val="000000"/>
                     </a:solidFill>
@@ -9319,7 +9320,7 @@
               </a:ln>
               <a:extLst>
                 <a:ext uri="{91240B29-F687-4f45-9708-019B960494DF}">
-                  <a14:hiddenLine xmlns:a14="http://schemas.microsoft.com/office/drawing/2010/main" xmlns="" w="9525">
+                  <a14:hiddenLine xmlns="" xmlns:a14="http://schemas.microsoft.com/office/drawing/2010/main" w="9525">
                     <a:solidFill>
                       <a:srgbClr val="000000"/>
                     </a:solidFill>
@@ -9381,7 +9382,7 @@
               </a:ln>
               <a:extLst>
                 <a:ext uri="{91240B29-F687-4f45-9708-019B960494DF}">
-                  <a14:hiddenLine xmlns:a14="http://schemas.microsoft.com/office/drawing/2010/main" xmlns="" w="9525">
+                  <a14:hiddenLine xmlns="" xmlns:a14="http://schemas.microsoft.com/office/drawing/2010/main" w="9525">
                     <a:solidFill>
                       <a:srgbClr val="000000"/>
                     </a:solidFill>
@@ -9471,7 +9472,7 @@
               </a:ln>
               <a:extLst>
                 <a:ext uri="{91240B29-F687-4f45-9708-019B960494DF}">
-                  <a14:hiddenLine xmlns:a14="http://schemas.microsoft.com/office/drawing/2010/main" xmlns="" w="9525">
+                  <a14:hiddenLine xmlns="" xmlns:a14="http://schemas.microsoft.com/office/drawing/2010/main" w="9525">
                     <a:solidFill>
                       <a:srgbClr val="000000"/>
                     </a:solidFill>
@@ -9533,7 +9534,7 @@
               </a:ln>
               <a:extLst>
                 <a:ext uri="{91240B29-F687-4f45-9708-019B960494DF}">
-                  <a14:hiddenLine xmlns:a14="http://schemas.microsoft.com/office/drawing/2010/main" xmlns="" w="9525">
+                  <a14:hiddenLine xmlns="" xmlns:a14="http://schemas.microsoft.com/office/drawing/2010/main" w="9525">
                     <a:solidFill>
                       <a:srgbClr val="000000"/>
                     </a:solidFill>
@@ -9595,7 +9596,7 @@
               </a:ln>
               <a:extLst>
                 <a:ext uri="{91240B29-F687-4f45-9708-019B960494DF}">
-                  <a14:hiddenLine xmlns:a14="http://schemas.microsoft.com/office/drawing/2010/main" xmlns="" w="9525">
+                  <a14:hiddenLine xmlns="" xmlns:a14="http://schemas.microsoft.com/office/drawing/2010/main" w="9525">
                     <a:solidFill>
                       <a:srgbClr val="000000"/>
                     </a:solidFill>
@@ -9685,7 +9686,7 @@
               </a:ln>
               <a:extLst>
                 <a:ext uri="{91240B29-F687-4f45-9708-019B960494DF}">
-                  <a14:hiddenLine xmlns:a14="http://schemas.microsoft.com/office/drawing/2010/main" xmlns="" w="9525">
+                  <a14:hiddenLine xmlns="" xmlns:a14="http://schemas.microsoft.com/office/drawing/2010/main" w="9525">
                     <a:solidFill>
                       <a:srgbClr val="000000"/>
                     </a:solidFill>
@@ -9775,7 +9776,7 @@
               </a:ln>
               <a:extLst>
                 <a:ext uri="{91240B29-F687-4f45-9708-019B960494DF}">
-                  <a14:hiddenLine xmlns:a14="http://schemas.microsoft.com/office/drawing/2010/main" xmlns="" w="9525">
+                  <a14:hiddenLine xmlns="" xmlns:a14="http://schemas.microsoft.com/office/drawing/2010/main" w="9525">
                     <a:solidFill>
                       <a:srgbClr val="000000"/>
                     </a:solidFill>
@@ -9837,7 +9838,7 @@
               </a:ln>
               <a:extLst>
                 <a:ext uri="{91240B29-F687-4f45-9708-019B960494DF}">
-                  <a14:hiddenLine xmlns:a14="http://schemas.microsoft.com/office/drawing/2010/main" xmlns="" w="9525">
+                  <a14:hiddenLine xmlns="" xmlns:a14="http://schemas.microsoft.com/office/drawing/2010/main" w="9525">
                     <a:solidFill>
                       <a:srgbClr val="000000"/>
                     </a:solidFill>
@@ -9947,7 +9948,7 @@
               </a:ln>
               <a:extLst>
                 <a:ext uri="{91240B29-F687-4f45-9708-019B960494DF}">
-                  <a14:hiddenLine xmlns:a14="http://schemas.microsoft.com/office/drawing/2010/main" xmlns="" w="9525">
+                  <a14:hiddenLine xmlns="" xmlns:a14="http://schemas.microsoft.com/office/drawing/2010/main" w="9525">
                     <a:solidFill>
                       <a:srgbClr val="000000"/>
                     </a:solidFill>
@@ -10031,7 +10032,7 @@
               </a:ln>
               <a:extLst>
                 <a:ext uri="{91240B29-F687-4f45-9708-019B960494DF}">
-                  <a14:hiddenLine xmlns:a14="http://schemas.microsoft.com/office/drawing/2010/main" xmlns="" w="9525">
+                  <a14:hiddenLine xmlns="" xmlns:a14="http://schemas.microsoft.com/office/drawing/2010/main" w="9525">
                     <a:solidFill>
                       <a:srgbClr val="000000"/>
                     </a:solidFill>
@@ -10093,7 +10094,7 @@
               </a:ln>
               <a:extLst>
                 <a:ext uri="{91240B29-F687-4f45-9708-019B960494DF}">
-                  <a14:hiddenLine xmlns:a14="http://schemas.microsoft.com/office/drawing/2010/main" xmlns="" w="9525">
+                  <a14:hiddenLine xmlns="" xmlns:a14="http://schemas.microsoft.com/office/drawing/2010/main" w="9525">
                     <a:solidFill>
                       <a:srgbClr val="000000"/>
                     </a:solidFill>
@@ -10155,7 +10156,7 @@
               </a:ln>
               <a:extLst>
                 <a:ext uri="{91240B29-F687-4f45-9708-019B960494DF}">
-                  <a14:hiddenLine xmlns:a14="http://schemas.microsoft.com/office/drawing/2010/main" xmlns="" w="9525">
+                  <a14:hiddenLine xmlns="" xmlns:a14="http://schemas.microsoft.com/office/drawing/2010/main" w="9525">
                     <a:solidFill>
                       <a:srgbClr val="000000"/>
                     </a:solidFill>
@@ -10245,7 +10246,7 @@
               </a:ln>
               <a:extLst>
                 <a:ext uri="{91240B29-F687-4f45-9708-019B960494DF}">
-                  <a14:hiddenLine xmlns:a14="http://schemas.microsoft.com/office/drawing/2010/main" xmlns="" w="9525">
+                  <a14:hiddenLine xmlns="" xmlns:a14="http://schemas.microsoft.com/office/drawing/2010/main" w="9525">
                     <a:solidFill>
                       <a:srgbClr val="000000"/>
                     </a:solidFill>
@@ -10279,7 +10280,7 @@
               </a:ln>
               <a:extLst>
                 <a:ext uri="{91240B29-F687-4f45-9708-019B960494DF}">
-                  <a14:hiddenLine xmlns:a14="http://schemas.microsoft.com/office/drawing/2010/main" xmlns="" w="9525">
+                  <a14:hiddenLine xmlns="" xmlns:a14="http://schemas.microsoft.com/office/drawing/2010/main" w="9525">
                     <a:solidFill>
                       <a:srgbClr val="000000"/>
                     </a:solidFill>
@@ -10344,7 +10345,7 @@
               </a:ln>
               <a:extLst>
                 <a:ext uri="{91240B29-F687-4f45-9708-019B960494DF}">
-                  <a14:hiddenLine xmlns:a14="http://schemas.microsoft.com/office/drawing/2010/main" xmlns="" w="9525">
+                  <a14:hiddenLine xmlns="" xmlns:a14="http://schemas.microsoft.com/office/drawing/2010/main" w="9525">
                     <a:solidFill>
                       <a:srgbClr val="000000"/>
                     </a:solidFill>
@@ -10434,7 +10435,7 @@
               </a:ln>
               <a:extLst>
                 <a:ext uri="{91240B29-F687-4f45-9708-019B960494DF}">
-                  <a14:hiddenLine xmlns:a14="http://schemas.microsoft.com/office/drawing/2010/main" xmlns="" w="9525">
+                  <a14:hiddenLine xmlns="" xmlns:a14="http://schemas.microsoft.com/office/drawing/2010/main" w="9525">
                     <a:solidFill>
                       <a:srgbClr val="000000"/>
                     </a:solidFill>
@@ -10496,7 +10497,7 @@
               </a:ln>
               <a:extLst>
                 <a:ext uri="{91240B29-F687-4f45-9708-019B960494DF}">
-                  <a14:hiddenLine xmlns:a14="http://schemas.microsoft.com/office/drawing/2010/main" xmlns="" w="9525">
+                  <a14:hiddenLine xmlns="" xmlns:a14="http://schemas.microsoft.com/office/drawing/2010/main" w="9525">
                     <a:solidFill>
                       <a:srgbClr val="000000"/>
                     </a:solidFill>
@@ -10586,7 +10587,7 @@
               </a:ln>
               <a:extLst>
                 <a:ext uri="{91240B29-F687-4f45-9708-019B960494DF}">
-                  <a14:hiddenLine xmlns:a14="http://schemas.microsoft.com/office/drawing/2010/main" xmlns="" w="9525">
+                  <a14:hiddenLine xmlns="" xmlns:a14="http://schemas.microsoft.com/office/drawing/2010/main" w="9525">
                     <a:solidFill>
                       <a:srgbClr val="000000"/>
                     </a:solidFill>
@@ -10651,7 +10652,7 @@
               </a:ln>
               <a:extLst>
                 <a:ext uri="{91240B29-F687-4f45-9708-019B960494DF}">
-                  <a14:hiddenLine xmlns:a14="http://schemas.microsoft.com/office/drawing/2010/main" xmlns="" w="9525">
+                  <a14:hiddenLine xmlns="" xmlns:a14="http://schemas.microsoft.com/office/drawing/2010/main" w="9525">
                     <a:solidFill>
                       <a:srgbClr val="000000"/>
                     </a:solidFill>
@@ -10713,7 +10714,7 @@
               </a:ln>
               <a:extLst>
                 <a:ext uri="{91240B29-F687-4f45-9708-019B960494DF}">
-                  <a14:hiddenLine xmlns:a14="http://schemas.microsoft.com/office/drawing/2010/main" xmlns="" w="9525">
+                  <a14:hiddenLine xmlns="" xmlns:a14="http://schemas.microsoft.com/office/drawing/2010/main" w="9525">
                     <a:solidFill>
                       <a:srgbClr val="000000"/>
                     </a:solidFill>
@@ -10803,7 +10804,7 @@
               </a:ln>
               <a:extLst>
                 <a:ext uri="{91240B29-F687-4f45-9708-019B960494DF}">
-                  <a14:hiddenLine xmlns:a14="http://schemas.microsoft.com/office/drawing/2010/main" xmlns="" w="9525">
+                  <a14:hiddenLine xmlns="" xmlns:a14="http://schemas.microsoft.com/office/drawing/2010/main" w="9525">
                     <a:solidFill>
                       <a:srgbClr val="000000"/>
                     </a:solidFill>
@@ -10893,7 +10894,7 @@
               </a:ln>
               <a:extLst>
                 <a:ext uri="{91240B29-F687-4f45-9708-019B960494DF}">
-                  <a14:hiddenLine xmlns:a14="http://schemas.microsoft.com/office/drawing/2010/main" xmlns="" w="9525">
+                  <a14:hiddenLine xmlns="" xmlns:a14="http://schemas.microsoft.com/office/drawing/2010/main" w="9525">
                     <a:solidFill>
                       <a:srgbClr val="000000"/>
                     </a:solidFill>
@@ -10958,7 +10959,7 @@
               </a:ln>
               <a:extLst>
                 <a:ext uri="{91240B29-F687-4f45-9708-019B960494DF}">
-                  <a14:hiddenLine xmlns:a14="http://schemas.microsoft.com/office/drawing/2010/main" xmlns="" w="9525">
+                  <a14:hiddenLine xmlns="" xmlns:a14="http://schemas.microsoft.com/office/drawing/2010/main" w="9525">
                     <a:solidFill>
                       <a:srgbClr val="000000"/>
                     </a:solidFill>
@@ -11078,7 +11079,7 @@
               </a:ln>
               <a:extLst>
                 <a:ext uri="{91240B29-F687-4f45-9708-019B960494DF}">
-                  <a14:hiddenLine xmlns:a14="http://schemas.microsoft.com/office/drawing/2010/main" xmlns="" w="9525">
+                  <a14:hiddenLine xmlns="" xmlns:a14="http://schemas.microsoft.com/office/drawing/2010/main" w="9525">
                     <a:solidFill>
                       <a:srgbClr val="000000"/>
                     </a:solidFill>
@@ -11176,7 +11177,7 @@
               </a:ln>
               <a:extLst>
                 <a:ext uri="{91240B29-F687-4f45-9708-019B960494DF}">
-                  <a14:hiddenLine xmlns:a14="http://schemas.microsoft.com/office/drawing/2010/main" xmlns="" w="9525">
+                  <a14:hiddenLine xmlns="" xmlns:a14="http://schemas.microsoft.com/office/drawing/2010/main" w="9525">
                     <a:solidFill>
                       <a:srgbClr val="000000"/>
                     </a:solidFill>
@@ -11291,7 +11292,7 @@
               </a:ln>
               <a:extLst>
                 <a:ext uri="{91240B29-F687-4f45-9708-019B960494DF}">
-                  <a14:hiddenLine xmlns:a14="http://schemas.microsoft.com/office/drawing/2010/main" xmlns="" w="9525">
+                  <a14:hiddenLine xmlns="" xmlns:a14="http://schemas.microsoft.com/office/drawing/2010/main" w="9525">
                     <a:solidFill>
                       <a:srgbClr val="000000"/>
                     </a:solidFill>
@@ -11381,7 +11382,7 @@
               </a:ln>
               <a:extLst>
                 <a:ext uri="{91240B29-F687-4f45-9708-019B960494DF}">
-                  <a14:hiddenLine xmlns:a14="http://schemas.microsoft.com/office/drawing/2010/main" xmlns="" w="9525">
+                  <a14:hiddenLine xmlns="" xmlns:a14="http://schemas.microsoft.com/office/drawing/2010/main" w="9525">
                     <a:solidFill>
                       <a:srgbClr val="000000"/>
                     </a:solidFill>
@@ -11446,7 +11447,7 @@
               </a:ln>
               <a:extLst>
                 <a:ext uri="{91240B29-F687-4f45-9708-019B960494DF}">
-                  <a14:hiddenLine xmlns:a14="http://schemas.microsoft.com/office/drawing/2010/main" xmlns="" w="9525">
+                  <a14:hiddenLine xmlns="" xmlns:a14="http://schemas.microsoft.com/office/drawing/2010/main" w="9525">
                     <a:solidFill>
                       <a:srgbClr val="000000"/>
                     </a:solidFill>
@@ -11536,7 +11537,7 @@
               </a:ln>
               <a:extLst>
                 <a:ext uri="{91240B29-F687-4f45-9708-019B960494DF}">
-                  <a14:hiddenLine xmlns:a14="http://schemas.microsoft.com/office/drawing/2010/main" xmlns="" w="9525">
+                  <a14:hiddenLine xmlns="" xmlns:a14="http://schemas.microsoft.com/office/drawing/2010/main" w="9525">
                     <a:solidFill>
                       <a:srgbClr val="000000"/>
                     </a:solidFill>
@@ -11604,7 +11605,7 @@
               </a:ln>
               <a:extLst>
                 <a:ext uri="{91240B29-F687-4f45-9708-019B960494DF}">
-                  <a14:hiddenLine xmlns:a14="http://schemas.microsoft.com/office/drawing/2010/main" xmlns="" w="9525">
+                  <a14:hiddenLine xmlns="" xmlns:a14="http://schemas.microsoft.com/office/drawing/2010/main" w="9525">
                     <a:solidFill>
                       <a:srgbClr val="000000"/>
                     </a:solidFill>
@@ -11694,7 +11695,7 @@
               </a:ln>
               <a:extLst>
                 <a:ext uri="{91240B29-F687-4f45-9708-019B960494DF}">
-                  <a14:hiddenLine xmlns:a14="http://schemas.microsoft.com/office/drawing/2010/main" xmlns="" w="9525">
+                  <a14:hiddenLine xmlns="" xmlns:a14="http://schemas.microsoft.com/office/drawing/2010/main" w="9525">
                     <a:solidFill>
                       <a:srgbClr val="000000"/>
                     </a:solidFill>
@@ -11762,7 +11763,7 @@
               </a:ln>
               <a:extLst>
                 <a:ext uri="{91240B29-F687-4f45-9708-019B960494DF}">
-                  <a14:hiddenLine xmlns:a14="http://schemas.microsoft.com/office/drawing/2010/main" xmlns="" w="9525">
+                  <a14:hiddenLine xmlns="" xmlns:a14="http://schemas.microsoft.com/office/drawing/2010/main" w="9525">
                     <a:solidFill>
                       <a:srgbClr val="000000"/>
                     </a:solidFill>
@@ -11852,7 +11853,7 @@
               </a:ln>
               <a:extLst>
                 <a:ext uri="{91240B29-F687-4f45-9708-019B960494DF}">
-                  <a14:hiddenLine xmlns:a14="http://schemas.microsoft.com/office/drawing/2010/main" xmlns="" w="9525">
+                  <a14:hiddenLine xmlns="" xmlns:a14="http://schemas.microsoft.com/office/drawing/2010/main" w="9525">
                     <a:solidFill>
                       <a:srgbClr val="000000"/>
                     </a:solidFill>
@@ -11886,7 +11887,7 @@
               </a:ln>
               <a:extLst>
                 <a:ext uri="{91240B29-F687-4f45-9708-019B960494DF}">
-                  <a14:hiddenLine xmlns:a14="http://schemas.microsoft.com/office/drawing/2010/main" xmlns="" w="9525">
+                  <a14:hiddenLine xmlns="" xmlns:a14="http://schemas.microsoft.com/office/drawing/2010/main" w="9525">
                     <a:solidFill>
                       <a:srgbClr val="000000"/>
                     </a:solidFill>
@@ -12451,7 +12452,7 @@
           <p:cNvPr id="2" name="Title 1">
             <a:extLst>
               <a:ext uri="{FF2B5EF4-FFF2-40B4-BE49-F238E27FC236}">
-                <a16:creationId xmlns:a16="http://schemas.microsoft.com/office/drawing/2014/main" id="{4E4A3EEA-A394-4398-BA47-406ABA233F17}"/>
+                <a16:creationId xmlns:a16="http://schemas.microsoft.com/office/drawing/2014/main" id="{A3C549EE-BDF8-4C43-835F-F30CF0227CC3}"/>
               </a:ext>
             </a:extLst>
           </p:cNvPr>
@@ -12459,39 +12460,168 @@
             <a:spLocks noGrp="1"/>
           </p:cNvSpPr>
           <p:nvPr>
-            <p:ph type="ctrTitle"/>
+            <p:ph type="title"/>
           </p:nvPr>
         </p:nvSpPr>
-        <p:spPr>
-          <a:xfrm>
-            <a:off x="854876" y="2177261"/>
-            <a:ext cx="10932319" cy="1785938"/>
-          </a:xfrm>
-        </p:spPr>
+        <p:spPr/>
         <p:txBody>
-          <a:bodyPr>
-            <a:normAutofit/>
-          </a:bodyPr>
+          <a:bodyPr/>
           <a:lstStyle/>
           <a:p>
-            <a:pPr algn="ctr"/>
-            <a:r>
-              <a:rPr lang="el-GR" sz="3600" dirty="0">
-                <a:ea typeface="Adobe Fan Heiti Std B" panose="020B0700000000000000" pitchFamily="34" charset="-128"/>
-              </a:rPr>
-              <a:t>Τεχνολογιες μηχανικησ μαθησησ και ορασησ υπολογιστων για την βελτιστοποιηση της αποδοσησ στο πεδιο του αθλητισμου</a:t>
-            </a:r>
-            <a:endParaRPr lang="en-US" sz="3600" dirty="0">
-              <a:latin typeface="Adobe Garamond Pro Bold" panose="02020702060506020403" pitchFamily="18" charset="0"/>
-              <a:ea typeface="Adobe Fan Heiti Std B" panose="020B0700000000000000" pitchFamily="34" charset="-128"/>
-            </a:endParaRPr>
+            <a:endParaRPr lang="en-US"/>
+          </a:p>
+        </p:txBody>
+      </p:sp>
+      <p:sp>
+        <p:nvSpPr>
+          <p:cNvPr id="3" name="Content Placeholder 2">
+            <a:extLst>
+              <a:ext uri="{FF2B5EF4-FFF2-40B4-BE49-F238E27FC236}">
+                <a16:creationId xmlns:a16="http://schemas.microsoft.com/office/drawing/2014/main" id="{A3872AAB-D934-4047-BF97-A70BA67C9348}"/>
+              </a:ext>
+            </a:extLst>
+          </p:cNvPr>
+          <p:cNvSpPr>
+            <a:spLocks noGrp="1"/>
+          </p:cNvSpPr>
+          <p:nvPr>
+            <p:ph idx="1"/>
+          </p:nvPr>
+        </p:nvSpPr>
+        <p:spPr/>
+        <p:txBody>
+          <a:bodyPr/>
+          <a:lstStyle/>
+          <a:p>
+            <a:endParaRPr lang="en-US"/>
           </a:p>
         </p:txBody>
       </p:sp>
     </p:spTree>
     <p:extLst>
       <p:ext uri="{BB962C8B-B14F-4D97-AF65-F5344CB8AC3E}">
-        <p14:creationId xmlns:p14="http://schemas.microsoft.com/office/powerpoint/2010/main" val="2303704878"/>
+        <p14:creationId xmlns:p14="http://schemas.microsoft.com/office/powerpoint/2010/main" val="3309549990"/>
+      </p:ext>
+    </p:extLst>
+  </p:cSld>
+  <p:clrMapOvr>
+    <a:masterClrMapping/>
+  </p:clrMapOvr>
+  <mc:AlternateContent xmlns:mc="http://schemas.openxmlformats.org/markup-compatibility/2006">
+    <mc:Choice xmlns:p14="http://schemas.microsoft.com/office/powerpoint/2010/main" Requires="p14">
+      <p:transition spd="slow" p14:dur="1500">
+        <p:split orient="vert"/>
+      </p:transition>
+    </mc:Choice>
+    <mc:Fallback>
+      <p:transition spd="slow">
+        <p:split orient="vert"/>
+      </p:transition>
+    </mc:Fallback>
+  </mc:AlternateContent>
+</p:sld>
+</file>
+
+<file path=ppt/slides/slide10.xml><?xml version="1.0" encoding="utf-8"?>
+<p:sld xmlns:a="http://schemas.openxmlformats.org/drawingml/2006/main" xmlns:r="http://schemas.openxmlformats.org/officeDocument/2006/relationships" xmlns:p="http://schemas.openxmlformats.org/presentationml/2006/main">
+  <p:cSld>
+    <p:spTree>
+      <p:nvGrpSpPr>
+        <p:cNvPr id="1" name=""/>
+        <p:cNvGrpSpPr/>
+        <p:nvPr/>
+      </p:nvGrpSpPr>
+      <p:grpSpPr>
+        <a:xfrm>
+          <a:off x="0" y="0"/>
+          <a:ext cx="0" cy="0"/>
+          <a:chOff x="0" y="0"/>
+          <a:chExt cx="0" cy="0"/>
+        </a:xfrm>
+      </p:grpSpPr>
+      <p:sp>
+        <p:nvSpPr>
+          <p:cNvPr id="2" name="Title 1">
+            <a:extLst>
+              <a:ext uri="{FF2B5EF4-FFF2-40B4-BE49-F238E27FC236}">
+                <a16:creationId xmlns:a16="http://schemas.microsoft.com/office/drawing/2014/main" id="{07CB26F1-A02B-4C6A-BDFE-7CAE92A3BA64}"/>
+              </a:ext>
+            </a:extLst>
+          </p:cNvPr>
+          <p:cNvSpPr>
+            <a:spLocks noGrp="1"/>
+          </p:cNvSpPr>
+          <p:nvPr>
+            <p:ph type="title"/>
+          </p:nvPr>
+        </p:nvSpPr>
+        <p:spPr>
+          <a:xfrm>
+            <a:off x="991394" y="420971"/>
+            <a:ext cx="9905998" cy="1104106"/>
+          </a:xfrm>
+        </p:spPr>
+        <p:txBody>
+          <a:bodyPr/>
+          <a:lstStyle/>
+          <a:p>
+            <a:pPr algn="ctr"/>
+            <a:r>
+              <a:rPr lang="el-GR" dirty="0" err="1"/>
+              <a:t>Εκχωρηση</a:t>
+            </a:r>
+            <a:r>
+              <a:rPr lang="el-GR" dirty="0"/>
+              <a:t> </a:t>
+            </a:r>
+            <a:r>
+              <a:rPr lang="el-GR" dirty="0" err="1"/>
+              <a:t>δεδομενων</a:t>
+            </a:r>
+            <a:r>
+              <a:rPr lang="el-GR" dirty="0"/>
+              <a:t> σε </a:t>
+            </a:r>
+            <a:r>
+              <a:rPr lang="en-US" dirty="0"/>
+              <a:t>excel</a:t>
+            </a:r>
+          </a:p>
+        </p:txBody>
+      </p:sp>
+      <p:pic>
+        <p:nvPicPr>
+          <p:cNvPr id="5" name="Content Placeholder 4">
+            <a:extLst>
+              <a:ext uri="{FF2B5EF4-FFF2-40B4-BE49-F238E27FC236}">
+                <a16:creationId xmlns:a16="http://schemas.microsoft.com/office/drawing/2014/main" id="{00721F66-F663-4CD7-9358-A83EDF532993}"/>
+              </a:ext>
+            </a:extLst>
+          </p:cNvPr>
+          <p:cNvPicPr>
+            <a:picLocks noGrp="1" noChangeAspect="1"/>
+          </p:cNvPicPr>
+          <p:nvPr>
+            <p:ph idx="1"/>
+          </p:nvPr>
+        </p:nvPicPr>
+        <p:blipFill>
+          <a:blip r:embed="rId2"/>
+          <a:stretch>
+            <a:fillRect/>
+          </a:stretch>
+        </p:blipFill>
+        <p:spPr>
+          <a:xfrm>
+            <a:off x="2912016" y="1446997"/>
+            <a:ext cx="5953378" cy="4768569"/>
+          </a:xfrm>
+        </p:spPr>
+      </p:pic>
+    </p:spTree>
+    <p:extLst>
+      <p:ext uri="{BB962C8B-B14F-4D97-AF65-F5344CB8AC3E}">
+        <p14:creationId xmlns:p14="http://schemas.microsoft.com/office/powerpoint/2010/main" val="3074595052"/>
       </p:ext>
     </p:extLst>
   </p:cSld>
@@ -12500,8 +12630,8 @@
   </p:clrMapOvr>
   <mc:AlternateContent xmlns:mc="http://schemas.openxmlformats.org/markup-compatibility/2006" xmlns:p14="http://schemas.microsoft.com/office/powerpoint/2010/main">
     <mc:Choice Requires="p14">
-      <p:transition spd="slow" p14:dur="3400">
-        <p14:reveal/>
+      <p:transition spd="slow" p14:dur="1600">
+        <p14:prism isInverted="1"/>
       </p:transition>
     </mc:Choice>
     <mc:Fallback xmlns="">
@@ -12510,10 +12640,195 @@
       </p:transition>
     </mc:Fallback>
   </mc:AlternateContent>
+  <p:timing>
+    <p:tnLst>
+      <p:par>
+        <p:cTn id="1" dur="indefinite" restart="never" nodeType="tmRoot">
+          <p:childTnLst>
+            <p:seq concurrent="1" nextAc="seek">
+              <p:cTn id="2" dur="indefinite" nodeType="mainSeq">
+                <p:childTnLst>
+                  <p:par>
+                    <p:cTn id="3" fill="hold">
+                      <p:stCondLst>
+                        <p:cond delay="indefinite"/>
+                      </p:stCondLst>
+                      <p:childTnLst>
+                        <p:par>
+                          <p:cTn id="4" fill="hold">
+                            <p:stCondLst>
+                              <p:cond delay="0"/>
+                            </p:stCondLst>
+                            <p:childTnLst>
+                              <p:par>
+                                <p:cTn id="5" presetID="10" presetClass="entr" presetSubtype="0" fill="hold" grpId="0" nodeType="clickEffect">
+                                  <p:stCondLst>
+                                    <p:cond delay="0"/>
+                                  </p:stCondLst>
+                                  <p:childTnLst>
+                                    <p:set>
+                                      <p:cBhvr>
+                                        <p:cTn id="6" dur="1" fill="hold">
+                                          <p:stCondLst>
+                                            <p:cond delay="0"/>
+                                          </p:stCondLst>
+                                        </p:cTn>
+                                        <p:tgtEl>
+                                          <p:spTgt spid="2"/>
+                                        </p:tgtEl>
+                                        <p:attrNameLst>
+                                          <p:attrName>style.visibility</p:attrName>
+                                        </p:attrNameLst>
+                                      </p:cBhvr>
+                                      <p:to>
+                                        <p:strVal val="visible"/>
+                                      </p:to>
+                                    </p:set>
+                                    <p:animEffect transition="in" filter="fade">
+                                      <p:cBhvr>
+                                        <p:cTn id="7" dur="500"/>
+                                        <p:tgtEl>
+                                          <p:spTgt spid="2"/>
+                                        </p:tgtEl>
+                                      </p:cBhvr>
+                                    </p:animEffect>
+                                  </p:childTnLst>
+                                </p:cTn>
+                              </p:par>
+                            </p:childTnLst>
+                          </p:cTn>
+                        </p:par>
+                      </p:childTnLst>
+                    </p:cTn>
+                  </p:par>
+                  <p:par>
+                    <p:cTn id="8" fill="hold">
+                      <p:stCondLst>
+                        <p:cond delay="indefinite"/>
+                      </p:stCondLst>
+                      <p:childTnLst>
+                        <p:par>
+                          <p:cTn id="9" fill="hold">
+                            <p:stCondLst>
+                              <p:cond delay="0"/>
+                            </p:stCondLst>
+                            <p:childTnLst>
+                              <p:par>
+                                <p:cTn id="10" presetID="42" presetClass="entr" presetSubtype="0" fill="hold" nodeType="clickEffect">
+                                  <p:stCondLst>
+                                    <p:cond delay="0"/>
+                                  </p:stCondLst>
+                                  <p:childTnLst>
+                                    <p:set>
+                                      <p:cBhvr>
+                                        <p:cTn id="11" dur="1" fill="hold">
+                                          <p:stCondLst>
+                                            <p:cond delay="0"/>
+                                          </p:stCondLst>
+                                        </p:cTn>
+                                        <p:tgtEl>
+                                          <p:spTgt spid="5"/>
+                                        </p:tgtEl>
+                                        <p:attrNameLst>
+                                          <p:attrName>style.visibility</p:attrName>
+                                        </p:attrNameLst>
+                                      </p:cBhvr>
+                                      <p:to>
+                                        <p:strVal val="visible"/>
+                                      </p:to>
+                                    </p:set>
+                                    <p:animEffect transition="in" filter="fade">
+                                      <p:cBhvr>
+                                        <p:cTn id="12" dur="1000"/>
+                                        <p:tgtEl>
+                                          <p:spTgt spid="5"/>
+                                        </p:tgtEl>
+                                      </p:cBhvr>
+                                    </p:animEffect>
+                                    <p:anim calcmode="lin" valueType="num">
+                                      <p:cBhvr>
+                                        <p:cTn id="13" dur="1000" fill="hold"/>
+                                        <p:tgtEl>
+                                          <p:spTgt spid="5"/>
+                                        </p:tgtEl>
+                                        <p:attrNameLst>
+                                          <p:attrName>ppt_x</p:attrName>
+                                        </p:attrNameLst>
+                                      </p:cBhvr>
+                                      <p:tavLst>
+                                        <p:tav tm="0">
+                                          <p:val>
+                                            <p:strVal val="#ppt_x"/>
+                                          </p:val>
+                                        </p:tav>
+                                        <p:tav tm="100000">
+                                          <p:val>
+                                            <p:strVal val="#ppt_x"/>
+                                          </p:val>
+                                        </p:tav>
+                                      </p:tavLst>
+                                    </p:anim>
+                                    <p:anim calcmode="lin" valueType="num">
+                                      <p:cBhvr>
+                                        <p:cTn id="14" dur="1000" fill="hold"/>
+                                        <p:tgtEl>
+                                          <p:spTgt spid="5"/>
+                                        </p:tgtEl>
+                                        <p:attrNameLst>
+                                          <p:attrName>ppt_y</p:attrName>
+                                        </p:attrNameLst>
+                                      </p:cBhvr>
+                                      <p:tavLst>
+                                        <p:tav tm="0">
+                                          <p:val>
+                                            <p:strVal val="#ppt_y+.1"/>
+                                          </p:val>
+                                        </p:tav>
+                                        <p:tav tm="100000">
+                                          <p:val>
+                                            <p:strVal val="#ppt_y"/>
+                                          </p:val>
+                                        </p:tav>
+                                      </p:tavLst>
+                                    </p:anim>
+                                  </p:childTnLst>
+                                </p:cTn>
+                              </p:par>
+                            </p:childTnLst>
+                          </p:cTn>
+                        </p:par>
+                      </p:childTnLst>
+                    </p:cTn>
+                  </p:par>
+                </p:childTnLst>
+              </p:cTn>
+              <p:prevCondLst>
+                <p:cond evt="onPrev" delay="0">
+                  <p:tgtEl>
+                    <p:sldTgt/>
+                  </p:tgtEl>
+                </p:cond>
+              </p:prevCondLst>
+              <p:nextCondLst>
+                <p:cond evt="onNext" delay="0">
+                  <p:tgtEl>
+                    <p:sldTgt/>
+                  </p:tgtEl>
+                </p:cond>
+              </p:nextCondLst>
+            </p:seq>
+          </p:childTnLst>
+        </p:cTn>
+      </p:par>
+    </p:tnLst>
+    <p:bldLst>
+      <p:bldP spid="2" grpId="0"/>
+    </p:bldLst>
+  </p:timing>
 </p:sld>
 </file>
 
-<file path=ppt/slides/slide10.xml><?xml version="1.0" encoding="utf-8"?>
+<file path=ppt/slides/slide11.xml><?xml version="1.0" encoding="utf-8"?>
 <p:sld xmlns:a="http://schemas.openxmlformats.org/drawingml/2006/main" xmlns:r="http://schemas.openxmlformats.org/officeDocument/2006/relationships" xmlns:p="http://schemas.openxmlformats.org/presentationml/2006/main">
   <p:cSld>
     <p:spTree>
@@ -12951,7 +13266,7 @@
 </p:sld>
 </file>
 
-<file path=ppt/slides/slide11.xml><?xml version="1.0" encoding="utf-8"?>
+<file path=ppt/slides/slide12.xml><?xml version="1.0" encoding="utf-8"?>
 <p:sld xmlns:a="http://schemas.openxmlformats.org/drawingml/2006/main" xmlns:r="http://schemas.openxmlformats.org/officeDocument/2006/relationships" xmlns:p="http://schemas.openxmlformats.org/presentationml/2006/main">
   <p:cSld>
     <p:spTree>
@@ -13309,7 +13624,7 @@
 </p:sld>
 </file>
 
-<file path=ppt/slides/slide12.xml><?xml version="1.0" encoding="utf-8"?>
+<file path=ppt/slides/slide13.xml><?xml version="1.0" encoding="utf-8"?>
 <p:sld xmlns:a="http://schemas.openxmlformats.org/drawingml/2006/main" xmlns:r="http://schemas.openxmlformats.org/officeDocument/2006/relationships" xmlns:p="http://schemas.openxmlformats.org/presentationml/2006/main">
   <p:cSld>
     <p:spTree>
@@ -13647,7 +13962,7 @@
 </p:sld>
 </file>
 
-<file path=ppt/slides/slide13.xml><?xml version="1.0" encoding="utf-8"?>
+<file path=ppt/slides/slide14.xml><?xml version="1.0" encoding="utf-8"?>
 <p:sld xmlns:a="http://schemas.openxmlformats.org/drawingml/2006/main" xmlns:r="http://schemas.openxmlformats.org/officeDocument/2006/relationships" xmlns:p="http://schemas.openxmlformats.org/presentationml/2006/main">
   <p:cSld>
     <p:spTree>
@@ -13722,7 +14037,7 @@
           <a:p>
             <a:r>
               <a:rPr lang="el-GR" dirty="0"/>
-              <a:t>Είναι εφικτή η βελτιστοποίηση της αθλητικής απόδοσης με την χρήση Μηχανικής Μάθησης και Όρασης υπολογιστών</a:t>
+              <a:t>Είναι εφικτή η βελτιστοποίηση της αθλητικής απόδοσης με την χρήση της Μηχανικής Μάθησης και της Όρασης υπολογιστών</a:t>
             </a:r>
           </a:p>
           <a:p>
@@ -14316,7 +14631,7 @@
 </p:sld>
 </file>
 
-<file path=ppt/slides/slide14.xml><?xml version="1.0" encoding="utf-8"?>
+<file path=ppt/slides/slide15.xml><?xml version="1.0" encoding="utf-8"?>
 <p:sld xmlns:a="http://schemas.openxmlformats.org/drawingml/2006/main" xmlns:r="http://schemas.openxmlformats.org/officeDocument/2006/relationships" xmlns:p="http://schemas.openxmlformats.org/presentationml/2006/main">
   <p:cSld>
     <p:spTree>
@@ -14414,7 +14729,7 @@
           <a:p>
             <a:r>
               <a:rPr lang="el-GR" dirty="0"/>
-              <a:t>Εφαρμογές σε άλλους τομείς</a:t>
+              <a:t>Εφαρμογές σε άλλους τομείς:</a:t>
             </a:r>
           </a:p>
           <a:p>
@@ -15035,7 +15350,7 @@
 </p:sld>
 </file>
 
-<file path=ppt/slides/slide15.xml><?xml version="1.0" encoding="utf-8"?>
+<file path=ppt/slides/slide16.xml><?xml version="1.0" encoding="utf-8"?>
 <p:sld xmlns:a="http://schemas.openxmlformats.org/drawingml/2006/main" xmlns:r="http://schemas.openxmlformats.org/officeDocument/2006/relationships" xmlns:p="http://schemas.openxmlformats.org/presentationml/2006/main">
   <p:cSld>
     <p:spTree>
@@ -15108,6 +15423,9 @@
           <a:bodyPr/>
           <a:lstStyle/>
           <a:p>
+            <a:pPr marL="0" indent="0">
+              <a:buNone/>
+            </a:pPr>
             <a:r>
               <a:rPr lang="el-GR" dirty="0"/>
               <a:t>Ο κώδικας είναι αναρτημένος στο </a:t>
@@ -15147,13 +15465,13 @@
   <p:clrMapOvr>
     <a:masterClrMapping/>
   </p:clrMapOvr>
-  <mc:AlternateContent xmlns:mc="http://schemas.openxmlformats.org/markup-compatibility/2006">
-    <mc:Choice xmlns:p14="http://schemas.microsoft.com/office/powerpoint/2010/main" Requires="p14">
+  <mc:AlternateContent xmlns:mc="http://schemas.openxmlformats.org/markup-compatibility/2006" xmlns:p14="http://schemas.microsoft.com/office/powerpoint/2010/main">
+    <mc:Choice Requires="p14">
       <p:transition spd="slow" p14:dur="3400">
         <p14:reveal/>
       </p:transition>
     </mc:Choice>
-    <mc:Fallback>
+    <mc:Fallback xmlns="">
       <p:transition spd="slow">
         <p:fade/>
       </p:transition>
@@ -15162,7 +15480,7 @@
 </p:sld>
 </file>
 
-<file path=ppt/slides/slide16.xml><?xml version="1.0" encoding="utf-8"?>
+<file path=ppt/slides/slide17.xml><?xml version="1.0" encoding="utf-8"?>
 <p:sld xmlns:a="http://schemas.openxmlformats.org/drawingml/2006/main" xmlns:r="http://schemas.openxmlformats.org/officeDocument/2006/relationships" xmlns:p="http://schemas.openxmlformats.org/presentationml/2006/main">
   <p:cSld>
     <p:spTree>
@@ -15223,13 +15541,13 @@
   <p:clrMapOvr>
     <a:masterClrMapping/>
   </p:clrMapOvr>
-  <mc:AlternateContent xmlns:mc="http://schemas.openxmlformats.org/markup-compatibility/2006">
-    <mc:Choice xmlns:p14="http://schemas.microsoft.com/office/powerpoint/2010/main" Requires="p14">
+  <mc:AlternateContent xmlns:mc="http://schemas.openxmlformats.org/markup-compatibility/2006" xmlns:p14="http://schemas.microsoft.com/office/powerpoint/2010/main">
+    <mc:Choice Requires="p14">
       <p:transition spd="slow" p14:dur="1500">
         <p:split orient="vert"/>
       </p:transition>
     </mc:Choice>
-    <mc:Fallback>
+    <mc:Fallback xmlns="">
       <p:transition spd="slow">
         <p:split orient="vert"/>
       </p:transition>
@@ -15239,6 +15557,90 @@
 </file>
 
 <file path=ppt/slides/slide2.xml><?xml version="1.0" encoding="utf-8"?>
+<p:sld xmlns:a="http://schemas.openxmlformats.org/drawingml/2006/main" xmlns:r="http://schemas.openxmlformats.org/officeDocument/2006/relationships" xmlns:p="http://schemas.openxmlformats.org/presentationml/2006/main">
+  <p:cSld>
+    <p:spTree>
+      <p:nvGrpSpPr>
+        <p:cNvPr id="1" name=""/>
+        <p:cNvGrpSpPr/>
+        <p:nvPr/>
+      </p:nvGrpSpPr>
+      <p:grpSpPr>
+        <a:xfrm>
+          <a:off x="0" y="0"/>
+          <a:ext cx="0" cy="0"/>
+          <a:chOff x="0" y="0"/>
+          <a:chExt cx="0" cy="0"/>
+        </a:xfrm>
+      </p:grpSpPr>
+      <p:sp>
+        <p:nvSpPr>
+          <p:cNvPr id="2" name="Title 1">
+            <a:extLst>
+              <a:ext uri="{FF2B5EF4-FFF2-40B4-BE49-F238E27FC236}">
+                <a16:creationId xmlns:a16="http://schemas.microsoft.com/office/drawing/2014/main" id="{4E4A3EEA-A394-4398-BA47-406ABA233F17}"/>
+              </a:ext>
+            </a:extLst>
+          </p:cNvPr>
+          <p:cNvSpPr>
+            <a:spLocks noGrp="1"/>
+          </p:cNvSpPr>
+          <p:nvPr>
+            <p:ph type="ctrTitle"/>
+          </p:nvPr>
+        </p:nvSpPr>
+        <p:spPr>
+          <a:xfrm>
+            <a:off x="854876" y="2177261"/>
+            <a:ext cx="10932319" cy="1785938"/>
+          </a:xfrm>
+        </p:spPr>
+        <p:txBody>
+          <a:bodyPr>
+            <a:normAutofit/>
+          </a:bodyPr>
+          <a:lstStyle/>
+          <a:p>
+            <a:pPr algn="ctr"/>
+            <a:r>
+              <a:rPr lang="el-GR" sz="3600" dirty="0">
+                <a:ea typeface="Adobe Fan Heiti Std B" panose="020B0700000000000000" pitchFamily="34" charset="-128"/>
+              </a:rPr>
+              <a:t>Τεχνολογιες μηχανικησ μαθησησ και ορασησ υπολογιστων για την βελτιστοποιηση της αποδοσησ στο πεδιο του αθλητισμου</a:t>
+            </a:r>
+            <a:endParaRPr lang="en-US" sz="3600" dirty="0">
+              <a:latin typeface="Adobe Garamond Pro Bold" panose="02020702060506020403" pitchFamily="18" charset="0"/>
+              <a:ea typeface="Adobe Fan Heiti Std B" panose="020B0700000000000000" pitchFamily="34" charset="-128"/>
+            </a:endParaRPr>
+          </a:p>
+        </p:txBody>
+      </p:sp>
+    </p:spTree>
+    <p:extLst>
+      <p:ext uri="{BB962C8B-B14F-4D97-AF65-F5344CB8AC3E}">
+        <p14:creationId xmlns:p14="http://schemas.microsoft.com/office/powerpoint/2010/main" val="2303704878"/>
+      </p:ext>
+    </p:extLst>
+  </p:cSld>
+  <p:clrMapOvr>
+    <a:masterClrMapping/>
+  </p:clrMapOvr>
+  <mc:AlternateContent xmlns:mc="http://schemas.openxmlformats.org/markup-compatibility/2006" xmlns:p14="http://schemas.microsoft.com/office/powerpoint/2010/main">
+    <mc:Choice Requires="p14">
+      <p:transition spd="slow" p14:dur="3400">
+        <p14:reveal/>
+      </p:transition>
+    </mc:Choice>
+    <mc:Fallback xmlns="">
+      <p:transition spd="slow">
+        <p:fade/>
+      </p:transition>
+    </mc:Fallback>
+  </mc:AlternateContent>
+</p:sld>
+</file>
+
+<file path=ppt/slides/slide3.xml><?xml version="1.0" encoding="utf-8"?>
 <p:sld xmlns:a="http://schemas.openxmlformats.org/drawingml/2006/main" xmlns:r="http://schemas.openxmlformats.org/officeDocument/2006/relationships" xmlns:p="http://schemas.openxmlformats.org/presentationml/2006/main">
   <p:cSld>
     <p:spTree>
@@ -15530,7 +15932,7 @@
 </p:sld>
 </file>
 
-<file path=ppt/slides/slide3.xml><?xml version="1.0" encoding="utf-8"?>
+<file path=ppt/slides/slide4.xml><?xml version="1.0" encoding="utf-8"?>
 <p:sld xmlns:a="http://schemas.openxmlformats.org/drawingml/2006/main" xmlns:r="http://schemas.openxmlformats.org/officeDocument/2006/relationships" xmlns:p="http://schemas.openxmlformats.org/presentationml/2006/main">
   <p:cSld>
     <p:spTree>
@@ -15565,7 +15967,7 @@
         </p:nvSpPr>
         <p:spPr>
           <a:xfrm>
-            <a:off x="1112847" y="961425"/>
+            <a:off x="691362" y="961425"/>
             <a:ext cx="9905998" cy="881670"/>
           </a:xfrm>
         </p:spPr>
@@ -15600,7 +16002,7 @@
         </p:nvSpPr>
         <p:spPr>
           <a:xfrm>
-            <a:off x="1712447" y="1843095"/>
+            <a:off x="1333824" y="1843095"/>
             <a:ext cx="9905999" cy="4436261"/>
           </a:xfrm>
         </p:spPr>
@@ -16285,7 +16687,7 @@
 </p:sld>
 </file>
 
-<file path=ppt/slides/slide4.xml><?xml version="1.0" encoding="utf-8"?>
+<file path=ppt/slides/slide5.xml><?xml version="1.0" encoding="utf-8"?>
 <p:sld xmlns:a="http://schemas.openxmlformats.org/drawingml/2006/main" xmlns:r="http://schemas.openxmlformats.org/officeDocument/2006/relationships" xmlns:p="http://schemas.openxmlformats.org/presentationml/2006/main">
   <p:cSld>
     <p:spTree>
@@ -16320,7 +16722,7 @@
         </p:nvSpPr>
         <p:spPr>
           <a:xfrm>
-            <a:off x="1077119" y="923918"/>
+            <a:off x="1210807" y="923918"/>
             <a:ext cx="9905998" cy="1080295"/>
           </a:xfrm>
         </p:spPr>
@@ -16355,7 +16757,7 @@
         </p:nvSpPr>
         <p:spPr>
           <a:xfrm>
-            <a:off x="1982452" y="2004213"/>
+            <a:off x="1318086" y="2004213"/>
             <a:ext cx="9905999" cy="4016402"/>
           </a:xfrm>
         </p:spPr>
@@ -17342,7 +17744,7 @@
 </p:sld>
 </file>
 
-<file path=ppt/slides/slide5.xml><?xml version="1.0" encoding="utf-8"?>
+<file path=ppt/slides/slide6.xml><?xml version="1.0" encoding="utf-8"?>
 <p:sld xmlns:a="http://schemas.openxmlformats.org/drawingml/2006/main" xmlns:r="http://schemas.openxmlformats.org/officeDocument/2006/relationships" xmlns:p="http://schemas.openxmlformats.org/presentationml/2006/main">
   <p:cSld>
     <p:spTree>
@@ -17994,7 +18396,7 @@
 </p:sld>
 </file>
 
-<file path=ppt/slides/slide6.xml><?xml version="1.0" encoding="utf-8"?>
+<file path=ppt/slides/slide7.xml><?xml version="1.0" encoding="utf-8"?>
 <p:sld xmlns:a="http://schemas.openxmlformats.org/drawingml/2006/main" xmlns:r="http://schemas.openxmlformats.org/officeDocument/2006/relationships" xmlns:p="http://schemas.openxmlformats.org/presentationml/2006/main">
   <p:cSld>
     <p:spTree>
@@ -18341,7 +18743,7 @@
 </p:sld>
 </file>
 
-<file path=ppt/slides/slide7.xml><?xml version="1.0" encoding="utf-8"?>
+<file path=ppt/slides/slide8.xml><?xml version="1.0" encoding="utf-8"?>
 <p:sld xmlns:a="http://schemas.openxmlformats.org/drawingml/2006/main" xmlns:r="http://schemas.openxmlformats.org/officeDocument/2006/relationships" xmlns:p="http://schemas.openxmlformats.org/presentationml/2006/main">
   <p:cSld>
     <p:spTree>
@@ -18628,7 +19030,7 @@
 </p:sld>
 </file>
 
-<file path=ppt/slides/slide8.xml><?xml version="1.0" encoding="utf-8"?>
+<file path=ppt/slides/slide9.xml><?xml version="1.0" encoding="utf-8"?>
 <p:sld xmlns:a="http://schemas.openxmlformats.org/drawingml/2006/main" xmlns:r="http://schemas.openxmlformats.org/officeDocument/2006/relationships" xmlns:p="http://schemas.openxmlformats.org/presentationml/2006/main">
   <p:cSld>
     <p:spTree>
@@ -18752,312 +19154,6 @@
       </p:transition>
     </mc:Fallback>
   </mc:AlternateContent>
-</p:sld>
-</file>
-
-<file path=ppt/slides/slide9.xml><?xml version="1.0" encoding="utf-8"?>
-<p:sld xmlns:a="http://schemas.openxmlformats.org/drawingml/2006/main" xmlns:r="http://schemas.openxmlformats.org/officeDocument/2006/relationships" xmlns:p="http://schemas.openxmlformats.org/presentationml/2006/main">
-  <p:cSld>
-    <p:spTree>
-      <p:nvGrpSpPr>
-        <p:cNvPr id="1" name=""/>
-        <p:cNvGrpSpPr/>
-        <p:nvPr/>
-      </p:nvGrpSpPr>
-      <p:grpSpPr>
-        <a:xfrm>
-          <a:off x="0" y="0"/>
-          <a:ext cx="0" cy="0"/>
-          <a:chOff x="0" y="0"/>
-          <a:chExt cx="0" cy="0"/>
-        </a:xfrm>
-      </p:grpSpPr>
-      <p:sp>
-        <p:nvSpPr>
-          <p:cNvPr id="2" name="Title 1">
-            <a:extLst>
-              <a:ext uri="{FF2B5EF4-FFF2-40B4-BE49-F238E27FC236}">
-                <a16:creationId xmlns:a16="http://schemas.microsoft.com/office/drawing/2014/main" id="{07CB26F1-A02B-4C6A-BDFE-7CAE92A3BA64}"/>
-              </a:ext>
-            </a:extLst>
-          </p:cNvPr>
-          <p:cNvSpPr>
-            <a:spLocks noGrp="1"/>
-          </p:cNvSpPr>
-          <p:nvPr>
-            <p:ph type="title"/>
-          </p:nvPr>
-        </p:nvSpPr>
-        <p:spPr>
-          <a:xfrm>
-            <a:off x="991394" y="420971"/>
-            <a:ext cx="9905998" cy="1104106"/>
-          </a:xfrm>
-        </p:spPr>
-        <p:txBody>
-          <a:bodyPr/>
-          <a:lstStyle/>
-          <a:p>
-            <a:pPr algn="ctr"/>
-            <a:r>
-              <a:rPr lang="el-GR" dirty="0" err="1"/>
-              <a:t>Εκχωρηση</a:t>
-            </a:r>
-            <a:r>
-              <a:rPr lang="el-GR" dirty="0"/>
-              <a:t> </a:t>
-            </a:r>
-            <a:r>
-              <a:rPr lang="el-GR" dirty="0" err="1"/>
-              <a:t>δεδομενων</a:t>
-            </a:r>
-            <a:r>
-              <a:rPr lang="el-GR" dirty="0"/>
-              <a:t> σε </a:t>
-            </a:r>
-            <a:r>
-              <a:rPr lang="en-US" dirty="0"/>
-              <a:t>excel</a:t>
-            </a:r>
-          </a:p>
-        </p:txBody>
-      </p:sp>
-      <p:pic>
-        <p:nvPicPr>
-          <p:cNvPr id="5" name="Content Placeholder 4">
-            <a:extLst>
-              <a:ext uri="{FF2B5EF4-FFF2-40B4-BE49-F238E27FC236}">
-                <a16:creationId xmlns:a16="http://schemas.microsoft.com/office/drawing/2014/main" id="{00721F66-F663-4CD7-9358-A83EDF532993}"/>
-              </a:ext>
-            </a:extLst>
-          </p:cNvPr>
-          <p:cNvPicPr>
-            <a:picLocks noGrp="1" noChangeAspect="1"/>
-          </p:cNvPicPr>
-          <p:nvPr>
-            <p:ph idx="1"/>
-          </p:nvPr>
-        </p:nvPicPr>
-        <p:blipFill>
-          <a:blip r:embed="rId2"/>
-          <a:stretch>
-            <a:fillRect/>
-          </a:stretch>
-        </p:blipFill>
-        <p:spPr>
-          <a:xfrm>
-            <a:off x="2912016" y="1446997"/>
-            <a:ext cx="5953378" cy="4768569"/>
-          </a:xfrm>
-        </p:spPr>
-      </p:pic>
-    </p:spTree>
-    <p:extLst>
-      <p:ext uri="{BB962C8B-B14F-4D97-AF65-F5344CB8AC3E}">
-        <p14:creationId xmlns:p14="http://schemas.microsoft.com/office/powerpoint/2010/main" val="3074595052"/>
-      </p:ext>
-    </p:extLst>
-  </p:cSld>
-  <p:clrMapOvr>
-    <a:masterClrMapping/>
-  </p:clrMapOvr>
-  <mc:AlternateContent xmlns:mc="http://schemas.openxmlformats.org/markup-compatibility/2006" xmlns:p14="http://schemas.microsoft.com/office/powerpoint/2010/main">
-    <mc:Choice Requires="p14">
-      <p:transition spd="slow" p14:dur="1600">
-        <p14:prism isInverted="1"/>
-      </p:transition>
-    </mc:Choice>
-    <mc:Fallback xmlns="">
-      <p:transition spd="slow">
-        <p:fade/>
-      </p:transition>
-    </mc:Fallback>
-  </mc:AlternateContent>
-  <p:timing>
-    <p:tnLst>
-      <p:par>
-        <p:cTn id="1" dur="indefinite" restart="never" nodeType="tmRoot">
-          <p:childTnLst>
-            <p:seq concurrent="1" nextAc="seek">
-              <p:cTn id="2" dur="indefinite" nodeType="mainSeq">
-                <p:childTnLst>
-                  <p:par>
-                    <p:cTn id="3" fill="hold">
-                      <p:stCondLst>
-                        <p:cond delay="indefinite"/>
-                      </p:stCondLst>
-                      <p:childTnLst>
-                        <p:par>
-                          <p:cTn id="4" fill="hold">
-                            <p:stCondLst>
-                              <p:cond delay="0"/>
-                            </p:stCondLst>
-                            <p:childTnLst>
-                              <p:par>
-                                <p:cTn id="5" presetID="10" presetClass="entr" presetSubtype="0" fill="hold" grpId="0" nodeType="clickEffect">
-                                  <p:stCondLst>
-                                    <p:cond delay="0"/>
-                                  </p:stCondLst>
-                                  <p:childTnLst>
-                                    <p:set>
-                                      <p:cBhvr>
-                                        <p:cTn id="6" dur="1" fill="hold">
-                                          <p:stCondLst>
-                                            <p:cond delay="0"/>
-                                          </p:stCondLst>
-                                        </p:cTn>
-                                        <p:tgtEl>
-                                          <p:spTgt spid="2"/>
-                                        </p:tgtEl>
-                                        <p:attrNameLst>
-                                          <p:attrName>style.visibility</p:attrName>
-                                        </p:attrNameLst>
-                                      </p:cBhvr>
-                                      <p:to>
-                                        <p:strVal val="visible"/>
-                                      </p:to>
-                                    </p:set>
-                                    <p:animEffect transition="in" filter="fade">
-                                      <p:cBhvr>
-                                        <p:cTn id="7" dur="500"/>
-                                        <p:tgtEl>
-                                          <p:spTgt spid="2"/>
-                                        </p:tgtEl>
-                                      </p:cBhvr>
-                                    </p:animEffect>
-                                  </p:childTnLst>
-                                </p:cTn>
-                              </p:par>
-                            </p:childTnLst>
-                          </p:cTn>
-                        </p:par>
-                      </p:childTnLst>
-                    </p:cTn>
-                  </p:par>
-                  <p:par>
-                    <p:cTn id="8" fill="hold">
-                      <p:stCondLst>
-                        <p:cond delay="indefinite"/>
-                      </p:stCondLst>
-                      <p:childTnLst>
-                        <p:par>
-                          <p:cTn id="9" fill="hold">
-                            <p:stCondLst>
-                              <p:cond delay="0"/>
-                            </p:stCondLst>
-                            <p:childTnLst>
-                              <p:par>
-                                <p:cTn id="10" presetID="42" presetClass="entr" presetSubtype="0" fill="hold" nodeType="clickEffect">
-                                  <p:stCondLst>
-                                    <p:cond delay="0"/>
-                                  </p:stCondLst>
-                                  <p:childTnLst>
-                                    <p:set>
-                                      <p:cBhvr>
-                                        <p:cTn id="11" dur="1" fill="hold">
-                                          <p:stCondLst>
-                                            <p:cond delay="0"/>
-                                          </p:stCondLst>
-                                        </p:cTn>
-                                        <p:tgtEl>
-                                          <p:spTgt spid="5"/>
-                                        </p:tgtEl>
-                                        <p:attrNameLst>
-                                          <p:attrName>style.visibility</p:attrName>
-                                        </p:attrNameLst>
-                                      </p:cBhvr>
-                                      <p:to>
-                                        <p:strVal val="visible"/>
-                                      </p:to>
-                                    </p:set>
-                                    <p:animEffect transition="in" filter="fade">
-                                      <p:cBhvr>
-                                        <p:cTn id="12" dur="1000"/>
-                                        <p:tgtEl>
-                                          <p:spTgt spid="5"/>
-                                        </p:tgtEl>
-                                      </p:cBhvr>
-                                    </p:animEffect>
-                                    <p:anim calcmode="lin" valueType="num">
-                                      <p:cBhvr>
-                                        <p:cTn id="13" dur="1000" fill="hold"/>
-                                        <p:tgtEl>
-                                          <p:spTgt spid="5"/>
-                                        </p:tgtEl>
-                                        <p:attrNameLst>
-                                          <p:attrName>ppt_x</p:attrName>
-                                        </p:attrNameLst>
-                                      </p:cBhvr>
-                                      <p:tavLst>
-                                        <p:tav tm="0">
-                                          <p:val>
-                                            <p:strVal val="#ppt_x"/>
-                                          </p:val>
-                                        </p:tav>
-                                        <p:tav tm="100000">
-                                          <p:val>
-                                            <p:strVal val="#ppt_x"/>
-                                          </p:val>
-                                        </p:tav>
-                                      </p:tavLst>
-                                    </p:anim>
-                                    <p:anim calcmode="lin" valueType="num">
-                                      <p:cBhvr>
-                                        <p:cTn id="14" dur="1000" fill="hold"/>
-                                        <p:tgtEl>
-                                          <p:spTgt spid="5"/>
-                                        </p:tgtEl>
-                                        <p:attrNameLst>
-                                          <p:attrName>ppt_y</p:attrName>
-                                        </p:attrNameLst>
-                                      </p:cBhvr>
-                                      <p:tavLst>
-                                        <p:tav tm="0">
-                                          <p:val>
-                                            <p:strVal val="#ppt_y+.1"/>
-                                          </p:val>
-                                        </p:tav>
-                                        <p:tav tm="100000">
-                                          <p:val>
-                                            <p:strVal val="#ppt_y"/>
-                                          </p:val>
-                                        </p:tav>
-                                      </p:tavLst>
-                                    </p:anim>
-                                  </p:childTnLst>
-                                </p:cTn>
-                              </p:par>
-                            </p:childTnLst>
-                          </p:cTn>
-                        </p:par>
-                      </p:childTnLst>
-                    </p:cTn>
-                  </p:par>
-                </p:childTnLst>
-              </p:cTn>
-              <p:prevCondLst>
-                <p:cond evt="onPrev" delay="0">
-                  <p:tgtEl>
-                    <p:sldTgt/>
-                  </p:tgtEl>
-                </p:cond>
-              </p:prevCondLst>
-              <p:nextCondLst>
-                <p:cond evt="onNext" delay="0">
-                  <p:tgtEl>
-                    <p:sldTgt/>
-                  </p:tgtEl>
-                </p:cond>
-              </p:nextCondLst>
-            </p:seq>
-          </p:childTnLst>
-        </p:cTn>
-      </p:par>
-    </p:tnLst>
-    <p:bldLst>
-      <p:bldP spid="2" grpId="0"/>
-    </p:bldLst>
-  </p:timing>
 </p:sld>
 </file>
 
